--- a/_PowerPoints/2nd Semester/Unit 8 Stats [and  Probability]/Algebra4_Day_068 11.10 Normal Distribution.pptx
+++ b/_PowerPoints/2nd Semester/Unit 8 Stats [and  Probability]/Algebra4_Day_068 11.10 Normal Distribution.pptx
@@ -5,22 +5,24 @@
     <p:sldMasterId id="2147483648" r:id="rId1"/>
   </p:sldMasterIdLst>
   <p:handoutMasterIdLst>
-    <p:handoutMasterId r:id="rId15"/>
+    <p:handoutMasterId r:id="rId17"/>
   </p:handoutMasterIdLst>
   <p:sldIdLst>
     <p:sldId id="263" r:id="rId2"/>
-    <p:sldId id="327" r:id="rId3"/>
-    <p:sldId id="312" r:id="rId4"/>
-    <p:sldId id="328" r:id="rId5"/>
-    <p:sldId id="329" r:id="rId6"/>
-    <p:sldId id="330" r:id="rId7"/>
-    <p:sldId id="331" r:id="rId8"/>
-    <p:sldId id="332" r:id="rId9"/>
-    <p:sldId id="333" r:id="rId10"/>
-    <p:sldId id="334" r:id="rId11"/>
-    <p:sldId id="335" r:id="rId12"/>
-    <p:sldId id="336" r:id="rId13"/>
-    <p:sldId id="337" r:id="rId14"/>
+    <p:sldId id="338" r:id="rId3"/>
+    <p:sldId id="327" r:id="rId4"/>
+    <p:sldId id="312" r:id="rId5"/>
+    <p:sldId id="328" r:id="rId6"/>
+    <p:sldId id="329" r:id="rId7"/>
+    <p:sldId id="330" r:id="rId8"/>
+    <p:sldId id="334" r:id="rId9"/>
+    <p:sldId id="335" r:id="rId10"/>
+    <p:sldId id="340" r:id="rId11"/>
+    <p:sldId id="336" r:id="rId12"/>
+    <p:sldId id="331" r:id="rId13"/>
+    <p:sldId id="339" r:id="rId14"/>
+    <p:sldId id="333" r:id="rId15"/>
+    <p:sldId id="337" r:id="rId16"/>
   </p:sldIdLst>
   <p:sldSz cx="12192000" cy="6858000"/>
   <p:notesSz cx="7010400" cy="9296400"/>
@@ -209,7 +211,7 @@
           <a:p>
             <a:fld id="{FAC4242D-6570-4D26-878C-5DE8AD62D39F}" type="datetimeFigureOut">
               <a:rPr lang="en-US" smtClean="0"/>
-              <a:t>4/4/2018</a:t>
+              <a:t>4/9/2018</a:t>
             </a:fld>
             <a:endParaRPr lang="en-US"/>
           </a:p>
@@ -462,7 +464,7 @@
             <a:fld id="{87DE6118-2437-4B30-8E3C-4D2BE6020583}" type="datetimeFigureOut">
               <a:rPr lang="en-US" dirty="0"/>
               <a:pPr/>
-              <a:t>4/4/2018</a:t>
+              <a:t>4/9/2018</a:t>
             </a:fld>
             <a:endParaRPr lang="en-US" dirty="0"/>
           </a:p>
@@ -788,7 +790,7 @@
           <a:p>
             <a:fld id="{87DE6118-2437-4B30-8E3C-4D2BE6020583}" type="datetimeFigureOut">
               <a:rPr lang="en-US" dirty="0"/>
-              <a:t>4/4/2018</a:t>
+              <a:t>4/9/2018</a:t>
             </a:fld>
             <a:endParaRPr lang="en-US" dirty="0"/>
           </a:p>
@@ -963,7 +965,7 @@
           <a:p>
             <a:fld id="{87DE6118-2437-4B30-8E3C-4D2BE6020583}" type="datetimeFigureOut">
               <a:rPr lang="en-US" dirty="0"/>
-              <a:t>4/4/2018</a:t>
+              <a:t>4/9/2018</a:t>
             </a:fld>
             <a:endParaRPr lang="en-US" dirty="0"/>
           </a:p>
@@ -1128,7 +1130,7 @@
           <a:p>
             <a:fld id="{87DE6118-2437-4B30-8E3C-4D2BE6020583}" type="datetimeFigureOut">
               <a:rPr lang="en-US" dirty="0"/>
-              <a:t>4/4/2018</a:t>
+              <a:t>4/9/2018</a:t>
             </a:fld>
             <a:endParaRPr lang="en-US" dirty="0"/>
           </a:p>
@@ -1401,7 +1403,7 @@
             <a:fld id="{87DE6118-2437-4B30-8E3C-4D2BE6020583}" type="datetimeFigureOut">
               <a:rPr lang="en-US" dirty="0"/>
               <a:pPr/>
-              <a:t>4/4/2018</a:t>
+              <a:t>4/9/2018</a:t>
             </a:fld>
             <a:endParaRPr lang="en-US" dirty="0"/>
           </a:p>
@@ -1791,7 +1793,7 @@
           <a:p>
             <a:fld id="{87DE6118-2437-4B30-8E3C-4D2BE6020583}" type="datetimeFigureOut">
               <a:rPr lang="en-US" dirty="0"/>
-              <a:t>4/4/2018</a:t>
+              <a:t>4/9/2018</a:t>
             </a:fld>
             <a:endParaRPr lang="en-US" dirty="0"/>
           </a:p>
@@ -2263,7 +2265,7 @@
           <a:p>
             <a:fld id="{87DE6118-2437-4B30-8E3C-4D2BE6020583}" type="datetimeFigureOut">
               <a:rPr lang="en-US" dirty="0"/>
-              <a:t>4/4/2018</a:t>
+              <a:t>4/9/2018</a:t>
             </a:fld>
             <a:endParaRPr lang="en-US" dirty="0"/>
           </a:p>
@@ -2376,7 +2378,7 @@
           <a:p>
             <a:fld id="{87DE6118-2437-4B30-8E3C-4D2BE6020583}" type="datetimeFigureOut">
               <a:rPr lang="en-US" dirty="0"/>
-              <a:t>4/4/2018</a:t>
+              <a:t>4/9/2018</a:t>
             </a:fld>
             <a:endParaRPr lang="en-US" dirty="0"/>
           </a:p>
@@ -2466,7 +2468,7 @@
           <a:p>
             <a:fld id="{87DE6118-2437-4B30-8E3C-4D2BE6020583}" type="datetimeFigureOut">
               <a:rPr lang="en-US" dirty="0"/>
-              <a:t>4/4/2018</a:t>
+              <a:t>4/9/2018</a:t>
             </a:fld>
             <a:endParaRPr lang="en-US" dirty="0"/>
           </a:p>
@@ -2808,7 +2810,7 @@
             <a:fld id="{87DE6118-2437-4B30-8E3C-4D2BE6020583}" type="datetimeFigureOut">
               <a:rPr lang="en-US" dirty="0"/>
               <a:pPr/>
-              <a:t>4/4/2018</a:t>
+              <a:t>4/9/2018</a:t>
             </a:fld>
             <a:endParaRPr lang="en-US" dirty="0"/>
           </a:p>
@@ -3193,7 +3195,7 @@
             <a:fld id="{87DE6118-2437-4B30-8E3C-4D2BE6020583}" type="datetimeFigureOut">
               <a:rPr lang="en-US" dirty="0"/>
               <a:pPr/>
-              <a:t>4/4/2018</a:t>
+              <a:t>4/9/2018</a:t>
             </a:fld>
             <a:endParaRPr lang="en-US" dirty="0"/>
           </a:p>
@@ -3468,7 +3470,7 @@
             <a:fld id="{87DE6118-2437-4B30-8E3C-4D2BE6020583}" type="datetimeFigureOut">
               <a:rPr lang="en-US" dirty="0"/>
               <a:pPr/>
-              <a:t>4/4/2018</a:t>
+              <a:t>4/9/2018</a:t>
             </a:fld>
             <a:endParaRPr lang="en-US" dirty="0"/>
           </a:p>
@@ -4070,6 +4072,3151 @@
           <a:chExt cx="0" cy="0"/>
         </a:xfrm>
       </p:grpSpPr>
+      <p:sp>
+        <p:nvSpPr>
+          <p:cNvPr id="5" name="Rectangle 1"/>
+          <p:cNvSpPr>
+            <a:spLocks noChangeArrowheads="1"/>
+          </p:cNvSpPr>
+          <p:nvPr/>
+        </p:nvSpPr>
+        <p:spPr bwMode="auto">
+          <a:xfrm>
+            <a:off x="1080202" y="905147"/>
+            <a:ext cx="10462224" cy="1477328"/>
+          </a:xfrm>
+          <a:prstGeom prst="rect">
+            <a:avLst/>
+          </a:prstGeom>
+          <a:noFill/>
+          <a:ln>
+            <a:noFill/>
+          </a:ln>
+          <a:effectLst/>
+          <a:extLst>
+            <a:ext uri="{909E8E84-426E-40DD-AFC4-6F175D3DCCD1}">
+              <a14:hiddenFill xmlns:a14="http://schemas.microsoft.com/office/drawing/2010/main">
+                <a:solidFill>
+                  <a:schemeClr val="accent1"/>
+                </a:solidFill>
+              </a14:hiddenFill>
+            </a:ext>
+            <a:ext uri="{91240B29-F687-4F45-9708-019B960494DF}">
+              <a14:hiddenLine xmlns:a14="http://schemas.microsoft.com/office/drawing/2010/main" w="9525">
+                <a:solidFill>
+                  <a:schemeClr val="tx1"/>
+                </a:solidFill>
+                <a:miter lim="800000"/>
+                <a:headEnd/>
+                <a:tailEnd/>
+              </a14:hiddenLine>
+            </a:ext>
+            <a:ext uri="{AF507438-7753-43E0-B8FC-AC1667EBCBE1}">
+              <a14:hiddenEffects xmlns:a14="http://schemas.microsoft.com/office/drawing/2010/main">
+                <a:effectLst>
+                  <a:outerShdw dist="35921" dir="2700000" algn="ctr" rotWithShape="0">
+                    <a:schemeClr val="bg2"/>
+                  </a:outerShdw>
+                </a:effectLst>
+              </a14:hiddenEffects>
+            </a:ext>
+          </a:extLst>
+        </p:spPr>
+        <p:txBody>
+          <a:bodyPr vert="horz" wrap="square" lIns="91440" tIns="45720" rIns="91440" bIns="45720" numCol="1" anchor="ctr" anchorCtr="0" compatLnSpc="1">
+            <a:prstTxWarp prst="textNoShape">
+              <a:avLst/>
+            </a:prstTxWarp>
+            <a:spAutoFit/>
+          </a:bodyPr>
+          <a:lstStyle>
+            <a:lvl1pPr eaLnBrk="0" fontAlgn="base" hangingPunct="0">
+              <a:spcBef>
+                <a:spcPct val="0"/>
+              </a:spcBef>
+              <a:spcAft>
+                <a:spcPct val="0"/>
+              </a:spcAft>
+              <a:tabLst>
+                <a:tab pos="457200" algn="l"/>
+              </a:tabLst>
+              <a:defRPr>
+                <a:solidFill>
+                  <a:schemeClr val="tx1"/>
+                </a:solidFill>
+                <a:latin typeface="Arial" panose="020B0604020202020204" pitchFamily="34" charset="0"/>
+              </a:defRPr>
+            </a:lvl1pPr>
+            <a:lvl2pPr eaLnBrk="0" fontAlgn="base" hangingPunct="0">
+              <a:spcBef>
+                <a:spcPct val="0"/>
+              </a:spcBef>
+              <a:spcAft>
+                <a:spcPct val="0"/>
+              </a:spcAft>
+              <a:tabLst>
+                <a:tab pos="457200" algn="l"/>
+              </a:tabLst>
+              <a:defRPr>
+                <a:solidFill>
+                  <a:schemeClr val="tx1"/>
+                </a:solidFill>
+                <a:latin typeface="Arial" panose="020B0604020202020204" pitchFamily="34" charset="0"/>
+              </a:defRPr>
+            </a:lvl2pPr>
+            <a:lvl3pPr eaLnBrk="0" fontAlgn="base" hangingPunct="0">
+              <a:spcBef>
+                <a:spcPct val="0"/>
+              </a:spcBef>
+              <a:spcAft>
+                <a:spcPct val="0"/>
+              </a:spcAft>
+              <a:tabLst>
+                <a:tab pos="457200" algn="l"/>
+              </a:tabLst>
+              <a:defRPr>
+                <a:solidFill>
+                  <a:schemeClr val="tx1"/>
+                </a:solidFill>
+                <a:latin typeface="Arial" panose="020B0604020202020204" pitchFamily="34" charset="0"/>
+              </a:defRPr>
+            </a:lvl3pPr>
+            <a:lvl4pPr eaLnBrk="0" fontAlgn="base" hangingPunct="0">
+              <a:spcBef>
+                <a:spcPct val="0"/>
+              </a:spcBef>
+              <a:spcAft>
+                <a:spcPct val="0"/>
+              </a:spcAft>
+              <a:tabLst>
+                <a:tab pos="457200" algn="l"/>
+              </a:tabLst>
+              <a:defRPr>
+                <a:solidFill>
+                  <a:schemeClr val="tx1"/>
+                </a:solidFill>
+                <a:latin typeface="Arial" panose="020B0604020202020204" pitchFamily="34" charset="0"/>
+              </a:defRPr>
+            </a:lvl4pPr>
+            <a:lvl5pPr eaLnBrk="0" fontAlgn="base" hangingPunct="0">
+              <a:spcBef>
+                <a:spcPct val="0"/>
+              </a:spcBef>
+              <a:spcAft>
+                <a:spcPct val="0"/>
+              </a:spcAft>
+              <a:tabLst>
+                <a:tab pos="457200" algn="l"/>
+              </a:tabLst>
+              <a:defRPr>
+                <a:solidFill>
+                  <a:schemeClr val="tx1"/>
+                </a:solidFill>
+                <a:latin typeface="Arial" panose="020B0604020202020204" pitchFamily="34" charset="0"/>
+              </a:defRPr>
+            </a:lvl5pPr>
+            <a:lvl6pPr eaLnBrk="0" fontAlgn="base" hangingPunct="0">
+              <a:spcBef>
+                <a:spcPct val="0"/>
+              </a:spcBef>
+              <a:spcAft>
+                <a:spcPct val="0"/>
+              </a:spcAft>
+              <a:tabLst>
+                <a:tab pos="457200" algn="l"/>
+              </a:tabLst>
+              <a:defRPr>
+                <a:solidFill>
+                  <a:schemeClr val="tx1"/>
+                </a:solidFill>
+                <a:latin typeface="Arial" panose="020B0604020202020204" pitchFamily="34" charset="0"/>
+              </a:defRPr>
+            </a:lvl6pPr>
+            <a:lvl7pPr eaLnBrk="0" fontAlgn="base" hangingPunct="0">
+              <a:spcBef>
+                <a:spcPct val="0"/>
+              </a:spcBef>
+              <a:spcAft>
+                <a:spcPct val="0"/>
+              </a:spcAft>
+              <a:tabLst>
+                <a:tab pos="457200" algn="l"/>
+              </a:tabLst>
+              <a:defRPr>
+                <a:solidFill>
+                  <a:schemeClr val="tx1"/>
+                </a:solidFill>
+                <a:latin typeface="Arial" panose="020B0604020202020204" pitchFamily="34" charset="0"/>
+              </a:defRPr>
+            </a:lvl7pPr>
+            <a:lvl8pPr eaLnBrk="0" fontAlgn="base" hangingPunct="0">
+              <a:spcBef>
+                <a:spcPct val="0"/>
+              </a:spcBef>
+              <a:spcAft>
+                <a:spcPct val="0"/>
+              </a:spcAft>
+              <a:tabLst>
+                <a:tab pos="457200" algn="l"/>
+              </a:tabLst>
+              <a:defRPr>
+                <a:solidFill>
+                  <a:schemeClr val="tx1"/>
+                </a:solidFill>
+                <a:latin typeface="Arial" panose="020B0604020202020204" pitchFamily="34" charset="0"/>
+              </a:defRPr>
+            </a:lvl8pPr>
+            <a:lvl9pPr eaLnBrk="0" fontAlgn="base" hangingPunct="0">
+              <a:spcBef>
+                <a:spcPct val="0"/>
+              </a:spcBef>
+              <a:spcAft>
+                <a:spcPct val="0"/>
+              </a:spcAft>
+              <a:tabLst>
+                <a:tab pos="457200" algn="l"/>
+              </a:tabLst>
+              <a:defRPr>
+                <a:solidFill>
+                  <a:schemeClr val="tx1"/>
+                </a:solidFill>
+                <a:latin typeface="Arial" panose="020B0604020202020204" pitchFamily="34" charset="0"/>
+              </a:defRPr>
+            </a:lvl9pPr>
+          </a:lstStyle>
+          <a:p>
+            <a:pPr marL="0" marR="0" lvl="0" indent="0" algn="l" defTabSz="914400" rtl="0" eaLnBrk="0" fontAlgn="base" latinLnBrk="0" hangingPunct="0">
+              <a:lnSpc>
+                <a:spcPct val="100000"/>
+              </a:lnSpc>
+              <a:spcBef>
+                <a:spcPct val="0"/>
+              </a:spcBef>
+              <a:spcAft>
+                <a:spcPct val="0"/>
+              </a:spcAft>
+              <a:buClrTx/>
+              <a:buSzTx/>
+              <a:buFontTx/>
+              <a:buNone/>
+              <a:tabLst>
+                <a:tab pos="457200" algn="l"/>
+              </a:tabLst>
+            </a:pPr>
+            <a:r>
+              <a:rPr kumimoji="0" lang="en-US" altLang="en-US" sz="3000" b="1" i="0" u="none" strike="noStrike" cap="none" normalizeH="0" baseline="0" dirty="0" smtClean="0">
+                <a:ln>
+                  <a:noFill/>
+                </a:ln>
+                <a:solidFill>
+                  <a:schemeClr val="tx1"/>
+                </a:solidFill>
+                <a:effectLst/>
+                <a:ea typeface="Times New Roman" panose="02020603050405020304" pitchFamily="18" charset="0"/>
+              </a:rPr>
+              <a:t>A set of data has a normal distribution with a mean of 5.1 and a standard deviation of 0.9. </a:t>
+            </a:r>
+          </a:p>
+          <a:p>
+            <a:pPr marL="0" marR="0" lvl="0" indent="0" algn="l" defTabSz="914400" rtl="0" eaLnBrk="0" fontAlgn="base" latinLnBrk="0" hangingPunct="0">
+              <a:lnSpc>
+                <a:spcPct val="100000"/>
+              </a:lnSpc>
+              <a:spcBef>
+                <a:spcPct val="0"/>
+              </a:spcBef>
+              <a:spcAft>
+                <a:spcPct val="0"/>
+              </a:spcAft>
+              <a:buClrTx/>
+              <a:buSzTx/>
+              <a:buFontTx/>
+              <a:buNone/>
+              <a:tabLst>
+                <a:tab pos="457200" algn="l"/>
+              </a:tabLst>
+            </a:pPr>
+            <a:r>
+              <a:rPr kumimoji="0" lang="en-US" altLang="en-US" sz="3000" b="1" i="0" u="none" strike="noStrike" cap="none" normalizeH="0" baseline="0" dirty="0" smtClean="0">
+                <a:ln>
+                  <a:noFill/>
+                </a:ln>
+                <a:solidFill>
+                  <a:schemeClr val="tx1"/>
+                </a:solidFill>
+                <a:effectLst/>
+                <a:ea typeface="Times New Roman" panose="02020603050405020304" pitchFamily="18" charset="0"/>
+              </a:rPr>
+              <a:t>Find the percent of data within each interval.</a:t>
+            </a:r>
+            <a:endParaRPr kumimoji="0" lang="en-US" altLang="en-US" sz="3000" b="0" i="0" u="none" strike="noStrike" cap="none" normalizeH="0" baseline="0" dirty="0" smtClean="0">
+              <a:ln>
+                <a:noFill/>
+              </a:ln>
+              <a:solidFill>
+                <a:schemeClr val="tx1"/>
+              </a:solidFill>
+              <a:effectLst/>
+            </a:endParaRPr>
+          </a:p>
+        </p:txBody>
+      </p:sp>
+      <p:graphicFrame>
+        <p:nvGraphicFramePr>
+          <p:cNvPr id="6" name="Table 5"/>
+          <p:cNvGraphicFramePr>
+            <a:graphicFrameLocks noGrp="1"/>
+          </p:cNvGraphicFramePr>
+          <p:nvPr>
+            <p:extLst/>
+          </p:nvPr>
+        </p:nvGraphicFramePr>
+        <p:xfrm>
+          <a:off x="1080202" y="2938071"/>
+          <a:ext cx="10462223" cy="929390"/>
+        </p:xfrm>
+        <a:graphic>
+          <a:graphicData uri="http://schemas.openxmlformats.org/drawingml/2006/table">
+            <a:tbl>
+              <a:tblPr>
+                <a:tableStyleId>{5C22544A-7EE6-4342-B048-85BDC9FD1C3A}</a:tableStyleId>
+              </a:tblPr>
+              <a:tblGrid>
+                <a:gridCol w="3266946"/>
+                <a:gridCol w="3765501"/>
+                <a:gridCol w="3429776"/>
+              </a:tblGrid>
+              <a:tr h="929390">
+                <a:tc>
+                  <a:txBody>
+                    <a:bodyPr/>
+                    <a:lstStyle/>
+                    <a:p>
+                      <a:pPr marL="91440" marR="0">
+                        <a:lnSpc>
+                          <a:spcPct val="115000"/>
+                        </a:lnSpc>
+                        <a:spcBef>
+                          <a:spcPts val="0"/>
+                        </a:spcBef>
+                        <a:spcAft>
+                          <a:spcPts val="0"/>
+                        </a:spcAft>
+                        <a:tabLst>
+                          <a:tab pos="274320" algn="l"/>
+                        </a:tabLst>
+                      </a:pPr>
+                      <a:r>
+                        <a:rPr lang="en-US" sz="3000" dirty="0" smtClean="0">
+                          <a:effectLst/>
+                        </a:rPr>
+                        <a:t>from </a:t>
+                      </a:r>
+                      <a:r>
+                        <a:rPr lang="en-US" sz="3000" dirty="0">
+                          <a:effectLst/>
+                        </a:rPr>
+                        <a:t>4.2 to 5.1 </a:t>
+                      </a:r>
+                      <a:endParaRPr lang="en-US" sz="3000" dirty="0">
+                        <a:effectLst/>
+                        <a:latin typeface="Times New Roman" panose="02020603050405020304" pitchFamily="18" charset="0"/>
+                        <a:ea typeface="Times New Roman" panose="02020603050405020304" pitchFamily="18" charset="0"/>
+                      </a:endParaRPr>
+                    </a:p>
+                  </a:txBody>
+                  <a:tcPr marL="0" marR="0" marT="0" marB="0"/>
+                </a:tc>
+                <a:tc>
+                  <a:txBody>
+                    <a:bodyPr/>
+                    <a:lstStyle/>
+                    <a:p>
+                      <a:pPr marL="8890" marR="0" algn="ctr">
+                        <a:lnSpc>
+                          <a:spcPct val="115000"/>
+                        </a:lnSpc>
+                        <a:spcBef>
+                          <a:spcPts val="0"/>
+                        </a:spcBef>
+                        <a:spcAft>
+                          <a:spcPts val="0"/>
+                        </a:spcAft>
+                        <a:tabLst>
+                          <a:tab pos="274320" algn="l"/>
+                        </a:tabLst>
+                      </a:pPr>
+                      <a:r>
+                        <a:rPr lang="en-US" sz="3000" dirty="0" smtClean="0">
+                          <a:effectLst/>
+                        </a:rPr>
+                        <a:t>from </a:t>
+                      </a:r>
+                      <a:r>
+                        <a:rPr lang="en-US" sz="3000" dirty="0">
+                          <a:effectLst/>
+                        </a:rPr>
+                        <a:t>6.0 to 6.9 </a:t>
+                      </a:r>
+                      <a:endParaRPr lang="en-US" sz="3000" dirty="0">
+                        <a:effectLst/>
+                        <a:latin typeface="Times New Roman" panose="02020603050405020304" pitchFamily="18" charset="0"/>
+                        <a:ea typeface="Times New Roman" panose="02020603050405020304" pitchFamily="18" charset="0"/>
+                      </a:endParaRPr>
+                    </a:p>
+                  </a:txBody>
+                  <a:tcPr marL="0" marR="0" marT="0" marB="0"/>
+                </a:tc>
+                <a:tc>
+                  <a:txBody>
+                    <a:bodyPr/>
+                    <a:lstStyle/>
+                    <a:p>
+                      <a:pPr marL="8890" marR="0" algn="r">
+                        <a:lnSpc>
+                          <a:spcPct val="115000"/>
+                        </a:lnSpc>
+                        <a:spcBef>
+                          <a:spcPts val="0"/>
+                        </a:spcBef>
+                        <a:spcAft>
+                          <a:spcPts val="0"/>
+                        </a:spcAft>
+                        <a:tabLst>
+                          <a:tab pos="274320" algn="l"/>
+                        </a:tabLst>
+                      </a:pPr>
+                      <a:r>
+                        <a:rPr lang="en-US" sz="3000" dirty="0" smtClean="0">
+                          <a:effectLst/>
+                        </a:rPr>
+                        <a:t>greater </a:t>
+                      </a:r>
+                      <a:r>
+                        <a:rPr lang="en-US" sz="3000" dirty="0">
+                          <a:effectLst/>
+                        </a:rPr>
+                        <a:t>than 6.9 </a:t>
+                      </a:r>
+                      <a:endParaRPr lang="en-US" sz="3000" dirty="0">
+                        <a:effectLst/>
+                        <a:latin typeface="Times New Roman" panose="02020603050405020304" pitchFamily="18" charset="0"/>
+                        <a:ea typeface="Times New Roman" panose="02020603050405020304" pitchFamily="18" charset="0"/>
+                      </a:endParaRPr>
+                    </a:p>
+                  </a:txBody>
+                  <a:tcPr marL="0" marR="0" marT="0" marB="0"/>
+                </a:tc>
+              </a:tr>
+            </a:tbl>
+          </a:graphicData>
+        </a:graphic>
+      </p:graphicFrame>
+      <p:sp>
+        <p:nvSpPr>
+          <p:cNvPr id="2" name="TextBox 1"/>
+          <p:cNvSpPr txBox="1"/>
+          <p:nvPr/>
+        </p:nvSpPr>
+        <p:spPr>
+          <a:xfrm>
+            <a:off x="1399142" y="4693186"/>
+            <a:ext cx="9616543" cy="553998"/>
+          </a:xfrm>
+          <a:prstGeom prst="rect">
+            <a:avLst/>
+          </a:prstGeom>
+          <a:noFill/>
+        </p:spPr>
+        <p:txBody>
+          <a:bodyPr wrap="none" rtlCol="0">
+            <a:spAutoFit/>
+          </a:bodyPr>
+          <a:lstStyle/>
+          <a:p>
+            <a:r>
+              <a:rPr lang="en-US" sz="3000" b="1" dirty="0" smtClean="0"/>
+              <a:t>     34%                                13.5%                                 2.5%</a:t>
+            </a:r>
+            <a:endParaRPr lang="en-US" sz="3000" b="1" dirty="0"/>
+          </a:p>
+        </p:txBody>
+      </p:sp>
+    </p:spTree>
+    <p:extLst>
+      <p:ext uri="{BB962C8B-B14F-4D97-AF65-F5344CB8AC3E}">
+        <p14:creationId xmlns:p14="http://schemas.microsoft.com/office/powerpoint/2010/main" val="2532079873"/>
+      </p:ext>
+    </p:extLst>
+  </p:cSld>
+  <p:clrMapOvr>
+    <a:masterClrMapping/>
+  </p:clrMapOvr>
+  <p:timing>
+    <p:tnLst>
+      <p:par>
+        <p:cTn id="1" dur="indefinite" restart="never" nodeType="tmRoot"/>
+      </p:par>
+    </p:tnLst>
+  </p:timing>
+</p:sld>
+</file>
+
+<file path=ppt/slides/slide11.xml><?xml version="1.0" encoding="utf-8"?>
+<p:sld xmlns:a="http://schemas.openxmlformats.org/drawingml/2006/main" xmlns:r="http://schemas.openxmlformats.org/officeDocument/2006/relationships" xmlns:p="http://schemas.openxmlformats.org/presentationml/2006/main">
+  <p:cSld>
+    <p:spTree>
+      <p:nvGrpSpPr>
+        <p:cNvPr id="1" name=""/>
+        <p:cNvGrpSpPr/>
+        <p:nvPr/>
+      </p:nvGrpSpPr>
+      <p:grpSpPr>
+        <a:xfrm>
+          <a:off x="0" y="0"/>
+          <a:ext cx="0" cy="0"/>
+          <a:chOff x="0" y="0"/>
+          <a:chExt cx="0" cy="0"/>
+        </a:xfrm>
+      </p:grpSpPr>
+      <p:sp>
+        <p:nvSpPr>
+          <p:cNvPr id="4" name="Rectangle 3"/>
+          <p:cNvSpPr/>
+          <p:nvPr/>
+        </p:nvSpPr>
+        <p:spPr>
+          <a:xfrm>
+            <a:off x="734518" y="585176"/>
+            <a:ext cx="11457481" cy="3785652"/>
+          </a:xfrm>
+          <a:prstGeom prst="rect">
+            <a:avLst/>
+          </a:prstGeom>
+        </p:spPr>
+        <p:txBody>
+          <a:bodyPr wrap="square">
+            <a:spAutoFit/>
+          </a:bodyPr>
+          <a:lstStyle/>
+          <a:p>
+            <a:pPr lvl="0" defTabSz="914400" eaLnBrk="0" fontAlgn="base" hangingPunct="0">
+              <a:spcBef>
+                <a:spcPct val="0"/>
+              </a:spcBef>
+              <a:spcAft>
+                <a:spcPct val="0"/>
+              </a:spcAft>
+              <a:tabLst>
+                <a:tab pos="457200" algn="l"/>
+              </a:tabLst>
+            </a:pPr>
+            <a:r>
+              <a:rPr lang="en-US" altLang="en-US" sz="3000" dirty="0" smtClean="0">
+                <a:ea typeface="Times New Roman" panose="02020603050405020304" pitchFamily="18" charset="0"/>
+              </a:rPr>
+              <a:t>The </a:t>
+            </a:r>
+            <a:r>
+              <a:rPr lang="en-US" altLang="en-US" sz="3000" dirty="0">
+                <a:ea typeface="Times New Roman" panose="02020603050405020304" pitchFamily="18" charset="0"/>
+              </a:rPr>
+              <a:t>number of miles on a car when a certain part fails is normally </a:t>
+            </a:r>
+            <a:r>
+              <a:rPr lang="en-US" altLang="en-US" sz="3000" dirty="0" smtClean="0">
+                <a:ea typeface="Times New Roman" panose="02020603050405020304" pitchFamily="18" charset="0"/>
+              </a:rPr>
+              <a:t>distributed, with </a:t>
+            </a:r>
+            <a:r>
+              <a:rPr lang="en-US" altLang="en-US" sz="3000" dirty="0">
+                <a:ea typeface="Times New Roman" panose="02020603050405020304" pitchFamily="18" charset="0"/>
+              </a:rPr>
+              <a:t>a mean of 60,000 and a standard deviation of 5000</a:t>
+            </a:r>
+            <a:r>
+              <a:rPr lang="en-US" altLang="en-US" sz="3000" dirty="0" smtClean="0">
+                <a:ea typeface="Times New Roman" panose="02020603050405020304" pitchFamily="18" charset="0"/>
+              </a:rPr>
+              <a:t>.</a:t>
+            </a:r>
+          </a:p>
+          <a:p>
+            <a:pPr lvl="0" defTabSz="914400" eaLnBrk="0" fontAlgn="base" hangingPunct="0">
+              <a:spcBef>
+                <a:spcPct val="0"/>
+              </a:spcBef>
+              <a:spcAft>
+                <a:spcPct val="0"/>
+              </a:spcAft>
+              <a:tabLst>
+                <a:tab pos="457200" algn="l"/>
+              </a:tabLst>
+            </a:pPr>
+            <a:endParaRPr lang="en-US" altLang="en-US" sz="3000" dirty="0"/>
+          </a:p>
+          <a:p>
+            <a:pPr lvl="0" defTabSz="914400" eaLnBrk="0" fontAlgn="base" hangingPunct="0">
+              <a:spcBef>
+                <a:spcPct val="0"/>
+              </a:spcBef>
+              <a:spcAft>
+                <a:spcPct val="0"/>
+              </a:spcAft>
+              <a:tabLst>
+                <a:tab pos="457200" algn="l"/>
+              </a:tabLst>
+            </a:pPr>
+            <a:r>
+              <a:rPr lang="en-US" altLang="en-US" sz="3000" b="1" dirty="0" smtClean="0">
+                <a:ea typeface="Times New Roman" panose="02020603050405020304" pitchFamily="18" charset="0"/>
+                <a:cs typeface="Arial" panose="020B0604020202020204" pitchFamily="34" charset="0"/>
+              </a:rPr>
+              <a:t>a.	</a:t>
+            </a:r>
+            <a:r>
+              <a:rPr lang="en-US" altLang="en-US" sz="3000" dirty="0" smtClean="0">
+                <a:ea typeface="Times New Roman" panose="02020603050405020304" pitchFamily="18" charset="0"/>
+              </a:rPr>
+              <a:t>Sketch </a:t>
+            </a:r>
+            <a:r>
+              <a:rPr lang="en-US" altLang="en-US" sz="3000" dirty="0">
+                <a:ea typeface="Times New Roman" panose="02020603050405020304" pitchFamily="18" charset="0"/>
+              </a:rPr>
+              <a:t>the normal curve for the distribution. Label the </a:t>
+            </a:r>
+            <a:r>
+              <a:rPr lang="en-US" altLang="en-US" sz="3000" i="1" dirty="0">
+                <a:ea typeface="Times New Roman" panose="02020603050405020304" pitchFamily="18" charset="0"/>
+              </a:rPr>
+              <a:t>x</a:t>
+            </a:r>
+            <a:r>
+              <a:rPr lang="en-US" altLang="en-US" sz="3000" dirty="0">
+                <a:ea typeface="Times New Roman" panose="02020603050405020304" pitchFamily="18" charset="0"/>
+              </a:rPr>
+              <a:t>-axis values</a:t>
+            </a:r>
+            <a:br>
+              <a:rPr lang="en-US" altLang="en-US" sz="3000" dirty="0">
+                <a:ea typeface="Times New Roman" panose="02020603050405020304" pitchFamily="18" charset="0"/>
+              </a:rPr>
+            </a:br>
+            <a:r>
+              <a:rPr lang="en-US" altLang="en-US" sz="3000" dirty="0">
+                <a:ea typeface="Times New Roman" panose="02020603050405020304" pitchFamily="18" charset="0"/>
+              </a:rPr>
+              <a:t>at one, two, and three standard deviations from the mean</a:t>
+            </a:r>
+            <a:r>
+              <a:rPr lang="en-US" altLang="en-US" sz="3000" dirty="0" smtClean="0">
+                <a:ea typeface="Times New Roman" panose="02020603050405020304" pitchFamily="18" charset="0"/>
+              </a:rPr>
+              <a:t>.</a:t>
+            </a:r>
+          </a:p>
+          <a:p>
+            <a:pPr lvl="0" defTabSz="914400" eaLnBrk="0" fontAlgn="base" hangingPunct="0">
+              <a:spcBef>
+                <a:spcPct val="0"/>
+              </a:spcBef>
+              <a:spcAft>
+                <a:spcPct val="0"/>
+              </a:spcAft>
+              <a:tabLst>
+                <a:tab pos="457200" algn="l"/>
+              </a:tabLst>
+            </a:pPr>
+            <a:endParaRPr lang="en-US" altLang="en-US" sz="3000" dirty="0"/>
+          </a:p>
+          <a:p>
+            <a:pPr lvl="0" defTabSz="914400" eaLnBrk="0" fontAlgn="base" hangingPunct="0">
+              <a:spcBef>
+                <a:spcPct val="0"/>
+              </a:spcBef>
+              <a:spcAft>
+                <a:spcPct val="0"/>
+              </a:spcAft>
+              <a:tabLst>
+                <a:tab pos="457200" algn="l"/>
+              </a:tabLst>
+            </a:pPr>
+            <a:r>
+              <a:rPr lang="en-US" altLang="en-US" sz="3000" b="1" dirty="0">
+                <a:ea typeface="Times New Roman" panose="02020603050405020304" pitchFamily="18" charset="0"/>
+                <a:cs typeface="Arial" panose="020B0604020202020204" pitchFamily="34" charset="0"/>
+              </a:rPr>
+              <a:t>b.	</a:t>
+            </a:r>
+            <a:r>
+              <a:rPr lang="en-US" altLang="en-US" sz="3000" dirty="0">
+                <a:ea typeface="Times New Roman" panose="02020603050405020304" pitchFamily="18" charset="0"/>
+              </a:rPr>
+              <a:t>What is the probability that the part will NOT fail between 55,000 </a:t>
+            </a:r>
+            <a:r>
+              <a:rPr lang="en-US" altLang="en-US" sz="3000" dirty="0" smtClean="0">
+                <a:ea typeface="Times New Roman" panose="02020603050405020304" pitchFamily="18" charset="0"/>
+              </a:rPr>
+              <a:t>and 65,000 </a:t>
+            </a:r>
+            <a:r>
+              <a:rPr lang="en-US" altLang="en-US" sz="3000" dirty="0">
+                <a:ea typeface="Times New Roman" panose="02020603050405020304" pitchFamily="18" charset="0"/>
+              </a:rPr>
+              <a:t>miles</a:t>
+            </a:r>
+            <a:r>
+              <a:rPr lang="en-US" altLang="en-US" sz="3000" dirty="0" smtClean="0">
+                <a:ea typeface="Times New Roman" panose="02020603050405020304" pitchFamily="18" charset="0"/>
+              </a:rPr>
+              <a:t>?</a:t>
+            </a:r>
+            <a:endParaRPr lang="en-US" altLang="en-US" sz="3000" dirty="0"/>
+          </a:p>
+        </p:txBody>
+      </p:sp>
+    </p:spTree>
+    <p:extLst>
+      <p:ext uri="{BB962C8B-B14F-4D97-AF65-F5344CB8AC3E}">
+        <p14:creationId xmlns:p14="http://schemas.microsoft.com/office/powerpoint/2010/main" val="2269757657"/>
+      </p:ext>
+    </p:extLst>
+  </p:cSld>
+  <p:clrMapOvr>
+    <a:masterClrMapping/>
+  </p:clrMapOvr>
+  <p:timing>
+    <p:tnLst>
+      <p:par>
+        <p:cTn id="1" dur="indefinite" restart="never" nodeType="tmRoot"/>
+      </p:par>
+    </p:tnLst>
+  </p:timing>
+</p:sld>
+</file>
+
+<file path=ppt/slides/slide12.xml><?xml version="1.0" encoding="utf-8"?>
+<p:sld xmlns:a="http://schemas.openxmlformats.org/drawingml/2006/main" xmlns:r="http://schemas.openxmlformats.org/officeDocument/2006/relationships" xmlns:p="http://schemas.openxmlformats.org/presentationml/2006/main">
+  <p:cSld>
+    <p:spTree>
+      <p:nvGrpSpPr>
+        <p:cNvPr id="1" name=""/>
+        <p:cNvGrpSpPr/>
+        <p:nvPr/>
+      </p:nvGrpSpPr>
+      <p:grpSpPr>
+        <a:xfrm>
+          <a:off x="0" y="0"/>
+          <a:ext cx="0" cy="0"/>
+          <a:chOff x="0" y="0"/>
+          <a:chExt cx="0" cy="0"/>
+        </a:xfrm>
+      </p:grpSpPr>
+      <p:sp>
+        <p:nvSpPr>
+          <p:cNvPr id="2" name="Title 1"/>
+          <p:cNvSpPr>
+            <a:spLocks noGrp="1"/>
+          </p:cNvSpPr>
+          <p:nvPr>
+            <p:ph type="title"/>
+          </p:nvPr>
+        </p:nvSpPr>
+        <p:spPr>
+          <a:xfrm>
+            <a:off x="1086788" y="1240436"/>
+            <a:ext cx="2825646" cy="4380875"/>
+          </a:xfrm>
+        </p:spPr>
+        <p:txBody>
+          <a:bodyPr>
+            <a:noAutofit/>
+          </a:bodyPr>
+          <a:lstStyle/>
+          <a:p>
+            <a:r>
+              <a:rPr lang="en-US" sz="3000" b="1" dirty="0"/>
+              <a:t>The actual weights of bags of pet food are</a:t>
+            </a:r>
+            <a:br>
+              <a:rPr lang="en-US" sz="3000" b="1" dirty="0"/>
+            </a:br>
+            <a:r>
+              <a:rPr lang="en-US" sz="3000" b="1" dirty="0"/>
+              <a:t>normally distributed about the mean. Use</a:t>
+            </a:r>
+            <a:br>
+              <a:rPr lang="en-US" sz="3000" b="1" dirty="0"/>
+            </a:br>
+            <a:r>
+              <a:rPr lang="en-US" sz="3000" b="1" dirty="0"/>
+              <a:t>the graph at the right for Exercises 1–4.</a:t>
+            </a:r>
+            <a:r>
+              <a:rPr lang="en-US" sz="3000" dirty="0"/>
+              <a:t/>
+            </a:r>
+            <a:br>
+              <a:rPr lang="en-US" sz="3000" dirty="0"/>
+            </a:br>
+            <a:endParaRPr lang="en-US" sz="3000" dirty="0"/>
+          </a:p>
+        </p:txBody>
+      </p:sp>
+      <p:pic>
+        <p:nvPicPr>
+          <p:cNvPr id="4" name="Content Placeholder 3" descr="imgg02"/>
+          <p:cNvPicPr>
+            <a:picLocks noGrp="1"/>
+          </p:cNvPicPr>
+          <p:nvPr>
+            <p:ph idx="1"/>
+          </p:nvPr>
+        </p:nvPicPr>
+        <p:blipFill>
+          <a:blip r:embed="rId2" cstate="print"/>
+          <a:srcRect/>
+          <a:stretch>
+            <a:fillRect/>
+          </a:stretch>
+        </p:blipFill>
+        <p:spPr bwMode="auto">
+          <a:xfrm>
+            <a:off x="4501889" y="1240436"/>
+            <a:ext cx="7210426" cy="4661941"/>
+          </a:xfrm>
+          <a:prstGeom prst="rect">
+            <a:avLst/>
+          </a:prstGeom>
+          <a:noFill/>
+          <a:ln w="9525">
+            <a:noFill/>
+            <a:miter lim="800000"/>
+            <a:headEnd/>
+            <a:tailEnd/>
+          </a:ln>
+        </p:spPr>
+      </p:pic>
+    </p:spTree>
+    <p:extLst>
+      <p:ext uri="{BB962C8B-B14F-4D97-AF65-F5344CB8AC3E}">
+        <p14:creationId xmlns:p14="http://schemas.microsoft.com/office/powerpoint/2010/main" val="2493411114"/>
+      </p:ext>
+    </p:extLst>
+  </p:cSld>
+  <p:clrMapOvr>
+    <a:masterClrMapping/>
+  </p:clrMapOvr>
+  <p:timing>
+    <p:tnLst>
+      <p:par>
+        <p:cTn id="1" dur="indefinite" restart="never" nodeType="tmRoot"/>
+      </p:par>
+    </p:tnLst>
+  </p:timing>
+</p:sld>
+</file>
+
+<file path=ppt/slides/slide13.xml><?xml version="1.0" encoding="utf-8"?>
+<p:sld xmlns:a="http://schemas.openxmlformats.org/drawingml/2006/main" xmlns:r="http://schemas.openxmlformats.org/officeDocument/2006/relationships" xmlns:p="http://schemas.openxmlformats.org/presentationml/2006/main">
+  <p:cSld>
+    <p:spTree>
+      <p:nvGrpSpPr>
+        <p:cNvPr id="1" name=""/>
+        <p:cNvGrpSpPr/>
+        <p:nvPr/>
+      </p:nvGrpSpPr>
+      <p:grpSpPr>
+        <a:xfrm>
+          <a:off x="0" y="0"/>
+          <a:ext cx="0" cy="0"/>
+          <a:chOff x="0" y="0"/>
+          <a:chExt cx="0" cy="0"/>
+        </a:xfrm>
+      </p:grpSpPr>
+      <p:sp>
+        <p:nvSpPr>
+          <p:cNvPr id="6" name="Rectangle 5"/>
+          <p:cNvSpPr>
+            <a:spLocks noChangeArrowheads="1"/>
+          </p:cNvSpPr>
+          <p:nvPr/>
+        </p:nvSpPr>
+        <p:spPr bwMode="auto">
+          <a:xfrm>
+            <a:off x="964183" y="88668"/>
+            <a:ext cx="1534779" cy="553998"/>
+          </a:xfrm>
+          <a:prstGeom prst="rect">
+            <a:avLst/>
+          </a:prstGeom>
+          <a:noFill/>
+          <a:ln>
+            <a:noFill/>
+          </a:ln>
+          <a:effectLst/>
+          <a:extLst>
+            <a:ext uri="{909E8E84-426E-40DD-AFC4-6F175D3DCCD1}">
+              <a14:hiddenFill xmlns:a14="http://schemas.microsoft.com/office/drawing/2010/main">
+                <a:solidFill>
+                  <a:schemeClr val="accent1"/>
+                </a:solidFill>
+              </a14:hiddenFill>
+            </a:ext>
+            <a:ext uri="{91240B29-F687-4F45-9708-019B960494DF}">
+              <a14:hiddenLine xmlns:a14="http://schemas.microsoft.com/office/drawing/2010/main" w="9525">
+                <a:solidFill>
+                  <a:schemeClr val="tx1"/>
+                </a:solidFill>
+                <a:miter lim="800000"/>
+                <a:headEnd/>
+                <a:tailEnd/>
+              </a14:hiddenLine>
+            </a:ext>
+            <a:ext uri="{AF507438-7753-43E0-B8FC-AC1667EBCBE1}">
+              <a14:hiddenEffects xmlns:a14="http://schemas.microsoft.com/office/drawing/2010/main">
+                <a:effectLst>
+                  <a:outerShdw dist="35921" dir="2700000" algn="ctr" rotWithShape="0">
+                    <a:schemeClr val="bg2"/>
+                  </a:outerShdw>
+                </a:effectLst>
+              </a14:hiddenEffects>
+            </a:ext>
+          </a:extLst>
+        </p:spPr>
+        <p:txBody>
+          <a:bodyPr vert="horz" wrap="none" lIns="91440" tIns="45720" rIns="91440" bIns="45720" numCol="1" anchor="ctr" anchorCtr="0" compatLnSpc="1">
+            <a:prstTxWarp prst="textNoShape">
+              <a:avLst/>
+            </a:prstTxWarp>
+            <a:spAutoFit/>
+          </a:bodyPr>
+          <a:lstStyle/>
+          <a:p>
+            <a:r>
+              <a:rPr lang="en-US" sz="3000" dirty="0" smtClean="0"/>
+              <a:t>Answers</a:t>
+            </a:r>
+            <a:endParaRPr lang="en-US" sz="3000" dirty="0"/>
+          </a:p>
+        </p:txBody>
+      </p:sp>
+      <p:sp>
+        <p:nvSpPr>
+          <p:cNvPr id="7" name="Rectangle 6"/>
+          <p:cNvSpPr>
+            <a:spLocks noChangeArrowheads="1"/>
+          </p:cNvSpPr>
+          <p:nvPr/>
+        </p:nvSpPr>
+        <p:spPr bwMode="auto">
+          <a:xfrm>
+            <a:off x="661012" y="875585"/>
+            <a:ext cx="11630139" cy="5632311"/>
+          </a:xfrm>
+          <a:prstGeom prst="rect">
+            <a:avLst/>
+          </a:prstGeom>
+          <a:noFill/>
+          <a:ln>
+            <a:noFill/>
+          </a:ln>
+          <a:effectLst/>
+          <a:extLst>
+            <a:ext uri="{909E8E84-426E-40DD-AFC4-6F175D3DCCD1}">
+              <a14:hiddenFill xmlns:a14="http://schemas.microsoft.com/office/drawing/2010/main">
+                <a:solidFill>
+                  <a:schemeClr val="accent1"/>
+                </a:solidFill>
+              </a14:hiddenFill>
+            </a:ext>
+            <a:ext uri="{91240B29-F687-4F45-9708-019B960494DF}">
+              <a14:hiddenLine xmlns:a14="http://schemas.microsoft.com/office/drawing/2010/main" w="9525">
+                <a:solidFill>
+                  <a:schemeClr val="tx1"/>
+                </a:solidFill>
+                <a:miter lim="800000"/>
+                <a:headEnd/>
+                <a:tailEnd/>
+              </a14:hiddenLine>
+            </a:ext>
+            <a:ext uri="{AF507438-7753-43E0-B8FC-AC1667EBCBE1}">
+              <a14:hiddenEffects xmlns:a14="http://schemas.microsoft.com/office/drawing/2010/main">
+                <a:effectLst>
+                  <a:outerShdw dist="35921" dir="2700000" algn="ctr" rotWithShape="0">
+                    <a:schemeClr val="bg2"/>
+                  </a:outerShdw>
+                </a:effectLst>
+              </a14:hiddenEffects>
+            </a:ext>
+          </a:extLst>
+        </p:spPr>
+        <p:txBody>
+          <a:bodyPr vert="horz" wrap="square" lIns="91440" tIns="45720" rIns="91440" bIns="45720" numCol="1" anchor="ctr" anchorCtr="0" compatLnSpc="1">
+            <a:prstTxWarp prst="textNoShape">
+              <a:avLst/>
+            </a:prstTxWarp>
+            <a:spAutoFit/>
+          </a:bodyPr>
+          <a:lstStyle>
+            <a:lvl1pPr eaLnBrk="0" fontAlgn="base" hangingPunct="0">
+              <a:spcBef>
+                <a:spcPct val="0"/>
+              </a:spcBef>
+              <a:spcAft>
+                <a:spcPct val="0"/>
+              </a:spcAft>
+              <a:tabLst>
+                <a:tab pos="274638" algn="l"/>
+              </a:tabLst>
+              <a:defRPr>
+                <a:solidFill>
+                  <a:schemeClr val="tx1"/>
+                </a:solidFill>
+                <a:latin typeface="Arial" panose="020B0604020202020204" pitchFamily="34" charset="0"/>
+              </a:defRPr>
+            </a:lvl1pPr>
+            <a:lvl2pPr eaLnBrk="0" fontAlgn="base" hangingPunct="0">
+              <a:spcBef>
+                <a:spcPct val="0"/>
+              </a:spcBef>
+              <a:spcAft>
+                <a:spcPct val="0"/>
+              </a:spcAft>
+              <a:tabLst>
+                <a:tab pos="274638" algn="l"/>
+              </a:tabLst>
+              <a:defRPr>
+                <a:solidFill>
+                  <a:schemeClr val="tx1"/>
+                </a:solidFill>
+                <a:latin typeface="Arial" panose="020B0604020202020204" pitchFamily="34" charset="0"/>
+              </a:defRPr>
+            </a:lvl2pPr>
+            <a:lvl3pPr eaLnBrk="0" fontAlgn="base" hangingPunct="0">
+              <a:spcBef>
+                <a:spcPct val="0"/>
+              </a:spcBef>
+              <a:spcAft>
+                <a:spcPct val="0"/>
+              </a:spcAft>
+              <a:tabLst>
+                <a:tab pos="274638" algn="l"/>
+              </a:tabLst>
+              <a:defRPr>
+                <a:solidFill>
+                  <a:schemeClr val="tx1"/>
+                </a:solidFill>
+                <a:latin typeface="Arial" panose="020B0604020202020204" pitchFamily="34" charset="0"/>
+              </a:defRPr>
+            </a:lvl3pPr>
+            <a:lvl4pPr eaLnBrk="0" fontAlgn="base" hangingPunct="0">
+              <a:spcBef>
+                <a:spcPct val="0"/>
+              </a:spcBef>
+              <a:spcAft>
+                <a:spcPct val="0"/>
+              </a:spcAft>
+              <a:tabLst>
+                <a:tab pos="274638" algn="l"/>
+              </a:tabLst>
+              <a:defRPr>
+                <a:solidFill>
+                  <a:schemeClr val="tx1"/>
+                </a:solidFill>
+                <a:latin typeface="Arial" panose="020B0604020202020204" pitchFamily="34" charset="0"/>
+              </a:defRPr>
+            </a:lvl4pPr>
+            <a:lvl5pPr eaLnBrk="0" fontAlgn="base" hangingPunct="0">
+              <a:spcBef>
+                <a:spcPct val="0"/>
+              </a:spcBef>
+              <a:spcAft>
+                <a:spcPct val="0"/>
+              </a:spcAft>
+              <a:tabLst>
+                <a:tab pos="274638" algn="l"/>
+              </a:tabLst>
+              <a:defRPr>
+                <a:solidFill>
+                  <a:schemeClr val="tx1"/>
+                </a:solidFill>
+                <a:latin typeface="Arial" panose="020B0604020202020204" pitchFamily="34" charset="0"/>
+              </a:defRPr>
+            </a:lvl5pPr>
+            <a:lvl6pPr eaLnBrk="0" fontAlgn="base" hangingPunct="0">
+              <a:spcBef>
+                <a:spcPct val="0"/>
+              </a:spcBef>
+              <a:spcAft>
+                <a:spcPct val="0"/>
+              </a:spcAft>
+              <a:tabLst>
+                <a:tab pos="274638" algn="l"/>
+              </a:tabLst>
+              <a:defRPr>
+                <a:solidFill>
+                  <a:schemeClr val="tx1"/>
+                </a:solidFill>
+                <a:latin typeface="Arial" panose="020B0604020202020204" pitchFamily="34" charset="0"/>
+              </a:defRPr>
+            </a:lvl6pPr>
+            <a:lvl7pPr eaLnBrk="0" fontAlgn="base" hangingPunct="0">
+              <a:spcBef>
+                <a:spcPct val="0"/>
+              </a:spcBef>
+              <a:spcAft>
+                <a:spcPct val="0"/>
+              </a:spcAft>
+              <a:tabLst>
+                <a:tab pos="274638" algn="l"/>
+              </a:tabLst>
+              <a:defRPr>
+                <a:solidFill>
+                  <a:schemeClr val="tx1"/>
+                </a:solidFill>
+                <a:latin typeface="Arial" panose="020B0604020202020204" pitchFamily="34" charset="0"/>
+              </a:defRPr>
+            </a:lvl7pPr>
+            <a:lvl8pPr eaLnBrk="0" fontAlgn="base" hangingPunct="0">
+              <a:spcBef>
+                <a:spcPct val="0"/>
+              </a:spcBef>
+              <a:spcAft>
+                <a:spcPct val="0"/>
+              </a:spcAft>
+              <a:tabLst>
+                <a:tab pos="274638" algn="l"/>
+              </a:tabLst>
+              <a:defRPr>
+                <a:solidFill>
+                  <a:schemeClr val="tx1"/>
+                </a:solidFill>
+                <a:latin typeface="Arial" panose="020B0604020202020204" pitchFamily="34" charset="0"/>
+              </a:defRPr>
+            </a:lvl8pPr>
+            <a:lvl9pPr eaLnBrk="0" fontAlgn="base" hangingPunct="0">
+              <a:spcBef>
+                <a:spcPct val="0"/>
+              </a:spcBef>
+              <a:spcAft>
+                <a:spcPct val="0"/>
+              </a:spcAft>
+              <a:tabLst>
+                <a:tab pos="274638" algn="l"/>
+              </a:tabLst>
+              <a:defRPr>
+                <a:solidFill>
+                  <a:schemeClr val="tx1"/>
+                </a:solidFill>
+                <a:latin typeface="Arial" panose="020B0604020202020204" pitchFamily="34" charset="0"/>
+              </a:defRPr>
+            </a:lvl9pPr>
+          </a:lstStyle>
+          <a:p>
+            <a:pPr marL="0" marR="0" lvl="0" indent="0" algn="l" defTabSz="914400" rtl="0" eaLnBrk="0" fontAlgn="base" latinLnBrk="0" hangingPunct="0">
+              <a:lnSpc>
+                <a:spcPct val="100000"/>
+              </a:lnSpc>
+              <a:spcBef>
+                <a:spcPct val="0"/>
+              </a:spcBef>
+              <a:spcAft>
+                <a:spcPct val="0"/>
+              </a:spcAft>
+              <a:buClrTx/>
+              <a:buSzTx/>
+              <a:buFontTx/>
+              <a:buNone/>
+              <a:tabLst>
+                <a:tab pos="274638" algn="l"/>
+              </a:tabLst>
+            </a:pPr>
+            <a:r>
+              <a:rPr kumimoji="0" lang="en-US" altLang="en-US" sz="3000" b="1" i="0" u="none" strike="noStrike" cap="none" normalizeH="0" baseline="0" dirty="0" smtClean="0">
+                <a:ln>
+                  <a:noFill/>
+                </a:ln>
+                <a:solidFill>
+                  <a:schemeClr val="tx1"/>
+                </a:solidFill>
+                <a:effectLst/>
+                <a:ea typeface="Times New Roman" panose="02020603050405020304" pitchFamily="18" charset="0"/>
+                <a:cs typeface="Arial" panose="020B0604020202020204" pitchFamily="34" charset="0"/>
+              </a:rPr>
+              <a:t>1.	</a:t>
+            </a:r>
+            <a:r>
+              <a:rPr kumimoji="0" lang="en-US" altLang="en-US" sz="3000" b="0" i="0" u="none" strike="noStrike" cap="none" normalizeH="0" baseline="0" dirty="0" smtClean="0">
+                <a:ln>
+                  <a:noFill/>
+                </a:ln>
+                <a:solidFill>
+                  <a:schemeClr val="tx1"/>
+                </a:solidFill>
+                <a:effectLst/>
+                <a:ea typeface="Times New Roman" panose="02020603050405020304" pitchFamily="18" charset="0"/>
+              </a:rPr>
+              <a:t>About what percent of bags of pet food weigh 49.9 </a:t>
+            </a:r>
+            <a:r>
+              <a:rPr kumimoji="0" lang="en-US" altLang="en-US" sz="3000" b="0" i="0" u="none" strike="noStrike" cap="none" normalizeH="0" baseline="0" dirty="0" err="1" smtClean="0">
+                <a:ln>
+                  <a:noFill/>
+                </a:ln>
+                <a:solidFill>
+                  <a:schemeClr val="tx1"/>
+                </a:solidFill>
+                <a:effectLst/>
+                <a:ea typeface="Times New Roman" panose="02020603050405020304" pitchFamily="18" charset="0"/>
+              </a:rPr>
+              <a:t>lb</a:t>
+            </a:r>
+            <a:r>
+              <a:rPr kumimoji="0" lang="en-US" altLang="en-US" sz="3000" b="0" i="0" u="none" strike="noStrike" cap="none" normalizeH="0" baseline="0" dirty="0" smtClean="0">
+                <a:ln>
+                  <a:noFill/>
+                </a:ln>
+                <a:solidFill>
+                  <a:schemeClr val="tx1"/>
+                </a:solidFill>
+                <a:effectLst/>
+                <a:ea typeface="Times New Roman" panose="02020603050405020304" pitchFamily="18" charset="0"/>
+              </a:rPr>
+              <a:t>–50.1 </a:t>
+            </a:r>
+            <a:r>
+              <a:rPr kumimoji="0" lang="en-US" altLang="en-US" sz="3000" b="0" i="0" u="none" strike="noStrike" cap="none" normalizeH="0" baseline="0" dirty="0" err="1" smtClean="0">
+                <a:ln>
+                  <a:noFill/>
+                </a:ln>
+                <a:solidFill>
+                  <a:schemeClr val="tx1"/>
+                </a:solidFill>
+                <a:effectLst/>
+                <a:ea typeface="Times New Roman" panose="02020603050405020304" pitchFamily="18" charset="0"/>
+              </a:rPr>
+              <a:t>lb</a:t>
+            </a:r>
+            <a:r>
+              <a:rPr kumimoji="0" lang="en-US" altLang="en-US" sz="3000" b="0" i="0" u="none" strike="noStrike" cap="none" normalizeH="0" baseline="0" dirty="0" smtClean="0">
+                <a:ln>
+                  <a:noFill/>
+                </a:ln>
+                <a:solidFill>
+                  <a:schemeClr val="tx1"/>
+                </a:solidFill>
+                <a:effectLst/>
+                <a:ea typeface="Times New Roman" panose="02020603050405020304" pitchFamily="18" charset="0"/>
+              </a:rPr>
+              <a:t>?    												</a:t>
+            </a:r>
+            <a:r>
+              <a:rPr kumimoji="0" lang="en-US" altLang="en-US" sz="3000" b="1" i="0" u="none" strike="noStrike" cap="none" normalizeH="0" baseline="0" dirty="0" smtClean="0">
+                <a:ln>
+                  <a:noFill/>
+                </a:ln>
+                <a:solidFill>
+                  <a:schemeClr val="tx1"/>
+                </a:solidFill>
+                <a:effectLst/>
+                <a:ea typeface="Times New Roman" panose="02020603050405020304" pitchFamily="18" charset="0"/>
+              </a:rPr>
+              <a:t/>
+            </a:r>
+            <a:br>
+              <a:rPr kumimoji="0" lang="en-US" altLang="en-US" sz="3000" b="1" i="0" u="none" strike="noStrike" cap="none" normalizeH="0" baseline="0" dirty="0" smtClean="0">
+                <a:ln>
+                  <a:noFill/>
+                </a:ln>
+                <a:solidFill>
+                  <a:schemeClr val="tx1"/>
+                </a:solidFill>
+                <a:effectLst/>
+                <a:ea typeface="Times New Roman" panose="02020603050405020304" pitchFamily="18" charset="0"/>
+              </a:rPr>
+            </a:br>
+            <a:endParaRPr kumimoji="0" lang="en-US" altLang="en-US" sz="3000" b="1" i="0" u="none" strike="noStrike" cap="none" normalizeH="0" baseline="0" dirty="0" smtClean="0">
+              <a:ln>
+                <a:noFill/>
+              </a:ln>
+              <a:solidFill>
+                <a:schemeClr val="tx1"/>
+              </a:solidFill>
+              <a:effectLst/>
+            </a:endParaRPr>
+          </a:p>
+          <a:p>
+            <a:pPr marL="0" marR="0" lvl="0" indent="0" algn="l" defTabSz="914400" rtl="0" eaLnBrk="0" fontAlgn="base" latinLnBrk="0" hangingPunct="0">
+              <a:lnSpc>
+                <a:spcPct val="100000"/>
+              </a:lnSpc>
+              <a:spcBef>
+                <a:spcPct val="0"/>
+              </a:spcBef>
+              <a:spcAft>
+                <a:spcPct val="0"/>
+              </a:spcAft>
+              <a:buClrTx/>
+              <a:buSzTx/>
+              <a:buFontTx/>
+              <a:buNone/>
+              <a:tabLst>
+                <a:tab pos="274638" algn="l"/>
+              </a:tabLst>
+            </a:pPr>
+            <a:r>
+              <a:rPr kumimoji="0" lang="en-US" altLang="en-US" sz="3000" b="1" i="0" u="none" strike="noStrike" cap="none" normalizeH="0" baseline="0" dirty="0" smtClean="0">
+                <a:ln>
+                  <a:noFill/>
+                </a:ln>
+                <a:solidFill>
+                  <a:schemeClr val="tx1"/>
+                </a:solidFill>
+                <a:effectLst/>
+                <a:ea typeface="Times New Roman" panose="02020603050405020304" pitchFamily="18" charset="0"/>
+                <a:cs typeface="Arial" panose="020B0604020202020204" pitchFamily="34" charset="0"/>
+              </a:rPr>
+              <a:t>2.	</a:t>
+            </a:r>
+            <a:r>
+              <a:rPr kumimoji="0" lang="en-US" altLang="en-US" sz="3000" b="0" i="0" u="none" strike="noStrike" cap="none" normalizeH="0" baseline="0" dirty="0" smtClean="0">
+                <a:ln>
+                  <a:noFill/>
+                </a:ln>
+                <a:solidFill>
+                  <a:schemeClr val="tx1"/>
+                </a:solidFill>
+                <a:effectLst/>
+                <a:ea typeface="Times New Roman" panose="02020603050405020304" pitchFamily="18" charset="0"/>
+              </a:rPr>
+              <a:t>About what percent of bags weigh less than 49.8 </a:t>
+            </a:r>
+            <a:r>
+              <a:rPr kumimoji="0" lang="en-US" altLang="en-US" sz="3000" b="0" i="0" u="none" strike="noStrike" cap="none" normalizeH="0" baseline="0" dirty="0" err="1" smtClean="0">
+                <a:ln>
+                  <a:noFill/>
+                </a:ln>
+                <a:solidFill>
+                  <a:schemeClr val="tx1"/>
+                </a:solidFill>
+                <a:effectLst/>
+                <a:ea typeface="Times New Roman" panose="02020603050405020304" pitchFamily="18" charset="0"/>
+              </a:rPr>
+              <a:t>lb</a:t>
+            </a:r>
+            <a:r>
+              <a:rPr kumimoji="0" lang="en-US" altLang="en-US" sz="3000" b="0" i="0" u="none" strike="noStrike" cap="none" normalizeH="0" baseline="0" dirty="0" smtClean="0">
+                <a:ln>
+                  <a:noFill/>
+                </a:ln>
+                <a:solidFill>
+                  <a:schemeClr val="tx1"/>
+                </a:solidFill>
+                <a:effectLst/>
+                <a:ea typeface="Times New Roman" panose="02020603050405020304" pitchFamily="18" charset="0"/>
+              </a:rPr>
+              <a:t>?               												</a:t>
+            </a:r>
+            <a:r>
+              <a:rPr kumimoji="0" lang="en-US" altLang="en-US" sz="3000" b="1" i="0" u="none" strike="noStrike" cap="none" normalizeH="0" baseline="0" dirty="0" smtClean="0">
+                <a:ln>
+                  <a:noFill/>
+                </a:ln>
+                <a:solidFill>
+                  <a:schemeClr val="tx1"/>
+                </a:solidFill>
+                <a:effectLst/>
+                <a:ea typeface="Times New Roman" panose="02020603050405020304" pitchFamily="18" charset="0"/>
+              </a:rPr>
+              <a:t/>
+            </a:r>
+            <a:br>
+              <a:rPr kumimoji="0" lang="en-US" altLang="en-US" sz="3000" b="1" i="0" u="none" strike="noStrike" cap="none" normalizeH="0" baseline="0" dirty="0" smtClean="0">
+                <a:ln>
+                  <a:noFill/>
+                </a:ln>
+                <a:solidFill>
+                  <a:schemeClr val="tx1"/>
+                </a:solidFill>
+                <a:effectLst/>
+                <a:ea typeface="Times New Roman" panose="02020603050405020304" pitchFamily="18" charset="0"/>
+              </a:rPr>
+            </a:br>
+            <a:endParaRPr kumimoji="0" lang="en-US" altLang="en-US" sz="3000" b="1" i="0" u="none" strike="noStrike" cap="none" normalizeH="0" baseline="0" dirty="0" smtClean="0">
+              <a:ln>
+                <a:noFill/>
+              </a:ln>
+              <a:solidFill>
+                <a:schemeClr val="tx1"/>
+              </a:solidFill>
+              <a:effectLst/>
+            </a:endParaRPr>
+          </a:p>
+          <a:p>
+            <a:pPr marL="0" marR="0" lvl="0" indent="0" algn="l" defTabSz="914400" rtl="0" eaLnBrk="0" fontAlgn="base" latinLnBrk="0" hangingPunct="0">
+              <a:lnSpc>
+                <a:spcPct val="100000"/>
+              </a:lnSpc>
+              <a:spcBef>
+                <a:spcPct val="0"/>
+              </a:spcBef>
+              <a:spcAft>
+                <a:spcPct val="0"/>
+              </a:spcAft>
+              <a:buClrTx/>
+              <a:buSzTx/>
+              <a:buFontTx/>
+              <a:buNone/>
+              <a:tabLst>
+                <a:tab pos="274638" algn="l"/>
+              </a:tabLst>
+            </a:pPr>
+            <a:r>
+              <a:rPr kumimoji="0" lang="en-US" altLang="en-US" sz="3000" b="1" i="0" u="none" strike="noStrike" cap="none" normalizeH="0" baseline="0" dirty="0" smtClean="0">
+                <a:ln>
+                  <a:noFill/>
+                </a:ln>
+                <a:solidFill>
+                  <a:schemeClr val="tx1"/>
+                </a:solidFill>
+                <a:effectLst/>
+                <a:ea typeface="Times New Roman" panose="02020603050405020304" pitchFamily="18" charset="0"/>
+                <a:cs typeface="Arial" panose="020B0604020202020204" pitchFamily="34" charset="0"/>
+              </a:rPr>
+              <a:t>3.	</a:t>
+            </a:r>
+            <a:r>
+              <a:rPr kumimoji="0" lang="en-US" altLang="en-US" sz="3000" b="0" i="0" u="none" strike="noStrike" cap="none" normalizeH="0" baseline="0" dirty="0" smtClean="0">
+                <a:ln>
+                  <a:noFill/>
+                </a:ln>
+                <a:solidFill>
+                  <a:schemeClr val="tx1"/>
+                </a:solidFill>
+                <a:effectLst/>
+                <a:ea typeface="Times New Roman" panose="02020603050405020304" pitchFamily="18" charset="0"/>
+              </a:rPr>
+              <a:t>In a group of 250 bags, how many would you expect to 			weigh more than</a:t>
+            </a:r>
+            <a:r>
+              <a:rPr kumimoji="0" lang="en-US" altLang="en-US" sz="3000" b="0" i="0" u="none" strike="noStrike" cap="none" normalizeH="0" dirty="0" smtClean="0">
+                <a:ln>
+                  <a:noFill/>
+                </a:ln>
+                <a:solidFill>
+                  <a:schemeClr val="tx1"/>
+                </a:solidFill>
+                <a:effectLst/>
+                <a:ea typeface="Times New Roman" panose="02020603050405020304" pitchFamily="18" charset="0"/>
+              </a:rPr>
+              <a:t> </a:t>
+            </a:r>
+            <a:r>
+              <a:rPr kumimoji="0" lang="en-US" altLang="en-US" sz="3000" b="0" i="0" u="none" strike="noStrike" cap="none" normalizeH="0" baseline="0" dirty="0" smtClean="0">
+                <a:ln>
+                  <a:noFill/>
+                </a:ln>
+                <a:solidFill>
+                  <a:schemeClr val="tx1"/>
+                </a:solidFill>
+                <a:effectLst/>
+                <a:ea typeface="Times New Roman" panose="02020603050405020304" pitchFamily="18" charset="0"/>
+              </a:rPr>
+              <a:t>50.4 </a:t>
+            </a:r>
+            <a:r>
+              <a:rPr kumimoji="0" lang="en-US" altLang="en-US" sz="3000" b="0" i="0" u="none" strike="noStrike" cap="none" normalizeH="0" baseline="0" dirty="0" err="1" smtClean="0">
+                <a:ln>
+                  <a:noFill/>
+                </a:ln>
+                <a:solidFill>
+                  <a:schemeClr val="tx1"/>
+                </a:solidFill>
+                <a:effectLst/>
+                <a:ea typeface="Times New Roman" panose="02020603050405020304" pitchFamily="18" charset="0"/>
+              </a:rPr>
+              <a:t>lb</a:t>
+            </a:r>
+            <a:r>
+              <a:rPr kumimoji="0" lang="en-US" altLang="en-US" sz="3000" b="0" i="0" u="none" strike="noStrike" cap="none" normalizeH="0" baseline="0" dirty="0" smtClean="0">
+                <a:ln>
+                  <a:noFill/>
+                </a:ln>
+                <a:solidFill>
+                  <a:schemeClr val="tx1"/>
+                </a:solidFill>
+                <a:effectLst/>
+                <a:ea typeface="Times New Roman" panose="02020603050405020304" pitchFamily="18" charset="0"/>
+              </a:rPr>
+              <a:t>?                 	</a:t>
+            </a:r>
+            <a:r>
+              <a:rPr kumimoji="0" lang="en-US" altLang="en-US" sz="3000" b="1" i="0" u="none" strike="noStrike" cap="none" normalizeH="0" baseline="0" dirty="0" smtClean="0">
+                <a:ln>
+                  <a:noFill/>
+                </a:ln>
+                <a:solidFill>
+                  <a:schemeClr val="tx1"/>
+                </a:solidFill>
+                <a:effectLst/>
+                <a:ea typeface="Times New Roman" panose="02020603050405020304" pitchFamily="18" charset="0"/>
+              </a:rPr>
+              <a:t/>
+            </a:r>
+            <a:br>
+              <a:rPr kumimoji="0" lang="en-US" altLang="en-US" sz="3000" b="1" i="0" u="none" strike="noStrike" cap="none" normalizeH="0" baseline="0" dirty="0" smtClean="0">
+                <a:ln>
+                  <a:noFill/>
+                </a:ln>
+                <a:solidFill>
+                  <a:schemeClr val="tx1"/>
+                </a:solidFill>
+                <a:effectLst/>
+                <a:ea typeface="Times New Roman" panose="02020603050405020304" pitchFamily="18" charset="0"/>
+              </a:rPr>
+            </a:br>
+            <a:endParaRPr kumimoji="0" lang="en-US" altLang="en-US" sz="3000" b="1" i="0" u="none" strike="noStrike" cap="none" normalizeH="0" baseline="0" dirty="0" smtClean="0">
+              <a:ln>
+                <a:noFill/>
+              </a:ln>
+              <a:solidFill>
+                <a:schemeClr val="tx1"/>
+              </a:solidFill>
+              <a:effectLst/>
+            </a:endParaRPr>
+          </a:p>
+          <a:p>
+            <a:pPr marL="0" marR="0" lvl="0" indent="0" algn="l" defTabSz="914400" rtl="0" eaLnBrk="0" fontAlgn="base" latinLnBrk="0" hangingPunct="0">
+              <a:lnSpc>
+                <a:spcPct val="100000"/>
+              </a:lnSpc>
+              <a:spcBef>
+                <a:spcPct val="0"/>
+              </a:spcBef>
+              <a:spcAft>
+                <a:spcPct val="0"/>
+              </a:spcAft>
+              <a:buClrTx/>
+              <a:buSzTx/>
+              <a:buFontTx/>
+              <a:buNone/>
+              <a:tabLst>
+                <a:tab pos="274638" algn="l"/>
+              </a:tabLst>
+            </a:pPr>
+            <a:r>
+              <a:rPr kumimoji="0" lang="en-US" altLang="en-US" sz="3000" b="1" i="0" u="none" strike="noStrike" cap="none" normalizeH="0" baseline="0" dirty="0" smtClean="0">
+                <a:ln>
+                  <a:noFill/>
+                </a:ln>
+                <a:solidFill>
+                  <a:schemeClr val="tx1"/>
+                </a:solidFill>
+                <a:effectLst/>
+                <a:ea typeface="Times New Roman" panose="02020603050405020304" pitchFamily="18" charset="0"/>
+                <a:cs typeface="Arial" panose="020B0604020202020204" pitchFamily="34" charset="0"/>
+              </a:rPr>
+              <a:t>4.	</a:t>
+            </a:r>
+            <a:r>
+              <a:rPr kumimoji="0" lang="en-US" altLang="en-US" sz="3000" b="0" i="0" u="none" strike="noStrike" cap="none" normalizeH="0" baseline="0" dirty="0" smtClean="0">
+                <a:ln>
+                  <a:noFill/>
+                </a:ln>
+                <a:solidFill>
+                  <a:schemeClr val="tx1"/>
+                </a:solidFill>
+                <a:effectLst/>
+                <a:ea typeface="Times New Roman" panose="02020603050405020304" pitchFamily="18" charset="0"/>
+              </a:rPr>
+              <a:t>The mean of the data is 50, and the standard deviation is 			0.2. Approximately</a:t>
+            </a:r>
+            <a:r>
+              <a:rPr kumimoji="0" lang="en-US" altLang="en-US" sz="3000" b="0" i="0" u="none" strike="noStrike" cap="none" normalizeH="0" dirty="0" smtClean="0">
+                <a:ln>
+                  <a:noFill/>
+                </a:ln>
+                <a:solidFill>
+                  <a:schemeClr val="tx1"/>
+                </a:solidFill>
+                <a:effectLst/>
+                <a:ea typeface="Times New Roman" panose="02020603050405020304" pitchFamily="18" charset="0"/>
+              </a:rPr>
+              <a:t> </a:t>
+            </a:r>
+            <a:r>
+              <a:rPr kumimoji="0" lang="en-US" altLang="en-US" sz="3000" b="0" i="0" u="none" strike="noStrike" cap="none" normalizeH="0" baseline="0" dirty="0" smtClean="0">
+                <a:ln>
+                  <a:noFill/>
+                </a:ln>
+                <a:solidFill>
+                  <a:schemeClr val="tx1"/>
+                </a:solidFill>
+                <a:effectLst/>
+                <a:ea typeface="Times New Roman" panose="02020603050405020304" pitchFamily="18" charset="0"/>
+              </a:rPr>
+              <a:t>what percent of bags are within one 			standard deviation of the mean weight?      			</a:t>
+            </a:r>
+            <a:endParaRPr kumimoji="0" lang="en-US" altLang="en-US" sz="3000" b="1" i="0" u="none" strike="noStrike" cap="none" normalizeH="0" baseline="0" dirty="0" smtClean="0">
+              <a:ln>
+                <a:noFill/>
+              </a:ln>
+              <a:solidFill>
+                <a:schemeClr val="tx1"/>
+              </a:solidFill>
+              <a:effectLst/>
+            </a:endParaRPr>
+          </a:p>
+        </p:txBody>
+      </p:sp>
+    </p:spTree>
+    <p:extLst>
+      <p:ext uri="{BB962C8B-B14F-4D97-AF65-F5344CB8AC3E}">
+        <p14:creationId xmlns:p14="http://schemas.microsoft.com/office/powerpoint/2010/main" val="1258276688"/>
+      </p:ext>
+    </p:extLst>
+  </p:cSld>
+  <p:clrMapOvr>
+    <a:masterClrMapping/>
+  </p:clrMapOvr>
+  <p:timing>
+    <p:tnLst>
+      <p:par>
+        <p:cTn id="1" dur="indefinite" restart="never" nodeType="tmRoot"/>
+      </p:par>
+    </p:tnLst>
+  </p:timing>
+</p:sld>
+</file>
+
+<file path=ppt/slides/slide14.xml><?xml version="1.0" encoding="utf-8"?>
+<p:sld xmlns:a="http://schemas.openxmlformats.org/drawingml/2006/main" xmlns:r="http://schemas.openxmlformats.org/officeDocument/2006/relationships" xmlns:p="http://schemas.openxmlformats.org/presentationml/2006/main">
+  <p:cSld>
+    <p:spTree>
+      <p:nvGrpSpPr>
+        <p:cNvPr id="1" name=""/>
+        <p:cNvGrpSpPr/>
+        <p:nvPr/>
+      </p:nvGrpSpPr>
+      <p:grpSpPr>
+        <a:xfrm>
+          <a:off x="0" y="0"/>
+          <a:ext cx="0" cy="0"/>
+          <a:chOff x="0" y="0"/>
+          <a:chExt cx="0" cy="0"/>
+        </a:xfrm>
+      </p:grpSpPr>
+      <p:sp>
+        <p:nvSpPr>
+          <p:cNvPr id="6" name="Rectangle 5"/>
+          <p:cNvSpPr>
+            <a:spLocks noChangeArrowheads="1"/>
+          </p:cNvSpPr>
+          <p:nvPr/>
+        </p:nvSpPr>
+        <p:spPr bwMode="auto">
+          <a:xfrm>
+            <a:off x="964183" y="88668"/>
+            <a:ext cx="1534779" cy="553998"/>
+          </a:xfrm>
+          <a:prstGeom prst="rect">
+            <a:avLst/>
+          </a:prstGeom>
+          <a:noFill/>
+          <a:ln>
+            <a:noFill/>
+          </a:ln>
+          <a:effectLst/>
+          <a:extLst>
+            <a:ext uri="{909E8E84-426E-40DD-AFC4-6F175D3DCCD1}">
+              <a14:hiddenFill xmlns:a14="http://schemas.microsoft.com/office/drawing/2010/main">
+                <a:solidFill>
+                  <a:schemeClr val="accent1"/>
+                </a:solidFill>
+              </a14:hiddenFill>
+            </a:ext>
+            <a:ext uri="{91240B29-F687-4F45-9708-019B960494DF}">
+              <a14:hiddenLine xmlns:a14="http://schemas.microsoft.com/office/drawing/2010/main" w="9525">
+                <a:solidFill>
+                  <a:schemeClr val="tx1"/>
+                </a:solidFill>
+                <a:miter lim="800000"/>
+                <a:headEnd/>
+                <a:tailEnd/>
+              </a14:hiddenLine>
+            </a:ext>
+            <a:ext uri="{AF507438-7753-43E0-B8FC-AC1667EBCBE1}">
+              <a14:hiddenEffects xmlns:a14="http://schemas.microsoft.com/office/drawing/2010/main">
+                <a:effectLst>
+                  <a:outerShdw dist="35921" dir="2700000" algn="ctr" rotWithShape="0">
+                    <a:schemeClr val="bg2"/>
+                  </a:outerShdw>
+                </a:effectLst>
+              </a14:hiddenEffects>
+            </a:ext>
+          </a:extLst>
+        </p:spPr>
+        <p:txBody>
+          <a:bodyPr vert="horz" wrap="none" lIns="91440" tIns="45720" rIns="91440" bIns="45720" numCol="1" anchor="ctr" anchorCtr="0" compatLnSpc="1">
+            <a:prstTxWarp prst="textNoShape">
+              <a:avLst/>
+            </a:prstTxWarp>
+            <a:spAutoFit/>
+          </a:bodyPr>
+          <a:lstStyle/>
+          <a:p>
+            <a:r>
+              <a:rPr lang="en-US" sz="3000" dirty="0" smtClean="0"/>
+              <a:t>Answers</a:t>
+            </a:r>
+            <a:endParaRPr lang="en-US" sz="3000" dirty="0"/>
+          </a:p>
+        </p:txBody>
+      </p:sp>
+      <p:sp>
+        <p:nvSpPr>
+          <p:cNvPr id="7" name="Rectangle 6"/>
+          <p:cNvSpPr>
+            <a:spLocks noChangeArrowheads="1"/>
+          </p:cNvSpPr>
+          <p:nvPr/>
+        </p:nvSpPr>
+        <p:spPr bwMode="auto">
+          <a:xfrm>
+            <a:off x="661012" y="875585"/>
+            <a:ext cx="11630139" cy="5632311"/>
+          </a:xfrm>
+          <a:prstGeom prst="rect">
+            <a:avLst/>
+          </a:prstGeom>
+          <a:noFill/>
+          <a:ln>
+            <a:noFill/>
+          </a:ln>
+          <a:effectLst/>
+          <a:extLst>
+            <a:ext uri="{909E8E84-426E-40DD-AFC4-6F175D3DCCD1}">
+              <a14:hiddenFill xmlns:a14="http://schemas.microsoft.com/office/drawing/2010/main">
+                <a:solidFill>
+                  <a:schemeClr val="accent1"/>
+                </a:solidFill>
+              </a14:hiddenFill>
+            </a:ext>
+            <a:ext uri="{91240B29-F687-4F45-9708-019B960494DF}">
+              <a14:hiddenLine xmlns:a14="http://schemas.microsoft.com/office/drawing/2010/main" w="9525">
+                <a:solidFill>
+                  <a:schemeClr val="tx1"/>
+                </a:solidFill>
+                <a:miter lim="800000"/>
+                <a:headEnd/>
+                <a:tailEnd/>
+              </a14:hiddenLine>
+            </a:ext>
+            <a:ext uri="{AF507438-7753-43E0-B8FC-AC1667EBCBE1}">
+              <a14:hiddenEffects xmlns:a14="http://schemas.microsoft.com/office/drawing/2010/main">
+                <a:effectLst>
+                  <a:outerShdw dist="35921" dir="2700000" algn="ctr" rotWithShape="0">
+                    <a:schemeClr val="bg2"/>
+                  </a:outerShdw>
+                </a:effectLst>
+              </a14:hiddenEffects>
+            </a:ext>
+          </a:extLst>
+        </p:spPr>
+        <p:txBody>
+          <a:bodyPr vert="horz" wrap="square" lIns="91440" tIns="45720" rIns="91440" bIns="45720" numCol="1" anchor="ctr" anchorCtr="0" compatLnSpc="1">
+            <a:prstTxWarp prst="textNoShape">
+              <a:avLst/>
+            </a:prstTxWarp>
+            <a:spAutoFit/>
+          </a:bodyPr>
+          <a:lstStyle>
+            <a:lvl1pPr eaLnBrk="0" fontAlgn="base" hangingPunct="0">
+              <a:spcBef>
+                <a:spcPct val="0"/>
+              </a:spcBef>
+              <a:spcAft>
+                <a:spcPct val="0"/>
+              </a:spcAft>
+              <a:tabLst>
+                <a:tab pos="274638" algn="l"/>
+              </a:tabLst>
+              <a:defRPr>
+                <a:solidFill>
+                  <a:schemeClr val="tx1"/>
+                </a:solidFill>
+                <a:latin typeface="Arial" panose="020B0604020202020204" pitchFamily="34" charset="0"/>
+              </a:defRPr>
+            </a:lvl1pPr>
+            <a:lvl2pPr eaLnBrk="0" fontAlgn="base" hangingPunct="0">
+              <a:spcBef>
+                <a:spcPct val="0"/>
+              </a:spcBef>
+              <a:spcAft>
+                <a:spcPct val="0"/>
+              </a:spcAft>
+              <a:tabLst>
+                <a:tab pos="274638" algn="l"/>
+              </a:tabLst>
+              <a:defRPr>
+                <a:solidFill>
+                  <a:schemeClr val="tx1"/>
+                </a:solidFill>
+                <a:latin typeface="Arial" panose="020B0604020202020204" pitchFamily="34" charset="0"/>
+              </a:defRPr>
+            </a:lvl2pPr>
+            <a:lvl3pPr eaLnBrk="0" fontAlgn="base" hangingPunct="0">
+              <a:spcBef>
+                <a:spcPct val="0"/>
+              </a:spcBef>
+              <a:spcAft>
+                <a:spcPct val="0"/>
+              </a:spcAft>
+              <a:tabLst>
+                <a:tab pos="274638" algn="l"/>
+              </a:tabLst>
+              <a:defRPr>
+                <a:solidFill>
+                  <a:schemeClr val="tx1"/>
+                </a:solidFill>
+                <a:latin typeface="Arial" panose="020B0604020202020204" pitchFamily="34" charset="0"/>
+              </a:defRPr>
+            </a:lvl3pPr>
+            <a:lvl4pPr eaLnBrk="0" fontAlgn="base" hangingPunct="0">
+              <a:spcBef>
+                <a:spcPct val="0"/>
+              </a:spcBef>
+              <a:spcAft>
+                <a:spcPct val="0"/>
+              </a:spcAft>
+              <a:tabLst>
+                <a:tab pos="274638" algn="l"/>
+              </a:tabLst>
+              <a:defRPr>
+                <a:solidFill>
+                  <a:schemeClr val="tx1"/>
+                </a:solidFill>
+                <a:latin typeface="Arial" panose="020B0604020202020204" pitchFamily="34" charset="0"/>
+              </a:defRPr>
+            </a:lvl4pPr>
+            <a:lvl5pPr eaLnBrk="0" fontAlgn="base" hangingPunct="0">
+              <a:spcBef>
+                <a:spcPct val="0"/>
+              </a:spcBef>
+              <a:spcAft>
+                <a:spcPct val="0"/>
+              </a:spcAft>
+              <a:tabLst>
+                <a:tab pos="274638" algn="l"/>
+              </a:tabLst>
+              <a:defRPr>
+                <a:solidFill>
+                  <a:schemeClr val="tx1"/>
+                </a:solidFill>
+                <a:latin typeface="Arial" panose="020B0604020202020204" pitchFamily="34" charset="0"/>
+              </a:defRPr>
+            </a:lvl5pPr>
+            <a:lvl6pPr eaLnBrk="0" fontAlgn="base" hangingPunct="0">
+              <a:spcBef>
+                <a:spcPct val="0"/>
+              </a:spcBef>
+              <a:spcAft>
+                <a:spcPct val="0"/>
+              </a:spcAft>
+              <a:tabLst>
+                <a:tab pos="274638" algn="l"/>
+              </a:tabLst>
+              <a:defRPr>
+                <a:solidFill>
+                  <a:schemeClr val="tx1"/>
+                </a:solidFill>
+                <a:latin typeface="Arial" panose="020B0604020202020204" pitchFamily="34" charset="0"/>
+              </a:defRPr>
+            </a:lvl6pPr>
+            <a:lvl7pPr eaLnBrk="0" fontAlgn="base" hangingPunct="0">
+              <a:spcBef>
+                <a:spcPct val="0"/>
+              </a:spcBef>
+              <a:spcAft>
+                <a:spcPct val="0"/>
+              </a:spcAft>
+              <a:tabLst>
+                <a:tab pos="274638" algn="l"/>
+              </a:tabLst>
+              <a:defRPr>
+                <a:solidFill>
+                  <a:schemeClr val="tx1"/>
+                </a:solidFill>
+                <a:latin typeface="Arial" panose="020B0604020202020204" pitchFamily="34" charset="0"/>
+              </a:defRPr>
+            </a:lvl7pPr>
+            <a:lvl8pPr eaLnBrk="0" fontAlgn="base" hangingPunct="0">
+              <a:spcBef>
+                <a:spcPct val="0"/>
+              </a:spcBef>
+              <a:spcAft>
+                <a:spcPct val="0"/>
+              </a:spcAft>
+              <a:tabLst>
+                <a:tab pos="274638" algn="l"/>
+              </a:tabLst>
+              <a:defRPr>
+                <a:solidFill>
+                  <a:schemeClr val="tx1"/>
+                </a:solidFill>
+                <a:latin typeface="Arial" panose="020B0604020202020204" pitchFamily="34" charset="0"/>
+              </a:defRPr>
+            </a:lvl8pPr>
+            <a:lvl9pPr eaLnBrk="0" fontAlgn="base" hangingPunct="0">
+              <a:spcBef>
+                <a:spcPct val="0"/>
+              </a:spcBef>
+              <a:spcAft>
+                <a:spcPct val="0"/>
+              </a:spcAft>
+              <a:tabLst>
+                <a:tab pos="274638" algn="l"/>
+              </a:tabLst>
+              <a:defRPr>
+                <a:solidFill>
+                  <a:schemeClr val="tx1"/>
+                </a:solidFill>
+                <a:latin typeface="Arial" panose="020B0604020202020204" pitchFamily="34" charset="0"/>
+              </a:defRPr>
+            </a:lvl9pPr>
+          </a:lstStyle>
+          <a:p>
+            <a:pPr marL="0" marR="0" lvl="0" indent="0" algn="l" defTabSz="914400" rtl="0" eaLnBrk="0" fontAlgn="base" latinLnBrk="0" hangingPunct="0">
+              <a:lnSpc>
+                <a:spcPct val="100000"/>
+              </a:lnSpc>
+              <a:spcBef>
+                <a:spcPct val="0"/>
+              </a:spcBef>
+              <a:spcAft>
+                <a:spcPct val="0"/>
+              </a:spcAft>
+              <a:buClrTx/>
+              <a:buSzTx/>
+              <a:buFontTx/>
+              <a:buNone/>
+              <a:tabLst>
+                <a:tab pos="274638" algn="l"/>
+              </a:tabLst>
+            </a:pPr>
+            <a:r>
+              <a:rPr kumimoji="0" lang="en-US" altLang="en-US" sz="3000" b="1" i="0" u="none" strike="noStrike" cap="none" normalizeH="0" baseline="0" dirty="0" smtClean="0">
+                <a:ln>
+                  <a:noFill/>
+                </a:ln>
+                <a:solidFill>
+                  <a:schemeClr val="tx1"/>
+                </a:solidFill>
+                <a:effectLst/>
+                <a:ea typeface="Times New Roman" panose="02020603050405020304" pitchFamily="18" charset="0"/>
+                <a:cs typeface="Arial" panose="020B0604020202020204" pitchFamily="34" charset="0"/>
+              </a:rPr>
+              <a:t>1.	</a:t>
+            </a:r>
+            <a:r>
+              <a:rPr kumimoji="0" lang="en-US" altLang="en-US" sz="3000" b="0" i="0" u="none" strike="noStrike" cap="none" normalizeH="0" baseline="0" dirty="0" smtClean="0">
+                <a:ln>
+                  <a:noFill/>
+                </a:ln>
+                <a:solidFill>
+                  <a:schemeClr val="tx1"/>
+                </a:solidFill>
+                <a:effectLst/>
+                <a:ea typeface="Times New Roman" panose="02020603050405020304" pitchFamily="18" charset="0"/>
+              </a:rPr>
+              <a:t>About what percent of bags of pet food weigh 49.9 </a:t>
+            </a:r>
+            <a:r>
+              <a:rPr kumimoji="0" lang="en-US" altLang="en-US" sz="3000" b="0" i="0" u="none" strike="noStrike" cap="none" normalizeH="0" baseline="0" dirty="0" err="1" smtClean="0">
+                <a:ln>
+                  <a:noFill/>
+                </a:ln>
+                <a:solidFill>
+                  <a:schemeClr val="tx1"/>
+                </a:solidFill>
+                <a:effectLst/>
+                <a:ea typeface="Times New Roman" panose="02020603050405020304" pitchFamily="18" charset="0"/>
+              </a:rPr>
+              <a:t>lb</a:t>
+            </a:r>
+            <a:r>
+              <a:rPr kumimoji="0" lang="en-US" altLang="en-US" sz="3000" b="0" i="0" u="none" strike="noStrike" cap="none" normalizeH="0" baseline="0" dirty="0" smtClean="0">
+                <a:ln>
+                  <a:noFill/>
+                </a:ln>
+                <a:solidFill>
+                  <a:schemeClr val="tx1"/>
+                </a:solidFill>
+                <a:effectLst/>
+                <a:ea typeface="Times New Roman" panose="02020603050405020304" pitchFamily="18" charset="0"/>
+              </a:rPr>
+              <a:t>–50.1 </a:t>
+            </a:r>
+            <a:r>
+              <a:rPr kumimoji="0" lang="en-US" altLang="en-US" sz="3000" b="0" i="0" u="none" strike="noStrike" cap="none" normalizeH="0" baseline="0" dirty="0" err="1" smtClean="0">
+                <a:ln>
+                  <a:noFill/>
+                </a:ln>
+                <a:solidFill>
+                  <a:schemeClr val="tx1"/>
+                </a:solidFill>
+                <a:effectLst/>
+                <a:ea typeface="Times New Roman" panose="02020603050405020304" pitchFamily="18" charset="0"/>
+              </a:rPr>
+              <a:t>lb</a:t>
+            </a:r>
+            <a:r>
+              <a:rPr kumimoji="0" lang="en-US" altLang="en-US" sz="3000" b="0" i="0" u="none" strike="noStrike" cap="none" normalizeH="0" baseline="0" dirty="0" smtClean="0">
+                <a:ln>
+                  <a:noFill/>
+                </a:ln>
+                <a:solidFill>
+                  <a:schemeClr val="tx1"/>
+                </a:solidFill>
+                <a:effectLst/>
+                <a:ea typeface="Times New Roman" panose="02020603050405020304" pitchFamily="18" charset="0"/>
+              </a:rPr>
+              <a:t>?    												</a:t>
+            </a:r>
+            <a:r>
+              <a:rPr kumimoji="0" lang="en-US" altLang="en-US" sz="3000" b="1" i="0" u="none" strike="noStrike" cap="none" normalizeH="0" baseline="0" dirty="0" smtClean="0">
+                <a:ln>
+                  <a:noFill/>
+                </a:ln>
+                <a:solidFill>
+                  <a:schemeClr val="tx1"/>
+                </a:solidFill>
+                <a:effectLst/>
+                <a:ea typeface="Times New Roman" panose="02020603050405020304" pitchFamily="18" charset="0"/>
+              </a:rPr>
+              <a:t>58%</a:t>
+            </a:r>
+            <a:br>
+              <a:rPr kumimoji="0" lang="en-US" altLang="en-US" sz="3000" b="1" i="0" u="none" strike="noStrike" cap="none" normalizeH="0" baseline="0" dirty="0" smtClean="0">
+                <a:ln>
+                  <a:noFill/>
+                </a:ln>
+                <a:solidFill>
+                  <a:schemeClr val="tx1"/>
+                </a:solidFill>
+                <a:effectLst/>
+                <a:ea typeface="Times New Roman" panose="02020603050405020304" pitchFamily="18" charset="0"/>
+              </a:rPr>
+            </a:br>
+            <a:endParaRPr kumimoji="0" lang="en-US" altLang="en-US" sz="3000" b="1" i="0" u="none" strike="noStrike" cap="none" normalizeH="0" baseline="0" dirty="0" smtClean="0">
+              <a:ln>
+                <a:noFill/>
+              </a:ln>
+              <a:solidFill>
+                <a:schemeClr val="tx1"/>
+              </a:solidFill>
+              <a:effectLst/>
+            </a:endParaRPr>
+          </a:p>
+          <a:p>
+            <a:pPr marL="0" marR="0" lvl="0" indent="0" algn="l" defTabSz="914400" rtl="0" eaLnBrk="0" fontAlgn="base" latinLnBrk="0" hangingPunct="0">
+              <a:lnSpc>
+                <a:spcPct val="100000"/>
+              </a:lnSpc>
+              <a:spcBef>
+                <a:spcPct val="0"/>
+              </a:spcBef>
+              <a:spcAft>
+                <a:spcPct val="0"/>
+              </a:spcAft>
+              <a:buClrTx/>
+              <a:buSzTx/>
+              <a:buFontTx/>
+              <a:buNone/>
+              <a:tabLst>
+                <a:tab pos="274638" algn="l"/>
+              </a:tabLst>
+            </a:pPr>
+            <a:r>
+              <a:rPr kumimoji="0" lang="en-US" altLang="en-US" sz="3000" b="1" i="0" u="none" strike="noStrike" cap="none" normalizeH="0" baseline="0" dirty="0" smtClean="0">
+                <a:ln>
+                  <a:noFill/>
+                </a:ln>
+                <a:solidFill>
+                  <a:schemeClr val="tx1"/>
+                </a:solidFill>
+                <a:effectLst/>
+                <a:ea typeface="Times New Roman" panose="02020603050405020304" pitchFamily="18" charset="0"/>
+                <a:cs typeface="Arial" panose="020B0604020202020204" pitchFamily="34" charset="0"/>
+              </a:rPr>
+              <a:t>2.	</a:t>
+            </a:r>
+            <a:r>
+              <a:rPr kumimoji="0" lang="en-US" altLang="en-US" sz="3000" b="0" i="0" u="none" strike="noStrike" cap="none" normalizeH="0" baseline="0" dirty="0" smtClean="0">
+                <a:ln>
+                  <a:noFill/>
+                </a:ln>
+                <a:solidFill>
+                  <a:schemeClr val="tx1"/>
+                </a:solidFill>
+                <a:effectLst/>
+                <a:ea typeface="Times New Roman" panose="02020603050405020304" pitchFamily="18" charset="0"/>
+              </a:rPr>
+              <a:t>About what percent of bags weigh less than 49.8 </a:t>
+            </a:r>
+            <a:r>
+              <a:rPr kumimoji="0" lang="en-US" altLang="en-US" sz="3000" b="0" i="0" u="none" strike="noStrike" cap="none" normalizeH="0" baseline="0" dirty="0" err="1" smtClean="0">
+                <a:ln>
+                  <a:noFill/>
+                </a:ln>
+                <a:solidFill>
+                  <a:schemeClr val="tx1"/>
+                </a:solidFill>
+                <a:effectLst/>
+                <a:ea typeface="Times New Roman" panose="02020603050405020304" pitchFamily="18" charset="0"/>
+              </a:rPr>
+              <a:t>lb</a:t>
+            </a:r>
+            <a:r>
+              <a:rPr kumimoji="0" lang="en-US" altLang="en-US" sz="3000" b="0" i="0" u="none" strike="noStrike" cap="none" normalizeH="0" baseline="0" dirty="0" smtClean="0">
+                <a:ln>
+                  <a:noFill/>
+                </a:ln>
+                <a:solidFill>
+                  <a:schemeClr val="tx1"/>
+                </a:solidFill>
+                <a:effectLst/>
+                <a:ea typeface="Times New Roman" panose="02020603050405020304" pitchFamily="18" charset="0"/>
+              </a:rPr>
+              <a:t>?               												</a:t>
+            </a:r>
+            <a:r>
+              <a:rPr kumimoji="0" lang="en-US" altLang="en-US" sz="3000" b="1" i="0" u="none" strike="noStrike" cap="none" normalizeH="0" baseline="0" dirty="0" smtClean="0">
+                <a:ln>
+                  <a:noFill/>
+                </a:ln>
+                <a:solidFill>
+                  <a:schemeClr val="tx1"/>
+                </a:solidFill>
+                <a:effectLst/>
+                <a:ea typeface="Times New Roman" panose="02020603050405020304" pitchFamily="18" charset="0"/>
+              </a:rPr>
+              <a:t>25%</a:t>
+            </a:r>
+            <a:br>
+              <a:rPr kumimoji="0" lang="en-US" altLang="en-US" sz="3000" b="1" i="0" u="none" strike="noStrike" cap="none" normalizeH="0" baseline="0" dirty="0" smtClean="0">
+                <a:ln>
+                  <a:noFill/>
+                </a:ln>
+                <a:solidFill>
+                  <a:schemeClr val="tx1"/>
+                </a:solidFill>
+                <a:effectLst/>
+                <a:ea typeface="Times New Roman" panose="02020603050405020304" pitchFamily="18" charset="0"/>
+              </a:rPr>
+            </a:br>
+            <a:endParaRPr kumimoji="0" lang="en-US" altLang="en-US" sz="3000" b="1" i="0" u="none" strike="noStrike" cap="none" normalizeH="0" baseline="0" dirty="0" smtClean="0">
+              <a:ln>
+                <a:noFill/>
+              </a:ln>
+              <a:solidFill>
+                <a:schemeClr val="tx1"/>
+              </a:solidFill>
+              <a:effectLst/>
+            </a:endParaRPr>
+          </a:p>
+          <a:p>
+            <a:pPr marL="0" marR="0" lvl="0" indent="0" algn="l" defTabSz="914400" rtl="0" eaLnBrk="0" fontAlgn="base" latinLnBrk="0" hangingPunct="0">
+              <a:lnSpc>
+                <a:spcPct val="100000"/>
+              </a:lnSpc>
+              <a:spcBef>
+                <a:spcPct val="0"/>
+              </a:spcBef>
+              <a:spcAft>
+                <a:spcPct val="0"/>
+              </a:spcAft>
+              <a:buClrTx/>
+              <a:buSzTx/>
+              <a:buFontTx/>
+              <a:buNone/>
+              <a:tabLst>
+                <a:tab pos="274638" algn="l"/>
+              </a:tabLst>
+            </a:pPr>
+            <a:r>
+              <a:rPr kumimoji="0" lang="en-US" altLang="en-US" sz="3000" b="1" i="0" u="none" strike="noStrike" cap="none" normalizeH="0" baseline="0" dirty="0" smtClean="0">
+                <a:ln>
+                  <a:noFill/>
+                </a:ln>
+                <a:solidFill>
+                  <a:schemeClr val="tx1"/>
+                </a:solidFill>
+                <a:effectLst/>
+                <a:ea typeface="Times New Roman" panose="02020603050405020304" pitchFamily="18" charset="0"/>
+                <a:cs typeface="Arial" panose="020B0604020202020204" pitchFamily="34" charset="0"/>
+              </a:rPr>
+              <a:t>3.	</a:t>
+            </a:r>
+            <a:r>
+              <a:rPr kumimoji="0" lang="en-US" altLang="en-US" sz="3000" b="0" i="0" u="none" strike="noStrike" cap="none" normalizeH="0" baseline="0" dirty="0" smtClean="0">
+                <a:ln>
+                  <a:noFill/>
+                </a:ln>
+                <a:solidFill>
+                  <a:schemeClr val="tx1"/>
+                </a:solidFill>
+                <a:effectLst/>
+                <a:ea typeface="Times New Roman" panose="02020603050405020304" pitchFamily="18" charset="0"/>
+              </a:rPr>
+              <a:t>In a group of 250 bags, how many would you expect to 			weigh more than</a:t>
+            </a:r>
+            <a:r>
+              <a:rPr kumimoji="0" lang="en-US" altLang="en-US" sz="3000" b="0" i="0" u="none" strike="noStrike" cap="none" normalizeH="0" dirty="0" smtClean="0">
+                <a:ln>
+                  <a:noFill/>
+                </a:ln>
+                <a:solidFill>
+                  <a:schemeClr val="tx1"/>
+                </a:solidFill>
+                <a:effectLst/>
+                <a:ea typeface="Times New Roman" panose="02020603050405020304" pitchFamily="18" charset="0"/>
+              </a:rPr>
+              <a:t> </a:t>
+            </a:r>
+            <a:r>
+              <a:rPr kumimoji="0" lang="en-US" altLang="en-US" sz="3000" b="0" i="0" u="none" strike="noStrike" cap="none" normalizeH="0" baseline="0" dirty="0" smtClean="0">
+                <a:ln>
+                  <a:noFill/>
+                </a:ln>
+                <a:solidFill>
+                  <a:schemeClr val="tx1"/>
+                </a:solidFill>
+                <a:effectLst/>
+                <a:ea typeface="Times New Roman" panose="02020603050405020304" pitchFamily="18" charset="0"/>
+              </a:rPr>
+              <a:t>50.4 </a:t>
+            </a:r>
+            <a:r>
+              <a:rPr kumimoji="0" lang="en-US" altLang="en-US" sz="3000" b="0" i="0" u="none" strike="noStrike" cap="none" normalizeH="0" baseline="0" dirty="0" err="1" smtClean="0">
+                <a:ln>
+                  <a:noFill/>
+                </a:ln>
+                <a:solidFill>
+                  <a:schemeClr val="tx1"/>
+                </a:solidFill>
+                <a:effectLst/>
+                <a:ea typeface="Times New Roman" panose="02020603050405020304" pitchFamily="18" charset="0"/>
+              </a:rPr>
+              <a:t>lb</a:t>
+            </a:r>
+            <a:r>
+              <a:rPr kumimoji="0" lang="en-US" altLang="en-US" sz="3000" b="0" i="0" u="none" strike="noStrike" cap="none" normalizeH="0" baseline="0" dirty="0" smtClean="0">
+                <a:ln>
+                  <a:noFill/>
+                </a:ln>
+                <a:solidFill>
+                  <a:schemeClr val="tx1"/>
+                </a:solidFill>
+                <a:effectLst/>
+                <a:ea typeface="Times New Roman" panose="02020603050405020304" pitchFamily="18" charset="0"/>
+              </a:rPr>
+              <a:t>?                 	</a:t>
+            </a:r>
+            <a:r>
+              <a:rPr kumimoji="0" lang="en-US" altLang="en-US" sz="3000" b="0" i="0" u="none" strike="noStrike" cap="none" normalizeH="0" dirty="0" smtClean="0">
+                <a:ln>
+                  <a:noFill/>
+                </a:ln>
+                <a:solidFill>
+                  <a:schemeClr val="tx1"/>
+                </a:solidFill>
+                <a:effectLst/>
+                <a:ea typeface="Times New Roman" panose="02020603050405020304" pitchFamily="18" charset="0"/>
+              </a:rPr>
+              <a:t>      </a:t>
+            </a:r>
+            <a:r>
+              <a:rPr kumimoji="0" lang="en-US" altLang="en-US" sz="3000" b="0" i="0" u="none" strike="noStrike" cap="none" normalizeH="0" baseline="0" dirty="0" smtClean="0">
+                <a:ln>
+                  <a:noFill/>
+                </a:ln>
+                <a:solidFill>
+                  <a:schemeClr val="tx1"/>
+                </a:solidFill>
+                <a:effectLst/>
+                <a:ea typeface="Times New Roman" panose="02020603050405020304" pitchFamily="18" charset="0"/>
+              </a:rPr>
+              <a:t>  </a:t>
+            </a:r>
+            <a:r>
+              <a:rPr kumimoji="0" lang="en-US" altLang="en-US" sz="3000" b="1" i="0" u="none" strike="noStrike" cap="none" normalizeH="0" baseline="0" dirty="0" smtClean="0">
+                <a:ln>
+                  <a:noFill/>
+                </a:ln>
+                <a:solidFill>
+                  <a:schemeClr val="tx1"/>
+                </a:solidFill>
+                <a:effectLst/>
+                <a:ea typeface="Times New Roman" panose="02020603050405020304" pitchFamily="18" charset="0"/>
+              </a:rPr>
+              <a:t>5% or 12-13 bags</a:t>
+            </a:r>
+            <a:br>
+              <a:rPr kumimoji="0" lang="en-US" altLang="en-US" sz="3000" b="1" i="0" u="none" strike="noStrike" cap="none" normalizeH="0" baseline="0" dirty="0" smtClean="0">
+                <a:ln>
+                  <a:noFill/>
+                </a:ln>
+                <a:solidFill>
+                  <a:schemeClr val="tx1"/>
+                </a:solidFill>
+                <a:effectLst/>
+                <a:ea typeface="Times New Roman" panose="02020603050405020304" pitchFamily="18" charset="0"/>
+              </a:rPr>
+            </a:br>
+            <a:endParaRPr kumimoji="0" lang="en-US" altLang="en-US" sz="3000" b="1" i="0" u="none" strike="noStrike" cap="none" normalizeH="0" baseline="0" dirty="0" smtClean="0">
+              <a:ln>
+                <a:noFill/>
+              </a:ln>
+              <a:solidFill>
+                <a:schemeClr val="tx1"/>
+              </a:solidFill>
+              <a:effectLst/>
+            </a:endParaRPr>
+          </a:p>
+          <a:p>
+            <a:pPr marL="0" marR="0" lvl="0" indent="0" algn="l" defTabSz="914400" rtl="0" eaLnBrk="0" fontAlgn="base" latinLnBrk="0" hangingPunct="0">
+              <a:lnSpc>
+                <a:spcPct val="100000"/>
+              </a:lnSpc>
+              <a:spcBef>
+                <a:spcPct val="0"/>
+              </a:spcBef>
+              <a:spcAft>
+                <a:spcPct val="0"/>
+              </a:spcAft>
+              <a:buClrTx/>
+              <a:buSzTx/>
+              <a:buFontTx/>
+              <a:buNone/>
+              <a:tabLst>
+                <a:tab pos="274638" algn="l"/>
+              </a:tabLst>
+            </a:pPr>
+            <a:r>
+              <a:rPr kumimoji="0" lang="en-US" altLang="en-US" sz="3000" b="1" i="0" u="none" strike="noStrike" cap="none" normalizeH="0" baseline="0" dirty="0" smtClean="0">
+                <a:ln>
+                  <a:noFill/>
+                </a:ln>
+                <a:solidFill>
+                  <a:schemeClr val="tx1"/>
+                </a:solidFill>
+                <a:effectLst/>
+                <a:ea typeface="Times New Roman" panose="02020603050405020304" pitchFamily="18" charset="0"/>
+                <a:cs typeface="Arial" panose="020B0604020202020204" pitchFamily="34" charset="0"/>
+              </a:rPr>
+              <a:t>4.	</a:t>
+            </a:r>
+            <a:r>
+              <a:rPr kumimoji="0" lang="en-US" altLang="en-US" sz="3000" b="0" i="0" u="none" strike="noStrike" cap="none" normalizeH="0" baseline="0" dirty="0" smtClean="0">
+                <a:ln>
+                  <a:noFill/>
+                </a:ln>
+                <a:solidFill>
+                  <a:schemeClr val="tx1"/>
+                </a:solidFill>
+                <a:effectLst/>
+                <a:ea typeface="Times New Roman" panose="02020603050405020304" pitchFamily="18" charset="0"/>
+              </a:rPr>
+              <a:t>The mean of the data is 50, and the standard deviation is 			0.2. Approximately</a:t>
+            </a:r>
+            <a:r>
+              <a:rPr kumimoji="0" lang="en-US" altLang="en-US" sz="3000" b="0" i="0" u="none" strike="noStrike" cap="none" normalizeH="0" dirty="0" smtClean="0">
+                <a:ln>
+                  <a:noFill/>
+                </a:ln>
+                <a:solidFill>
+                  <a:schemeClr val="tx1"/>
+                </a:solidFill>
+                <a:effectLst/>
+                <a:ea typeface="Times New Roman" panose="02020603050405020304" pitchFamily="18" charset="0"/>
+              </a:rPr>
+              <a:t> </a:t>
+            </a:r>
+            <a:r>
+              <a:rPr kumimoji="0" lang="en-US" altLang="en-US" sz="3000" b="0" i="0" u="none" strike="noStrike" cap="none" normalizeH="0" baseline="0" dirty="0" smtClean="0">
+                <a:ln>
+                  <a:noFill/>
+                </a:ln>
+                <a:solidFill>
+                  <a:schemeClr val="tx1"/>
+                </a:solidFill>
+                <a:effectLst/>
+                <a:ea typeface="Times New Roman" panose="02020603050405020304" pitchFamily="18" charset="0"/>
+              </a:rPr>
+              <a:t>what percent of bags are within one 			standard deviation of the mean weight?      			 </a:t>
+            </a:r>
+            <a:r>
+              <a:rPr kumimoji="0" lang="en-US" altLang="en-US" sz="3000" b="1" i="0" u="none" strike="noStrike" cap="none" normalizeH="0" baseline="0" dirty="0" smtClean="0">
+                <a:ln>
+                  <a:noFill/>
+                </a:ln>
+                <a:solidFill>
+                  <a:schemeClr val="tx1"/>
+                </a:solidFill>
+                <a:effectLst/>
+                <a:ea typeface="Times New Roman" panose="02020603050405020304" pitchFamily="18" charset="0"/>
+              </a:rPr>
+              <a:t>79% </a:t>
+            </a:r>
+            <a:endParaRPr kumimoji="0" lang="en-US" altLang="en-US" sz="3000" b="1" i="0" u="none" strike="noStrike" cap="none" normalizeH="0" baseline="0" dirty="0" smtClean="0">
+              <a:ln>
+                <a:noFill/>
+              </a:ln>
+              <a:solidFill>
+                <a:schemeClr val="tx1"/>
+              </a:solidFill>
+              <a:effectLst/>
+            </a:endParaRPr>
+          </a:p>
+        </p:txBody>
+      </p:sp>
+    </p:spTree>
+    <p:extLst>
+      <p:ext uri="{BB962C8B-B14F-4D97-AF65-F5344CB8AC3E}">
+        <p14:creationId xmlns:p14="http://schemas.microsoft.com/office/powerpoint/2010/main" val="3993212541"/>
+      </p:ext>
+    </p:extLst>
+  </p:cSld>
+  <p:clrMapOvr>
+    <a:masterClrMapping/>
+  </p:clrMapOvr>
+  <p:timing>
+    <p:tnLst>
+      <p:par>
+        <p:cTn id="1" dur="indefinite" restart="never" nodeType="tmRoot"/>
+      </p:par>
+    </p:tnLst>
+  </p:timing>
+</p:sld>
+</file>
+
+<file path=ppt/slides/slide15.xml><?xml version="1.0" encoding="utf-8"?>
+<p:sld xmlns:a="http://schemas.openxmlformats.org/drawingml/2006/main" xmlns:r="http://schemas.openxmlformats.org/officeDocument/2006/relationships" xmlns:p="http://schemas.openxmlformats.org/presentationml/2006/main">
+  <p:cSld>
+    <p:spTree>
+      <p:nvGrpSpPr>
+        <p:cNvPr id="1" name=""/>
+        <p:cNvGrpSpPr/>
+        <p:nvPr/>
+      </p:nvGrpSpPr>
+      <p:grpSpPr>
+        <a:xfrm>
+          <a:off x="0" y="0"/>
+          <a:ext cx="0" cy="0"/>
+          <a:chOff x="0" y="0"/>
+          <a:chExt cx="0" cy="0"/>
+        </a:xfrm>
+      </p:grpSpPr>
+      <p:sp>
+        <p:nvSpPr>
+          <p:cNvPr id="2" name="Title 1"/>
+          <p:cNvSpPr>
+            <a:spLocks noGrp="1"/>
+          </p:cNvSpPr>
+          <p:nvPr>
+            <p:ph type="title"/>
+          </p:nvPr>
+        </p:nvSpPr>
+        <p:spPr/>
+        <p:txBody>
+          <a:bodyPr/>
+          <a:lstStyle/>
+          <a:p>
+            <a:r>
+              <a:rPr lang="en-US" smtClean="0"/>
+              <a:t>For Next Time</a:t>
+            </a:r>
+            <a:endParaRPr lang="en-US"/>
+          </a:p>
+        </p:txBody>
+      </p:sp>
+      <p:sp>
+        <p:nvSpPr>
+          <p:cNvPr id="3" name="Content Placeholder 2"/>
+          <p:cNvSpPr>
+            <a:spLocks noGrp="1"/>
+          </p:cNvSpPr>
+          <p:nvPr>
+            <p:ph idx="1"/>
+          </p:nvPr>
+        </p:nvSpPr>
+        <p:spPr/>
+        <p:txBody>
+          <a:bodyPr>
+            <a:normAutofit/>
+          </a:bodyPr>
+          <a:lstStyle/>
+          <a:p>
+            <a:pPr marL="0" indent="0">
+              <a:buNone/>
+            </a:pPr>
+            <a:r>
+              <a:rPr lang="en-US" sz="3000" b="1" dirty="0"/>
+              <a:t>page 743 #2-5, 7-17, 23-28</a:t>
+            </a:r>
+            <a:endParaRPr lang="en-US" sz="3000" dirty="0"/>
+          </a:p>
+        </p:txBody>
+      </p:sp>
+    </p:spTree>
+    <p:extLst>
+      <p:ext uri="{BB962C8B-B14F-4D97-AF65-F5344CB8AC3E}">
+        <p14:creationId xmlns:p14="http://schemas.microsoft.com/office/powerpoint/2010/main" val="4043450423"/>
+      </p:ext>
+    </p:extLst>
+  </p:cSld>
+  <p:clrMapOvr>
+    <a:masterClrMapping/>
+  </p:clrMapOvr>
+  <p:timing>
+    <p:tnLst>
+      <p:par>
+        <p:cTn id="1" dur="indefinite" restart="never" nodeType="tmRoot"/>
+      </p:par>
+    </p:tnLst>
+  </p:timing>
+</p:sld>
+</file>
+
+<file path=ppt/slides/slide2.xml><?xml version="1.0" encoding="utf-8"?>
+<p:sld xmlns:a="http://schemas.openxmlformats.org/drawingml/2006/main" xmlns:r="http://schemas.openxmlformats.org/officeDocument/2006/relationships" xmlns:p="http://schemas.openxmlformats.org/presentationml/2006/main">
+  <p:cSld>
+    <p:spTree>
+      <p:nvGrpSpPr>
+        <p:cNvPr id="1" name=""/>
+        <p:cNvGrpSpPr/>
+        <p:nvPr/>
+      </p:nvGrpSpPr>
+      <p:grpSpPr>
+        <a:xfrm>
+          <a:off x="0" y="0"/>
+          <a:ext cx="0" cy="0"/>
+          <a:chOff x="0" y="0"/>
+          <a:chExt cx="0" cy="0"/>
+        </a:xfrm>
+      </p:grpSpPr>
+      <p:sp>
+        <p:nvSpPr>
+          <p:cNvPr id="2" name="Title 1"/>
+          <p:cNvSpPr>
+            <a:spLocks noGrp="1"/>
+          </p:cNvSpPr>
+          <p:nvPr>
+            <p:ph type="title"/>
+          </p:nvPr>
+        </p:nvSpPr>
+        <p:spPr/>
+        <p:txBody>
+          <a:bodyPr/>
+          <a:lstStyle/>
+          <a:p>
+            <a:r>
+              <a:rPr lang="en-US" dirty="0" smtClean="0"/>
+              <a:t>Bell Work</a:t>
+            </a:r>
+            <a:endParaRPr lang="en-US" dirty="0"/>
+          </a:p>
+        </p:txBody>
+      </p:sp>
+      <p:sp>
+        <p:nvSpPr>
+          <p:cNvPr id="3" name="Content Placeholder 2"/>
+          <p:cNvSpPr>
+            <a:spLocks noGrp="1"/>
+          </p:cNvSpPr>
+          <p:nvPr>
+            <p:ph idx="1"/>
+          </p:nvPr>
+        </p:nvSpPr>
+        <p:spPr/>
+        <p:txBody>
+          <a:bodyPr>
+            <a:normAutofit/>
+          </a:bodyPr>
+          <a:lstStyle/>
+          <a:p>
+            <a:pPr marL="0" indent="0">
+              <a:buNone/>
+            </a:pPr>
+            <a:r>
+              <a:rPr lang="en-US" sz="3000" dirty="0" smtClean="0"/>
+              <a:t>Find the standard deviation of: </a:t>
+            </a:r>
+          </a:p>
+          <a:p>
+            <a:endParaRPr lang="en-US" sz="3000" dirty="0"/>
+          </a:p>
+          <a:p>
+            <a:pPr marL="0" indent="0">
+              <a:buNone/>
+            </a:pPr>
+            <a:r>
+              <a:rPr lang="en-US" sz="3000" dirty="0" smtClean="0"/>
+              <a:t>94, 90, 88, 100, 99, 92, 88, 92, 97</a:t>
+            </a:r>
+            <a:endParaRPr lang="en-US" sz="3000" dirty="0"/>
+          </a:p>
+        </p:txBody>
+      </p:sp>
+    </p:spTree>
+    <p:extLst>
+      <p:ext uri="{BB962C8B-B14F-4D97-AF65-F5344CB8AC3E}">
+        <p14:creationId xmlns:p14="http://schemas.microsoft.com/office/powerpoint/2010/main" val="3456362062"/>
+      </p:ext>
+    </p:extLst>
+  </p:cSld>
+  <p:clrMapOvr>
+    <a:masterClrMapping/>
+  </p:clrMapOvr>
+  <p:timing>
+    <p:tnLst>
+      <p:par>
+        <p:cTn id="1" dur="indefinite" restart="never" nodeType="tmRoot"/>
+      </p:par>
+    </p:tnLst>
+  </p:timing>
+</p:sld>
+</file>
+
+<file path=ppt/slides/slide3.xml><?xml version="1.0" encoding="utf-8"?>
+<p:sld xmlns:a="http://schemas.openxmlformats.org/drawingml/2006/main" xmlns:r="http://schemas.openxmlformats.org/officeDocument/2006/relationships" xmlns:p="http://schemas.openxmlformats.org/presentationml/2006/main">
+  <p:cSld>
+    <p:spTree>
+      <p:nvGrpSpPr>
+        <p:cNvPr id="1" name=""/>
+        <p:cNvGrpSpPr/>
+        <p:nvPr/>
+      </p:nvGrpSpPr>
+      <p:grpSpPr>
+        <a:xfrm>
+          <a:off x="0" y="0"/>
+          <a:ext cx="0" cy="0"/>
+          <a:chOff x="0" y="0"/>
+          <a:chExt cx="0" cy="0"/>
+        </a:xfrm>
+      </p:grpSpPr>
+      <p:sp>
+        <p:nvSpPr>
+          <p:cNvPr id="2" name="Title 1"/>
+          <p:cNvSpPr>
+            <a:spLocks noGrp="1"/>
+          </p:cNvSpPr>
+          <p:nvPr>
+            <p:ph type="title"/>
+          </p:nvPr>
+        </p:nvSpPr>
+        <p:spPr/>
+        <p:txBody>
+          <a:bodyPr/>
+          <a:lstStyle/>
+          <a:p>
+            <a:r>
+              <a:rPr lang="en-US" dirty="0" smtClean="0"/>
+              <a:t>From Last Time</a:t>
+            </a:r>
+            <a:endParaRPr lang="en-US" dirty="0"/>
+          </a:p>
+        </p:txBody>
+      </p:sp>
+      <p:sp>
+        <p:nvSpPr>
+          <p:cNvPr id="3" name="Content Placeholder 2"/>
+          <p:cNvSpPr>
+            <a:spLocks noGrp="1"/>
+          </p:cNvSpPr>
+          <p:nvPr>
+            <p:ph idx="1"/>
+          </p:nvPr>
+        </p:nvSpPr>
+        <p:spPr/>
+        <p:txBody>
+          <a:bodyPr>
+            <a:normAutofit/>
+          </a:bodyPr>
+          <a:lstStyle/>
+          <a:p>
+            <a:pPr marL="0" indent="0">
+              <a:buNone/>
+            </a:pPr>
+            <a:r>
+              <a:rPr lang="en-US" sz="3400" b="1" dirty="0"/>
+              <a:t>P</a:t>
+            </a:r>
+            <a:r>
+              <a:rPr lang="en-US" sz="3400" b="1" dirty="0" smtClean="0"/>
+              <a:t>age </a:t>
+            </a:r>
+            <a:r>
+              <a:rPr lang="en-US" sz="3400" b="1" dirty="0"/>
+              <a:t>722 #1-5, 7-11 (odd), 21</a:t>
+            </a:r>
+            <a:endParaRPr lang="en-US" sz="3400" dirty="0"/>
+          </a:p>
+        </p:txBody>
+      </p:sp>
+    </p:spTree>
+    <p:extLst>
+      <p:ext uri="{BB962C8B-B14F-4D97-AF65-F5344CB8AC3E}">
+        <p14:creationId xmlns:p14="http://schemas.microsoft.com/office/powerpoint/2010/main" val="1889985916"/>
+      </p:ext>
+    </p:extLst>
+  </p:cSld>
+  <p:clrMapOvr>
+    <a:masterClrMapping/>
+  </p:clrMapOvr>
+  <p:timing>
+    <p:tnLst>
+      <p:par>
+        <p:cTn id="1" dur="indefinite" restart="never" nodeType="tmRoot"/>
+      </p:par>
+    </p:tnLst>
+  </p:timing>
+</p:sld>
+</file>
+
+<file path=ppt/slides/slide4.xml><?xml version="1.0" encoding="utf-8"?>
+<p:sld xmlns:a="http://schemas.openxmlformats.org/drawingml/2006/main" xmlns:r="http://schemas.openxmlformats.org/officeDocument/2006/relationships" xmlns:p="http://schemas.openxmlformats.org/presentationml/2006/main">
+  <p:cSld>
+    <p:spTree>
+      <p:nvGrpSpPr>
+        <p:cNvPr id="1" name=""/>
+        <p:cNvGrpSpPr/>
+        <p:nvPr/>
+      </p:nvGrpSpPr>
+      <p:grpSpPr>
+        <a:xfrm>
+          <a:off x="0" y="0"/>
+          <a:ext cx="0" cy="0"/>
+          <a:chOff x="0" y="0"/>
+          <a:chExt cx="0" cy="0"/>
+        </a:xfrm>
+      </p:grpSpPr>
+      <p:sp>
+        <p:nvSpPr>
+          <p:cNvPr id="2" name="Title 1"/>
+          <p:cNvSpPr>
+            <a:spLocks noGrp="1"/>
+          </p:cNvSpPr>
+          <p:nvPr>
+            <p:ph type="title"/>
+          </p:nvPr>
+        </p:nvSpPr>
+        <p:spPr/>
+        <p:txBody>
+          <a:bodyPr/>
+          <a:lstStyle/>
+          <a:p>
+            <a:r>
+              <a:rPr lang="en-US" b="1" u="sng" dirty="0"/>
+              <a:t>11.10 Normal Distributions</a:t>
+            </a:r>
+            <a:endParaRPr lang="en-US" dirty="0"/>
+          </a:p>
+        </p:txBody>
+      </p:sp>
+      <p:sp>
+        <p:nvSpPr>
+          <p:cNvPr id="3" name="Content Placeholder 2"/>
+          <p:cNvSpPr>
+            <a:spLocks noGrp="1"/>
+          </p:cNvSpPr>
+          <p:nvPr>
+            <p:ph idx="1"/>
+          </p:nvPr>
+        </p:nvSpPr>
+        <p:spPr>
+          <a:xfrm>
+            <a:off x="1371599" y="2286000"/>
+            <a:ext cx="10620531" cy="3581400"/>
+          </a:xfrm>
+        </p:spPr>
+        <p:txBody>
+          <a:bodyPr>
+            <a:normAutofit/>
+          </a:bodyPr>
+          <a:lstStyle/>
+          <a:p>
+            <a:pPr marL="0" indent="0">
+              <a:buNone/>
+            </a:pPr>
+            <a:r>
+              <a:rPr lang="en-US" sz="3200" dirty="0"/>
+              <a:t>Objective: To use a normal distribution</a:t>
+            </a:r>
+            <a:br>
+              <a:rPr lang="en-US" sz="3200" dirty="0"/>
+            </a:br>
+            <a:endParaRPr lang="en-US" sz="3000" dirty="0"/>
+          </a:p>
+          <a:p>
+            <a:endParaRPr lang="en-US" dirty="0"/>
+          </a:p>
+        </p:txBody>
+      </p:sp>
+    </p:spTree>
+    <p:extLst>
+      <p:ext uri="{BB962C8B-B14F-4D97-AF65-F5344CB8AC3E}">
+        <p14:creationId xmlns:p14="http://schemas.microsoft.com/office/powerpoint/2010/main" val="497181451"/>
+      </p:ext>
+    </p:extLst>
+  </p:cSld>
+  <p:clrMapOvr>
+    <a:masterClrMapping/>
+  </p:clrMapOvr>
+  <p:timing>
+    <p:tnLst>
+      <p:par>
+        <p:cTn id="1" dur="indefinite" restart="never" nodeType="tmRoot"/>
+      </p:par>
+    </p:tnLst>
+  </p:timing>
+</p:sld>
+</file>
+
+<file path=ppt/slides/slide5.xml><?xml version="1.0" encoding="utf-8"?>
+<p:sld xmlns:a="http://schemas.openxmlformats.org/drawingml/2006/main" xmlns:r="http://schemas.openxmlformats.org/officeDocument/2006/relationships" xmlns:p="http://schemas.openxmlformats.org/presentationml/2006/main">
+  <p:cSld>
+    <p:spTree>
+      <p:nvGrpSpPr>
+        <p:cNvPr id="1" name=""/>
+        <p:cNvGrpSpPr/>
+        <p:nvPr/>
+      </p:nvGrpSpPr>
+      <p:grpSpPr>
+        <a:xfrm>
+          <a:off x="0" y="0"/>
+          <a:ext cx="0" cy="0"/>
+          <a:chOff x="0" y="0"/>
+          <a:chExt cx="0" cy="0"/>
+        </a:xfrm>
+      </p:grpSpPr>
+      <p:sp>
+        <p:nvSpPr>
+          <p:cNvPr id="2" name="Title 1"/>
+          <p:cNvSpPr>
+            <a:spLocks noGrp="1"/>
+          </p:cNvSpPr>
+          <p:nvPr>
+            <p:ph type="title"/>
+          </p:nvPr>
+        </p:nvSpPr>
+        <p:spPr>
+          <a:xfrm>
+            <a:off x="1266669" y="800100"/>
+            <a:ext cx="10710472" cy="1485900"/>
+          </a:xfrm>
+        </p:spPr>
+        <p:txBody>
+          <a:bodyPr>
+            <a:normAutofit fontScale="90000"/>
+          </a:bodyPr>
+          <a:lstStyle/>
+          <a:p>
+            <a:r>
+              <a:rPr lang="en-US" b="1" dirty="0"/>
+              <a:t>Normal Distribution: </a:t>
+            </a:r>
+            <a:r>
+              <a:rPr lang="en-US" dirty="0"/>
+              <a:t>shows data that vary randomly from the mean in the pattern of a bell-shaped curve</a:t>
+            </a:r>
+          </a:p>
+        </p:txBody>
+      </p:sp>
+      <p:sp>
+        <p:nvSpPr>
+          <p:cNvPr id="6" name="Rectangle 5"/>
+          <p:cNvSpPr/>
+          <p:nvPr/>
+        </p:nvSpPr>
+        <p:spPr>
+          <a:xfrm>
+            <a:off x="1266669" y="3566942"/>
+            <a:ext cx="9233941" cy="1477328"/>
+          </a:xfrm>
+          <a:prstGeom prst="rect">
+            <a:avLst/>
+          </a:prstGeom>
+        </p:spPr>
+        <p:txBody>
+          <a:bodyPr wrap="square">
+            <a:spAutoFit/>
+          </a:bodyPr>
+          <a:lstStyle/>
+          <a:p>
+            <a:r>
+              <a:rPr lang="en-US" sz="3000" dirty="0">
+                <a:latin typeface="Times New Roman" panose="02020603050405020304" pitchFamily="18" charset="0"/>
+                <a:ea typeface="Times New Roman" panose="02020603050405020304" pitchFamily="18" charset="0"/>
+              </a:rPr>
+              <a:t>68%     </a:t>
+            </a:r>
+            <a:r>
+              <a:rPr lang="en-US" sz="3000" dirty="0" smtClean="0">
+                <a:latin typeface="Times New Roman" panose="02020603050405020304" pitchFamily="18" charset="0"/>
+                <a:ea typeface="Times New Roman" panose="02020603050405020304" pitchFamily="18" charset="0"/>
+              </a:rPr>
+              <a:t>of data is within </a:t>
+            </a:r>
+            <a:r>
+              <a:rPr lang="en-US" sz="3000" dirty="0">
+                <a:latin typeface="Times New Roman" panose="02020603050405020304" pitchFamily="18" charset="0"/>
+                <a:ea typeface="Times New Roman" panose="02020603050405020304" pitchFamily="18" charset="0"/>
+              </a:rPr>
+              <a:t>1 Standard Deviation of the Mean</a:t>
+            </a:r>
+            <a:br>
+              <a:rPr lang="en-US" sz="3000" dirty="0">
+                <a:latin typeface="Times New Roman" panose="02020603050405020304" pitchFamily="18" charset="0"/>
+                <a:ea typeface="Times New Roman" panose="02020603050405020304" pitchFamily="18" charset="0"/>
+              </a:rPr>
+            </a:br>
+            <a:r>
+              <a:rPr lang="en-US" sz="3000" dirty="0">
+                <a:latin typeface="Times New Roman" panose="02020603050405020304" pitchFamily="18" charset="0"/>
+                <a:ea typeface="Times New Roman" panose="02020603050405020304" pitchFamily="18" charset="0"/>
+              </a:rPr>
+              <a:t>95%     </a:t>
+            </a:r>
+            <a:r>
+              <a:rPr lang="en-US" sz="3000" dirty="0" smtClean="0">
+                <a:latin typeface="Times New Roman" panose="02020603050405020304" pitchFamily="18" charset="0"/>
+                <a:ea typeface="Times New Roman" panose="02020603050405020304" pitchFamily="18" charset="0"/>
+              </a:rPr>
+              <a:t>of data is within </a:t>
+            </a:r>
+            <a:r>
+              <a:rPr lang="en-US" sz="3000" dirty="0">
+                <a:latin typeface="Times New Roman" panose="02020603050405020304" pitchFamily="18" charset="0"/>
+                <a:ea typeface="Times New Roman" panose="02020603050405020304" pitchFamily="18" charset="0"/>
+              </a:rPr>
+              <a:t>2 Standard Deviation of the Mean</a:t>
+            </a:r>
+            <a:br>
+              <a:rPr lang="en-US" sz="3000" dirty="0">
+                <a:latin typeface="Times New Roman" panose="02020603050405020304" pitchFamily="18" charset="0"/>
+                <a:ea typeface="Times New Roman" panose="02020603050405020304" pitchFamily="18" charset="0"/>
+              </a:rPr>
+            </a:br>
+            <a:r>
+              <a:rPr lang="en-US" sz="3000" dirty="0">
+                <a:latin typeface="Times New Roman" panose="02020603050405020304" pitchFamily="18" charset="0"/>
+                <a:ea typeface="Times New Roman" panose="02020603050405020304" pitchFamily="18" charset="0"/>
+              </a:rPr>
+              <a:t>99.7%  </a:t>
+            </a:r>
+            <a:r>
+              <a:rPr lang="en-US" sz="3000" dirty="0" smtClean="0">
+                <a:latin typeface="Times New Roman" panose="02020603050405020304" pitchFamily="18" charset="0"/>
+                <a:ea typeface="Times New Roman" panose="02020603050405020304" pitchFamily="18" charset="0"/>
+              </a:rPr>
+              <a:t>of data is within </a:t>
+            </a:r>
+            <a:r>
+              <a:rPr lang="en-US" sz="3000" dirty="0">
+                <a:latin typeface="Times New Roman" panose="02020603050405020304" pitchFamily="18" charset="0"/>
+                <a:ea typeface="Times New Roman" panose="02020603050405020304" pitchFamily="18" charset="0"/>
+              </a:rPr>
+              <a:t>3 Standard Deviation of the Mean</a:t>
+            </a:r>
+            <a:endParaRPr lang="en-US" sz="3000" dirty="0">
+              <a:effectLst/>
+              <a:latin typeface="Times New Roman" panose="02020603050405020304" pitchFamily="18" charset="0"/>
+              <a:ea typeface="Times New Roman" panose="02020603050405020304" pitchFamily="18" charset="0"/>
+            </a:endParaRPr>
+          </a:p>
+        </p:txBody>
+      </p:sp>
+    </p:spTree>
+    <p:extLst>
+      <p:ext uri="{BB962C8B-B14F-4D97-AF65-F5344CB8AC3E}">
+        <p14:creationId xmlns:p14="http://schemas.microsoft.com/office/powerpoint/2010/main" val="1087139920"/>
+      </p:ext>
+    </p:extLst>
+  </p:cSld>
+  <p:clrMapOvr>
+    <a:masterClrMapping/>
+  </p:clrMapOvr>
+  <p:timing>
+    <p:tnLst>
+      <p:par>
+        <p:cTn id="1" dur="indefinite" restart="never" nodeType="tmRoot"/>
+      </p:par>
+    </p:tnLst>
+  </p:timing>
+</p:sld>
+</file>
+
+<file path=ppt/slides/slide6.xml><?xml version="1.0" encoding="utf-8"?>
+<p:sld xmlns:a="http://schemas.openxmlformats.org/drawingml/2006/main" xmlns:r="http://schemas.openxmlformats.org/officeDocument/2006/relationships" xmlns:p="http://schemas.openxmlformats.org/presentationml/2006/main">
+  <p:cSld>
+    <p:spTree>
+      <p:nvGrpSpPr>
+        <p:cNvPr id="1" name=""/>
+        <p:cNvGrpSpPr/>
+        <p:nvPr/>
+      </p:nvGrpSpPr>
+      <p:grpSpPr>
+        <a:xfrm>
+          <a:off x="0" y="0"/>
+          <a:ext cx="0" cy="0"/>
+          <a:chOff x="0" y="0"/>
+          <a:chExt cx="0" cy="0"/>
+        </a:xfrm>
+      </p:grpSpPr>
+      <p:pic>
+        <p:nvPicPr>
+          <p:cNvPr id="4" name="irc_mi" descr="http://www.ics.uci.edu/%7Estaceyah/120A/labs/lab3/stdnormaldist.jpg"/>
+          <p:cNvPicPr>
+            <a:picLocks noGrp="1"/>
+          </p:cNvPicPr>
+          <p:nvPr>
+            <p:ph idx="1"/>
+          </p:nvPr>
+        </p:nvPicPr>
+        <p:blipFill>
+          <a:blip r:embed="rId2" cstate="print"/>
+          <a:srcRect/>
+          <a:stretch>
+            <a:fillRect/>
+          </a:stretch>
+        </p:blipFill>
+        <p:spPr bwMode="auto">
+          <a:xfrm>
+            <a:off x="0" y="0"/>
+            <a:ext cx="14320604" cy="6858000"/>
+          </a:xfrm>
+          <a:prstGeom prst="rect">
+            <a:avLst/>
+          </a:prstGeom>
+          <a:noFill/>
+          <a:ln w="9525">
+            <a:noFill/>
+            <a:miter lim="800000"/>
+            <a:headEnd/>
+            <a:tailEnd/>
+          </a:ln>
+        </p:spPr>
+      </p:pic>
+    </p:spTree>
+    <p:extLst>
+      <p:ext uri="{BB962C8B-B14F-4D97-AF65-F5344CB8AC3E}">
+        <p14:creationId xmlns:p14="http://schemas.microsoft.com/office/powerpoint/2010/main" val="1551960132"/>
+      </p:ext>
+    </p:extLst>
+  </p:cSld>
+  <p:clrMapOvr>
+    <a:masterClrMapping/>
+  </p:clrMapOvr>
+  <p:timing>
+    <p:tnLst>
+      <p:par>
+        <p:cTn id="1" dur="indefinite" restart="never" nodeType="tmRoot"/>
+      </p:par>
+    </p:tnLst>
+  </p:timing>
+</p:sld>
+</file>
+
+<file path=ppt/slides/slide7.xml><?xml version="1.0" encoding="utf-8"?>
+<p:sld xmlns:a="http://schemas.openxmlformats.org/drawingml/2006/main" xmlns:r="http://schemas.openxmlformats.org/officeDocument/2006/relationships" xmlns:p="http://schemas.openxmlformats.org/presentationml/2006/main">
+  <p:cSld>
+    <p:spTree>
+      <p:nvGrpSpPr>
+        <p:cNvPr id="1" name=""/>
+        <p:cNvGrpSpPr/>
+        <p:nvPr/>
+      </p:nvGrpSpPr>
+      <p:grpSpPr>
+        <a:xfrm>
+          <a:off x="0" y="0"/>
+          <a:ext cx="0" cy="0"/>
+          <a:chOff x="0" y="0"/>
+          <a:chExt cx="0" cy="0"/>
+        </a:xfrm>
+      </p:grpSpPr>
+      <p:pic>
+        <p:nvPicPr>
+          <p:cNvPr id="4" name="irc_mi" descr="http://www.oswego.edu/%7Esrp/stats/images/normal_34.gif"/>
+          <p:cNvPicPr/>
+          <p:nvPr/>
+        </p:nvPicPr>
+        <p:blipFill>
+          <a:blip r:embed="rId2" cstate="print"/>
+          <a:srcRect/>
+          <a:stretch>
+            <a:fillRect/>
+          </a:stretch>
+        </p:blipFill>
+        <p:spPr bwMode="auto">
+          <a:xfrm>
+            <a:off x="419725" y="1"/>
+            <a:ext cx="11287593" cy="6858000"/>
+          </a:xfrm>
+          <a:prstGeom prst="rect">
+            <a:avLst/>
+          </a:prstGeom>
+          <a:noFill/>
+          <a:ln w="9525">
+            <a:noFill/>
+            <a:miter lim="800000"/>
+            <a:headEnd/>
+            <a:tailEnd/>
+          </a:ln>
+        </p:spPr>
+      </p:pic>
+    </p:spTree>
+    <p:extLst>
+      <p:ext uri="{BB962C8B-B14F-4D97-AF65-F5344CB8AC3E}">
+        <p14:creationId xmlns:p14="http://schemas.microsoft.com/office/powerpoint/2010/main" val="895105775"/>
+      </p:ext>
+    </p:extLst>
+  </p:cSld>
+  <p:clrMapOvr>
+    <a:masterClrMapping/>
+  </p:clrMapOvr>
+  <p:timing>
+    <p:tnLst>
+      <p:par>
+        <p:cTn id="1" dur="indefinite" restart="never" nodeType="tmRoot"/>
+      </p:par>
+    </p:tnLst>
+  </p:timing>
+</p:sld>
+</file>
+
+<file path=ppt/slides/slide8.xml><?xml version="1.0" encoding="utf-8"?>
+<p:sld xmlns:a="http://schemas.openxmlformats.org/drawingml/2006/main" xmlns:r="http://schemas.openxmlformats.org/officeDocument/2006/relationships" xmlns:p="http://schemas.openxmlformats.org/presentationml/2006/main">
+  <p:cSld>
+    <p:spTree>
+      <p:nvGrpSpPr>
+        <p:cNvPr id="1" name=""/>
+        <p:cNvGrpSpPr/>
+        <p:nvPr/>
+      </p:nvGrpSpPr>
+      <p:grpSpPr>
+        <a:xfrm>
+          <a:off x="0" y="0"/>
+          <a:ext cx="0" cy="0"/>
+          <a:chOff x="0" y="0"/>
+          <a:chExt cx="0" cy="0"/>
+        </a:xfrm>
+      </p:grpSpPr>
       <p:graphicFrame>
         <p:nvGraphicFramePr>
           <p:cNvPr id="4" name="Content Placeholder 3"/>
@@ -4080,14 +7227,14 @@
             <p:ph idx="1"/>
             <p:extLst>
               <p:ext uri="{D42A27DB-BD31-4B8C-83A1-F6EECF244321}">
-                <p14:modId xmlns:p14="http://schemas.microsoft.com/office/powerpoint/2010/main" val="3930687026"/>
+                <p14:modId xmlns:p14="http://schemas.microsoft.com/office/powerpoint/2010/main" val="4064520043"/>
               </p:ext>
             </p:extLst>
           </p:nvPr>
         </p:nvGraphicFramePr>
         <p:xfrm>
-          <a:off x="1648918" y="3215809"/>
-          <a:ext cx="5085080" cy="1011418"/>
+          <a:off x="1648918" y="2875402"/>
+          <a:ext cx="5085080" cy="1051560"/>
         </p:xfrm>
         <a:graphic>
           <a:graphicData uri="http://schemas.openxmlformats.org/drawingml/2006/table">
@@ -4530,6 +7677,53 @@
           </a:p>
         </p:txBody>
       </p:sp>
+      <p:sp>
+        <p:nvSpPr>
+          <p:cNvPr id="2" name="TextBox 1"/>
+          <p:cNvSpPr txBox="1"/>
+          <p:nvPr/>
+        </p:nvSpPr>
+        <p:spPr>
+          <a:xfrm>
+            <a:off x="7348251" y="2875402"/>
+            <a:ext cx="4186410" cy="3785652"/>
+          </a:xfrm>
+          <a:prstGeom prst="rect">
+            <a:avLst/>
+          </a:prstGeom>
+          <a:noFill/>
+        </p:spPr>
+        <p:txBody>
+          <a:bodyPr wrap="square" rtlCol="0">
+            <a:spAutoFit/>
+          </a:bodyPr>
+          <a:lstStyle/>
+          <a:p>
+            <a:r>
+              <a:rPr lang="en-US" sz="3000" dirty="0" smtClean="0"/>
+              <a:t>1.) What percent of data is between 83 and 107?</a:t>
+            </a:r>
+          </a:p>
+          <a:p>
+            <a:endParaRPr lang="en-US" sz="3000" dirty="0"/>
+          </a:p>
+          <a:p>
+            <a:r>
+              <a:rPr lang="en-US" sz="3000" dirty="0" smtClean="0"/>
+              <a:t>2.) What percent of data is between 71 and 83?</a:t>
+            </a:r>
+          </a:p>
+          <a:p>
+            <a:endParaRPr lang="en-US" sz="3000" dirty="0"/>
+          </a:p>
+          <a:p>
+            <a:r>
+              <a:rPr lang="en-US" sz="3000" dirty="0" smtClean="0"/>
+              <a:t>3.) What percent of data is greater than 119?</a:t>
+            </a:r>
+          </a:p>
+        </p:txBody>
+      </p:sp>
     </p:spTree>
     <p:extLst>
       <p:ext uri="{BB962C8B-B14F-4D97-AF65-F5344CB8AC3E}">
@@ -4540,10 +7734,17 @@
   <p:clrMapOvr>
     <a:masterClrMapping/>
   </p:clrMapOvr>
+  <p:timing>
+    <p:tnLst>
+      <p:par>
+        <p:cTn id="1" dur="indefinite" restart="never" nodeType="tmRoot"/>
+      </p:par>
+    </p:tnLst>
+  </p:timing>
 </p:sld>
 </file>
 
-<file path=ppt/slides/slide11.xml><?xml version="1.0" encoding="utf-8"?>
+<file path=ppt/slides/slide9.xml><?xml version="1.0" encoding="utf-8"?>
 <p:sld xmlns:a="http://schemas.openxmlformats.org/drawingml/2006/main" xmlns:r="http://schemas.openxmlformats.org/officeDocument/2006/relationships" xmlns:p="http://schemas.openxmlformats.org/presentationml/2006/main">
   <p:cSld>
     <p:spTree>
@@ -5014,501 +8215,6 @@
   <p:clrMapOvr>
     <a:masterClrMapping/>
   </p:clrMapOvr>
-</p:sld>
-</file>
-
-<file path=ppt/slides/slide12.xml><?xml version="1.0" encoding="utf-8"?>
-<p:sld xmlns:a="http://schemas.openxmlformats.org/drawingml/2006/main" xmlns:r="http://schemas.openxmlformats.org/officeDocument/2006/relationships" xmlns:p="http://schemas.openxmlformats.org/presentationml/2006/main">
-  <p:cSld>
-    <p:spTree>
-      <p:nvGrpSpPr>
-        <p:cNvPr id="1" name=""/>
-        <p:cNvGrpSpPr/>
-        <p:nvPr/>
-      </p:nvGrpSpPr>
-      <p:grpSpPr>
-        <a:xfrm>
-          <a:off x="0" y="0"/>
-          <a:ext cx="0" cy="0"/>
-          <a:chOff x="0" y="0"/>
-          <a:chExt cx="0" cy="0"/>
-        </a:xfrm>
-      </p:grpSpPr>
-      <p:sp>
-        <p:nvSpPr>
-          <p:cNvPr id="4" name="Rectangle 3"/>
-          <p:cNvSpPr/>
-          <p:nvPr/>
-        </p:nvSpPr>
-        <p:spPr>
-          <a:xfrm>
-            <a:off x="734518" y="585176"/>
-            <a:ext cx="11457481" cy="3785652"/>
-          </a:xfrm>
-          <a:prstGeom prst="rect">
-            <a:avLst/>
-          </a:prstGeom>
-        </p:spPr>
-        <p:txBody>
-          <a:bodyPr wrap="square">
-            <a:spAutoFit/>
-          </a:bodyPr>
-          <a:lstStyle/>
-          <a:p>
-            <a:pPr lvl="0" defTabSz="914400" eaLnBrk="0" fontAlgn="base" hangingPunct="0">
-              <a:spcBef>
-                <a:spcPct val="0"/>
-              </a:spcBef>
-              <a:spcAft>
-                <a:spcPct val="0"/>
-              </a:spcAft>
-              <a:tabLst>
-                <a:tab pos="457200" algn="l"/>
-              </a:tabLst>
-            </a:pPr>
-            <a:r>
-              <a:rPr lang="en-US" altLang="en-US" sz="3000" dirty="0" smtClean="0">
-                <a:ea typeface="Times New Roman" panose="02020603050405020304" pitchFamily="18" charset="0"/>
-              </a:rPr>
-              <a:t>The </a:t>
-            </a:r>
-            <a:r>
-              <a:rPr lang="en-US" altLang="en-US" sz="3000" dirty="0">
-                <a:ea typeface="Times New Roman" panose="02020603050405020304" pitchFamily="18" charset="0"/>
-              </a:rPr>
-              <a:t>number of miles on a car when a certain part fails is normally </a:t>
-            </a:r>
-            <a:r>
-              <a:rPr lang="en-US" altLang="en-US" sz="3000" dirty="0" smtClean="0">
-                <a:ea typeface="Times New Roman" panose="02020603050405020304" pitchFamily="18" charset="0"/>
-              </a:rPr>
-              <a:t>distributed, with </a:t>
-            </a:r>
-            <a:r>
-              <a:rPr lang="en-US" altLang="en-US" sz="3000" dirty="0">
-                <a:ea typeface="Times New Roman" panose="02020603050405020304" pitchFamily="18" charset="0"/>
-              </a:rPr>
-              <a:t>a mean of 60,000 and a standard deviation of 5000</a:t>
-            </a:r>
-            <a:r>
-              <a:rPr lang="en-US" altLang="en-US" sz="3000" dirty="0" smtClean="0">
-                <a:ea typeface="Times New Roman" panose="02020603050405020304" pitchFamily="18" charset="0"/>
-              </a:rPr>
-              <a:t>.</a:t>
-            </a:r>
-          </a:p>
-          <a:p>
-            <a:pPr lvl="0" defTabSz="914400" eaLnBrk="0" fontAlgn="base" hangingPunct="0">
-              <a:spcBef>
-                <a:spcPct val="0"/>
-              </a:spcBef>
-              <a:spcAft>
-                <a:spcPct val="0"/>
-              </a:spcAft>
-              <a:tabLst>
-                <a:tab pos="457200" algn="l"/>
-              </a:tabLst>
-            </a:pPr>
-            <a:endParaRPr lang="en-US" altLang="en-US" sz="3000" dirty="0"/>
-          </a:p>
-          <a:p>
-            <a:pPr lvl="0" defTabSz="914400" eaLnBrk="0" fontAlgn="base" hangingPunct="0">
-              <a:spcBef>
-                <a:spcPct val="0"/>
-              </a:spcBef>
-              <a:spcAft>
-                <a:spcPct val="0"/>
-              </a:spcAft>
-              <a:tabLst>
-                <a:tab pos="457200" algn="l"/>
-              </a:tabLst>
-            </a:pPr>
-            <a:r>
-              <a:rPr lang="en-US" altLang="en-US" sz="3000" b="1" dirty="0" smtClean="0">
-                <a:ea typeface="Times New Roman" panose="02020603050405020304" pitchFamily="18" charset="0"/>
-                <a:cs typeface="Arial" panose="020B0604020202020204" pitchFamily="34" charset="0"/>
-              </a:rPr>
-              <a:t>a.	</a:t>
-            </a:r>
-            <a:r>
-              <a:rPr lang="en-US" altLang="en-US" sz="3000" dirty="0" smtClean="0">
-                <a:ea typeface="Times New Roman" panose="02020603050405020304" pitchFamily="18" charset="0"/>
-              </a:rPr>
-              <a:t>Sketch </a:t>
-            </a:r>
-            <a:r>
-              <a:rPr lang="en-US" altLang="en-US" sz="3000" dirty="0">
-                <a:ea typeface="Times New Roman" panose="02020603050405020304" pitchFamily="18" charset="0"/>
-              </a:rPr>
-              <a:t>the normal curve for the distribution. Label the </a:t>
-            </a:r>
-            <a:r>
-              <a:rPr lang="en-US" altLang="en-US" sz="3000" i="1" dirty="0">
-                <a:ea typeface="Times New Roman" panose="02020603050405020304" pitchFamily="18" charset="0"/>
-              </a:rPr>
-              <a:t>x</a:t>
-            </a:r>
-            <a:r>
-              <a:rPr lang="en-US" altLang="en-US" sz="3000" dirty="0">
-                <a:ea typeface="Times New Roman" panose="02020603050405020304" pitchFamily="18" charset="0"/>
-              </a:rPr>
-              <a:t>-axis values</a:t>
-            </a:r>
-            <a:br>
-              <a:rPr lang="en-US" altLang="en-US" sz="3000" dirty="0">
-                <a:ea typeface="Times New Roman" panose="02020603050405020304" pitchFamily="18" charset="0"/>
-              </a:rPr>
-            </a:br>
-            <a:r>
-              <a:rPr lang="en-US" altLang="en-US" sz="3000" dirty="0">
-                <a:ea typeface="Times New Roman" panose="02020603050405020304" pitchFamily="18" charset="0"/>
-              </a:rPr>
-              <a:t>at one, two, and three standard deviations from the mean</a:t>
-            </a:r>
-            <a:r>
-              <a:rPr lang="en-US" altLang="en-US" sz="3000" dirty="0" smtClean="0">
-                <a:ea typeface="Times New Roman" panose="02020603050405020304" pitchFamily="18" charset="0"/>
-              </a:rPr>
-              <a:t>.</a:t>
-            </a:r>
-          </a:p>
-          <a:p>
-            <a:pPr lvl="0" defTabSz="914400" eaLnBrk="0" fontAlgn="base" hangingPunct="0">
-              <a:spcBef>
-                <a:spcPct val="0"/>
-              </a:spcBef>
-              <a:spcAft>
-                <a:spcPct val="0"/>
-              </a:spcAft>
-              <a:tabLst>
-                <a:tab pos="457200" algn="l"/>
-              </a:tabLst>
-            </a:pPr>
-            <a:endParaRPr lang="en-US" altLang="en-US" sz="3000" dirty="0"/>
-          </a:p>
-          <a:p>
-            <a:pPr lvl="0" defTabSz="914400" eaLnBrk="0" fontAlgn="base" hangingPunct="0">
-              <a:spcBef>
-                <a:spcPct val="0"/>
-              </a:spcBef>
-              <a:spcAft>
-                <a:spcPct val="0"/>
-              </a:spcAft>
-              <a:tabLst>
-                <a:tab pos="457200" algn="l"/>
-              </a:tabLst>
-            </a:pPr>
-            <a:r>
-              <a:rPr lang="en-US" altLang="en-US" sz="3000" b="1" dirty="0">
-                <a:ea typeface="Times New Roman" panose="02020603050405020304" pitchFamily="18" charset="0"/>
-                <a:cs typeface="Arial" panose="020B0604020202020204" pitchFamily="34" charset="0"/>
-              </a:rPr>
-              <a:t>b.	</a:t>
-            </a:r>
-            <a:r>
-              <a:rPr lang="en-US" altLang="en-US" sz="3000" dirty="0">
-                <a:ea typeface="Times New Roman" panose="02020603050405020304" pitchFamily="18" charset="0"/>
-              </a:rPr>
-              <a:t>What is the probability that the part will NOT fail between 55,000 </a:t>
-            </a:r>
-            <a:r>
-              <a:rPr lang="en-US" altLang="en-US" sz="3000" dirty="0" smtClean="0">
-                <a:ea typeface="Times New Roman" panose="02020603050405020304" pitchFamily="18" charset="0"/>
-              </a:rPr>
-              <a:t>and 65,000 </a:t>
-            </a:r>
-            <a:r>
-              <a:rPr lang="en-US" altLang="en-US" sz="3000" dirty="0">
-                <a:ea typeface="Times New Roman" panose="02020603050405020304" pitchFamily="18" charset="0"/>
-              </a:rPr>
-              <a:t>miles</a:t>
-            </a:r>
-            <a:r>
-              <a:rPr lang="en-US" altLang="en-US" sz="3000" dirty="0" smtClean="0">
-                <a:ea typeface="Times New Roman" panose="02020603050405020304" pitchFamily="18" charset="0"/>
-              </a:rPr>
-              <a:t>?</a:t>
-            </a:r>
-            <a:endParaRPr lang="en-US" altLang="en-US" sz="3000" dirty="0"/>
-          </a:p>
-        </p:txBody>
-      </p:sp>
-    </p:spTree>
-    <p:extLst>
-      <p:ext uri="{BB962C8B-B14F-4D97-AF65-F5344CB8AC3E}">
-        <p14:creationId xmlns:p14="http://schemas.microsoft.com/office/powerpoint/2010/main" val="2269757657"/>
-      </p:ext>
-    </p:extLst>
-  </p:cSld>
-  <p:clrMapOvr>
-    <a:masterClrMapping/>
-  </p:clrMapOvr>
-</p:sld>
-</file>
-
-<file path=ppt/slides/slide13.xml><?xml version="1.0" encoding="utf-8"?>
-<p:sld xmlns:a="http://schemas.openxmlformats.org/drawingml/2006/main" xmlns:r="http://schemas.openxmlformats.org/officeDocument/2006/relationships" xmlns:p="http://schemas.openxmlformats.org/presentationml/2006/main">
-  <p:cSld>
-    <p:spTree>
-      <p:nvGrpSpPr>
-        <p:cNvPr id="1" name=""/>
-        <p:cNvGrpSpPr/>
-        <p:nvPr/>
-      </p:nvGrpSpPr>
-      <p:grpSpPr>
-        <a:xfrm>
-          <a:off x="0" y="0"/>
-          <a:ext cx="0" cy="0"/>
-          <a:chOff x="0" y="0"/>
-          <a:chExt cx="0" cy="0"/>
-        </a:xfrm>
-      </p:grpSpPr>
-      <p:sp>
-        <p:nvSpPr>
-          <p:cNvPr id="2" name="Title 1"/>
-          <p:cNvSpPr>
-            <a:spLocks noGrp="1"/>
-          </p:cNvSpPr>
-          <p:nvPr>
-            <p:ph type="title"/>
-          </p:nvPr>
-        </p:nvSpPr>
-        <p:spPr/>
-        <p:txBody>
-          <a:bodyPr/>
-          <a:lstStyle/>
-          <a:p>
-            <a:r>
-              <a:rPr lang="en-US" smtClean="0"/>
-              <a:t>For Next Time</a:t>
-            </a:r>
-            <a:endParaRPr lang="en-US"/>
-          </a:p>
-        </p:txBody>
-      </p:sp>
-      <p:sp>
-        <p:nvSpPr>
-          <p:cNvPr id="3" name="Content Placeholder 2"/>
-          <p:cNvSpPr>
-            <a:spLocks noGrp="1"/>
-          </p:cNvSpPr>
-          <p:nvPr>
-            <p:ph idx="1"/>
-          </p:nvPr>
-        </p:nvSpPr>
-        <p:spPr/>
-        <p:txBody>
-          <a:bodyPr>
-            <a:normAutofit/>
-          </a:bodyPr>
-          <a:lstStyle/>
-          <a:p>
-            <a:pPr marL="0" indent="0">
-              <a:buNone/>
-            </a:pPr>
-            <a:r>
-              <a:rPr lang="en-US" sz="3000" b="1" dirty="0"/>
-              <a:t>page 743 #2-5, 7-17, 23-28</a:t>
-            </a:r>
-            <a:endParaRPr lang="en-US" sz="3000" dirty="0"/>
-          </a:p>
-        </p:txBody>
-      </p:sp>
-    </p:spTree>
-    <p:extLst>
-      <p:ext uri="{BB962C8B-B14F-4D97-AF65-F5344CB8AC3E}">
-        <p14:creationId xmlns:p14="http://schemas.microsoft.com/office/powerpoint/2010/main" val="4043450423"/>
-      </p:ext>
-    </p:extLst>
-  </p:cSld>
-  <p:clrMapOvr>
-    <a:masterClrMapping/>
-  </p:clrMapOvr>
-</p:sld>
-</file>
-
-<file path=ppt/slides/slide2.xml><?xml version="1.0" encoding="utf-8"?>
-<p:sld xmlns:a="http://schemas.openxmlformats.org/drawingml/2006/main" xmlns:r="http://schemas.openxmlformats.org/officeDocument/2006/relationships" xmlns:p="http://schemas.openxmlformats.org/presentationml/2006/main">
-  <p:cSld>
-    <p:spTree>
-      <p:nvGrpSpPr>
-        <p:cNvPr id="1" name=""/>
-        <p:cNvGrpSpPr/>
-        <p:nvPr/>
-      </p:nvGrpSpPr>
-      <p:grpSpPr>
-        <a:xfrm>
-          <a:off x="0" y="0"/>
-          <a:ext cx="0" cy="0"/>
-          <a:chOff x="0" y="0"/>
-          <a:chExt cx="0" cy="0"/>
-        </a:xfrm>
-      </p:grpSpPr>
-      <p:sp>
-        <p:nvSpPr>
-          <p:cNvPr id="2" name="Title 1"/>
-          <p:cNvSpPr>
-            <a:spLocks noGrp="1"/>
-          </p:cNvSpPr>
-          <p:nvPr>
-            <p:ph type="title"/>
-          </p:nvPr>
-        </p:nvSpPr>
-        <p:spPr/>
-        <p:txBody>
-          <a:bodyPr/>
-          <a:lstStyle/>
-          <a:p>
-            <a:r>
-              <a:rPr lang="en-US" dirty="0" smtClean="0"/>
-              <a:t>From Last Time</a:t>
-            </a:r>
-            <a:endParaRPr lang="en-US" dirty="0"/>
-          </a:p>
-        </p:txBody>
-      </p:sp>
-      <p:sp>
-        <p:nvSpPr>
-          <p:cNvPr id="3" name="Content Placeholder 2"/>
-          <p:cNvSpPr>
-            <a:spLocks noGrp="1"/>
-          </p:cNvSpPr>
-          <p:nvPr>
-            <p:ph idx="1"/>
-          </p:nvPr>
-        </p:nvSpPr>
-        <p:spPr/>
-        <p:txBody>
-          <a:bodyPr>
-            <a:normAutofit/>
-          </a:bodyPr>
-          <a:lstStyle/>
-          <a:p>
-            <a:pPr marL="0" indent="0">
-              <a:buNone/>
-            </a:pPr>
-            <a:r>
-              <a:rPr lang="en-US" sz="3400" b="1" dirty="0"/>
-              <a:t>P</a:t>
-            </a:r>
-            <a:r>
-              <a:rPr lang="en-US" sz="3400" b="1" dirty="0" smtClean="0"/>
-              <a:t>age </a:t>
-            </a:r>
-            <a:r>
-              <a:rPr lang="en-US" sz="3400" b="1" dirty="0"/>
-              <a:t>722 #1-5, 7-11 (odd), 21</a:t>
-            </a:r>
-            <a:endParaRPr lang="en-US" sz="3400" dirty="0"/>
-          </a:p>
-        </p:txBody>
-      </p:sp>
-    </p:spTree>
-    <p:extLst>
-      <p:ext uri="{BB962C8B-B14F-4D97-AF65-F5344CB8AC3E}">
-        <p14:creationId xmlns:p14="http://schemas.microsoft.com/office/powerpoint/2010/main" val="1889985916"/>
-      </p:ext>
-    </p:extLst>
-  </p:cSld>
-  <p:clrMapOvr>
-    <a:masterClrMapping/>
-  </p:clrMapOvr>
-</p:sld>
-</file>
-
-<file path=ppt/slides/slide3.xml><?xml version="1.0" encoding="utf-8"?>
-<p:sld xmlns:a="http://schemas.openxmlformats.org/drawingml/2006/main" xmlns:r="http://schemas.openxmlformats.org/officeDocument/2006/relationships" xmlns:p="http://schemas.openxmlformats.org/presentationml/2006/main">
-  <p:cSld>
-    <p:spTree>
-      <p:nvGrpSpPr>
-        <p:cNvPr id="1" name=""/>
-        <p:cNvGrpSpPr/>
-        <p:nvPr/>
-      </p:nvGrpSpPr>
-      <p:grpSpPr>
-        <a:xfrm>
-          <a:off x="0" y="0"/>
-          <a:ext cx="0" cy="0"/>
-          <a:chOff x="0" y="0"/>
-          <a:chExt cx="0" cy="0"/>
-        </a:xfrm>
-      </p:grpSpPr>
-      <p:sp>
-        <p:nvSpPr>
-          <p:cNvPr id="2" name="Title 1"/>
-          <p:cNvSpPr>
-            <a:spLocks noGrp="1"/>
-          </p:cNvSpPr>
-          <p:nvPr>
-            <p:ph type="title"/>
-          </p:nvPr>
-        </p:nvSpPr>
-        <p:spPr/>
-        <p:txBody>
-          <a:bodyPr/>
-          <a:lstStyle/>
-          <a:p>
-            <a:r>
-              <a:rPr lang="en-US" b="1" u="sng" dirty="0"/>
-              <a:t>11.10 Normal Distributions</a:t>
-            </a:r>
-            <a:endParaRPr lang="en-US" dirty="0"/>
-          </a:p>
-        </p:txBody>
-      </p:sp>
-      <p:sp>
-        <p:nvSpPr>
-          <p:cNvPr id="3" name="Content Placeholder 2"/>
-          <p:cNvSpPr>
-            <a:spLocks noGrp="1"/>
-          </p:cNvSpPr>
-          <p:nvPr>
-            <p:ph idx="1"/>
-          </p:nvPr>
-        </p:nvSpPr>
-        <p:spPr>
-          <a:xfrm>
-            <a:off x="1371599" y="2286000"/>
-            <a:ext cx="10620531" cy="3581400"/>
-          </a:xfrm>
-        </p:spPr>
-        <p:txBody>
-          <a:bodyPr>
-            <a:normAutofit/>
-          </a:bodyPr>
-          <a:lstStyle/>
-          <a:p>
-            <a:pPr marL="0" indent="0">
-              <a:buNone/>
-            </a:pPr>
-            <a:r>
-              <a:rPr lang="en-US" sz="3200" dirty="0"/>
-              <a:t>Objective: To use a normal distribution</a:t>
-            </a:r>
-            <a:r>
-              <a:rPr lang="en-US" sz="3200" dirty="0"/>
-              <a:t/>
-            </a:r>
-            <a:br>
-              <a:rPr lang="en-US" sz="3200" dirty="0"/>
-            </a:br>
-            <a:endParaRPr lang="en-US" sz="3000" dirty="0"/>
-          </a:p>
-          <a:p>
-            <a:endParaRPr lang="en-US" dirty="0"/>
-          </a:p>
-        </p:txBody>
-      </p:sp>
-    </p:spTree>
-    <p:extLst>
-      <p:ext uri="{BB962C8B-B14F-4D97-AF65-F5344CB8AC3E}">
-        <p14:creationId xmlns:p14="http://schemas.microsoft.com/office/powerpoint/2010/main" val="497181451"/>
-      </p:ext>
-    </p:extLst>
-  </p:cSld>
-  <p:clrMapOvr>
-    <a:masterClrMapping/>
-  </p:clrMapOvr>
   <p:timing>
     <p:tnLst>
       <p:par>
@@ -5516,1948 +8222,6 @@
       </p:par>
     </p:tnLst>
   </p:timing>
-</p:sld>
-</file>
-
-<file path=ppt/slides/slide4.xml><?xml version="1.0" encoding="utf-8"?>
-<p:sld xmlns:a="http://schemas.openxmlformats.org/drawingml/2006/main" xmlns:r="http://schemas.openxmlformats.org/officeDocument/2006/relationships" xmlns:p="http://schemas.openxmlformats.org/presentationml/2006/main">
-  <p:cSld>
-    <p:spTree>
-      <p:nvGrpSpPr>
-        <p:cNvPr id="1" name=""/>
-        <p:cNvGrpSpPr/>
-        <p:nvPr/>
-      </p:nvGrpSpPr>
-      <p:grpSpPr>
-        <a:xfrm>
-          <a:off x="0" y="0"/>
-          <a:ext cx="0" cy="0"/>
-          <a:chOff x="0" y="0"/>
-          <a:chExt cx="0" cy="0"/>
-        </a:xfrm>
-      </p:grpSpPr>
-      <p:sp>
-        <p:nvSpPr>
-          <p:cNvPr id="2" name="Title 1"/>
-          <p:cNvSpPr>
-            <a:spLocks noGrp="1"/>
-          </p:cNvSpPr>
-          <p:nvPr>
-            <p:ph type="title"/>
-          </p:nvPr>
-        </p:nvSpPr>
-        <p:spPr>
-          <a:xfrm>
-            <a:off x="1266669" y="800100"/>
-            <a:ext cx="10710472" cy="1485900"/>
-          </a:xfrm>
-        </p:spPr>
-        <p:txBody>
-          <a:bodyPr>
-            <a:normAutofit fontScale="90000"/>
-          </a:bodyPr>
-          <a:lstStyle/>
-          <a:p>
-            <a:r>
-              <a:rPr lang="en-US" b="1" dirty="0"/>
-              <a:t>Normal Distribution: </a:t>
-            </a:r>
-            <a:r>
-              <a:rPr lang="en-US" dirty="0"/>
-              <a:t>shows data that vary randomly from the mean in the pattern of a bell-shaped curve</a:t>
-            </a:r>
-          </a:p>
-        </p:txBody>
-      </p:sp>
-      <p:sp>
-        <p:nvSpPr>
-          <p:cNvPr id="6" name="Rectangle 5"/>
-          <p:cNvSpPr/>
-          <p:nvPr/>
-        </p:nvSpPr>
-        <p:spPr>
-          <a:xfrm>
-            <a:off x="1266669" y="3566942"/>
-            <a:ext cx="9233941" cy="1477328"/>
-          </a:xfrm>
-          <a:prstGeom prst="rect">
-            <a:avLst/>
-          </a:prstGeom>
-        </p:spPr>
-        <p:txBody>
-          <a:bodyPr wrap="square">
-            <a:spAutoFit/>
-          </a:bodyPr>
-          <a:lstStyle/>
-          <a:p>
-            <a:r>
-              <a:rPr lang="en-US" sz="3000" dirty="0">
-                <a:latin typeface="Times New Roman" panose="02020603050405020304" pitchFamily="18" charset="0"/>
-                <a:ea typeface="Times New Roman" panose="02020603050405020304" pitchFamily="18" charset="0"/>
-              </a:rPr>
-              <a:t>68%     </a:t>
-            </a:r>
-            <a:r>
-              <a:rPr lang="en-US" sz="3000" dirty="0" smtClean="0">
-                <a:latin typeface="Times New Roman" panose="02020603050405020304" pitchFamily="18" charset="0"/>
-                <a:ea typeface="Times New Roman" panose="02020603050405020304" pitchFamily="18" charset="0"/>
-              </a:rPr>
-              <a:t>of data is within </a:t>
-            </a:r>
-            <a:r>
-              <a:rPr lang="en-US" sz="3000" dirty="0">
-                <a:latin typeface="Times New Roman" panose="02020603050405020304" pitchFamily="18" charset="0"/>
-                <a:ea typeface="Times New Roman" panose="02020603050405020304" pitchFamily="18" charset="0"/>
-              </a:rPr>
-              <a:t>1 Standard Deviation of the Mean</a:t>
-            </a:r>
-            <a:br>
-              <a:rPr lang="en-US" sz="3000" dirty="0">
-                <a:latin typeface="Times New Roman" panose="02020603050405020304" pitchFamily="18" charset="0"/>
-                <a:ea typeface="Times New Roman" panose="02020603050405020304" pitchFamily="18" charset="0"/>
-              </a:rPr>
-            </a:br>
-            <a:r>
-              <a:rPr lang="en-US" sz="3000" dirty="0">
-                <a:latin typeface="Times New Roman" panose="02020603050405020304" pitchFamily="18" charset="0"/>
-                <a:ea typeface="Times New Roman" panose="02020603050405020304" pitchFamily="18" charset="0"/>
-              </a:rPr>
-              <a:t>95%     </a:t>
-            </a:r>
-            <a:r>
-              <a:rPr lang="en-US" sz="3000" dirty="0" smtClean="0">
-                <a:latin typeface="Times New Roman" panose="02020603050405020304" pitchFamily="18" charset="0"/>
-                <a:ea typeface="Times New Roman" panose="02020603050405020304" pitchFamily="18" charset="0"/>
-              </a:rPr>
-              <a:t>of data is within </a:t>
-            </a:r>
-            <a:r>
-              <a:rPr lang="en-US" sz="3000" dirty="0">
-                <a:latin typeface="Times New Roman" panose="02020603050405020304" pitchFamily="18" charset="0"/>
-                <a:ea typeface="Times New Roman" panose="02020603050405020304" pitchFamily="18" charset="0"/>
-              </a:rPr>
-              <a:t>2 Standard Deviation of the Mean</a:t>
-            </a:r>
-            <a:br>
-              <a:rPr lang="en-US" sz="3000" dirty="0">
-                <a:latin typeface="Times New Roman" panose="02020603050405020304" pitchFamily="18" charset="0"/>
-                <a:ea typeface="Times New Roman" panose="02020603050405020304" pitchFamily="18" charset="0"/>
-              </a:rPr>
-            </a:br>
-            <a:r>
-              <a:rPr lang="en-US" sz="3000" dirty="0">
-                <a:latin typeface="Times New Roman" panose="02020603050405020304" pitchFamily="18" charset="0"/>
-                <a:ea typeface="Times New Roman" panose="02020603050405020304" pitchFamily="18" charset="0"/>
-              </a:rPr>
-              <a:t>99.7%  </a:t>
-            </a:r>
-            <a:r>
-              <a:rPr lang="en-US" sz="3000" dirty="0" smtClean="0">
-                <a:latin typeface="Times New Roman" panose="02020603050405020304" pitchFamily="18" charset="0"/>
-                <a:ea typeface="Times New Roman" panose="02020603050405020304" pitchFamily="18" charset="0"/>
-              </a:rPr>
-              <a:t>of data is within </a:t>
-            </a:r>
-            <a:r>
-              <a:rPr lang="en-US" sz="3000" dirty="0">
-                <a:latin typeface="Times New Roman" panose="02020603050405020304" pitchFamily="18" charset="0"/>
-                <a:ea typeface="Times New Roman" panose="02020603050405020304" pitchFamily="18" charset="0"/>
-              </a:rPr>
-              <a:t>3 Standard Deviation of the Mean</a:t>
-            </a:r>
-            <a:endParaRPr lang="en-US" sz="3000" dirty="0">
-              <a:effectLst/>
-              <a:latin typeface="Times New Roman" panose="02020603050405020304" pitchFamily="18" charset="0"/>
-              <a:ea typeface="Times New Roman" panose="02020603050405020304" pitchFamily="18" charset="0"/>
-            </a:endParaRPr>
-          </a:p>
-        </p:txBody>
-      </p:sp>
-    </p:spTree>
-    <p:extLst>
-      <p:ext uri="{BB962C8B-B14F-4D97-AF65-F5344CB8AC3E}">
-        <p14:creationId xmlns:p14="http://schemas.microsoft.com/office/powerpoint/2010/main" val="1087139920"/>
-      </p:ext>
-    </p:extLst>
-  </p:cSld>
-  <p:clrMapOvr>
-    <a:masterClrMapping/>
-  </p:clrMapOvr>
-</p:sld>
-</file>
-
-<file path=ppt/slides/slide5.xml><?xml version="1.0" encoding="utf-8"?>
-<p:sld xmlns:a="http://schemas.openxmlformats.org/drawingml/2006/main" xmlns:r="http://schemas.openxmlformats.org/officeDocument/2006/relationships" xmlns:p="http://schemas.openxmlformats.org/presentationml/2006/main">
-  <p:cSld>
-    <p:spTree>
-      <p:nvGrpSpPr>
-        <p:cNvPr id="1" name=""/>
-        <p:cNvGrpSpPr/>
-        <p:nvPr/>
-      </p:nvGrpSpPr>
-      <p:grpSpPr>
-        <a:xfrm>
-          <a:off x="0" y="0"/>
-          <a:ext cx="0" cy="0"/>
-          <a:chOff x="0" y="0"/>
-          <a:chExt cx="0" cy="0"/>
-        </a:xfrm>
-      </p:grpSpPr>
-      <p:pic>
-        <p:nvPicPr>
-          <p:cNvPr id="4" name="irc_mi" descr="http://www.ics.uci.edu/%7Estaceyah/120A/labs/lab3/stdnormaldist.jpg"/>
-          <p:cNvPicPr>
-            <a:picLocks noGrp="1"/>
-          </p:cNvPicPr>
-          <p:nvPr>
-            <p:ph idx="1"/>
-          </p:nvPr>
-        </p:nvPicPr>
-        <p:blipFill>
-          <a:blip r:embed="rId2" cstate="print"/>
-          <a:srcRect/>
-          <a:stretch>
-            <a:fillRect/>
-          </a:stretch>
-        </p:blipFill>
-        <p:spPr bwMode="auto">
-          <a:xfrm>
-            <a:off x="0" y="0"/>
-            <a:ext cx="14320604" cy="6858000"/>
-          </a:xfrm>
-          <a:prstGeom prst="rect">
-            <a:avLst/>
-          </a:prstGeom>
-          <a:noFill/>
-          <a:ln w="9525">
-            <a:noFill/>
-            <a:miter lim="800000"/>
-            <a:headEnd/>
-            <a:tailEnd/>
-          </a:ln>
-        </p:spPr>
-      </p:pic>
-    </p:spTree>
-    <p:extLst>
-      <p:ext uri="{BB962C8B-B14F-4D97-AF65-F5344CB8AC3E}">
-        <p14:creationId xmlns:p14="http://schemas.microsoft.com/office/powerpoint/2010/main" val="1551960132"/>
-      </p:ext>
-    </p:extLst>
-  </p:cSld>
-  <p:clrMapOvr>
-    <a:masterClrMapping/>
-  </p:clrMapOvr>
-</p:sld>
-</file>
-
-<file path=ppt/slides/slide6.xml><?xml version="1.0" encoding="utf-8"?>
-<p:sld xmlns:a="http://schemas.openxmlformats.org/drawingml/2006/main" xmlns:r="http://schemas.openxmlformats.org/officeDocument/2006/relationships" xmlns:p="http://schemas.openxmlformats.org/presentationml/2006/main">
-  <p:cSld>
-    <p:spTree>
-      <p:nvGrpSpPr>
-        <p:cNvPr id="1" name=""/>
-        <p:cNvGrpSpPr/>
-        <p:nvPr/>
-      </p:nvGrpSpPr>
-      <p:grpSpPr>
-        <a:xfrm>
-          <a:off x="0" y="0"/>
-          <a:ext cx="0" cy="0"/>
-          <a:chOff x="0" y="0"/>
-          <a:chExt cx="0" cy="0"/>
-        </a:xfrm>
-      </p:grpSpPr>
-      <p:pic>
-        <p:nvPicPr>
-          <p:cNvPr id="4" name="irc_mi" descr="http://www.oswego.edu/%7Esrp/stats/images/normal_34.gif"/>
-          <p:cNvPicPr/>
-          <p:nvPr/>
-        </p:nvPicPr>
-        <p:blipFill>
-          <a:blip r:embed="rId2" cstate="print"/>
-          <a:srcRect/>
-          <a:stretch>
-            <a:fillRect/>
-          </a:stretch>
-        </p:blipFill>
-        <p:spPr bwMode="auto">
-          <a:xfrm>
-            <a:off x="419725" y="1"/>
-            <a:ext cx="11287593" cy="6858000"/>
-          </a:xfrm>
-          <a:prstGeom prst="rect">
-            <a:avLst/>
-          </a:prstGeom>
-          <a:noFill/>
-          <a:ln w="9525">
-            <a:noFill/>
-            <a:miter lim="800000"/>
-            <a:headEnd/>
-            <a:tailEnd/>
-          </a:ln>
-        </p:spPr>
-      </p:pic>
-    </p:spTree>
-    <p:extLst>
-      <p:ext uri="{BB962C8B-B14F-4D97-AF65-F5344CB8AC3E}">
-        <p14:creationId xmlns:p14="http://schemas.microsoft.com/office/powerpoint/2010/main" val="895105775"/>
-      </p:ext>
-    </p:extLst>
-  </p:cSld>
-  <p:clrMapOvr>
-    <a:masterClrMapping/>
-  </p:clrMapOvr>
-</p:sld>
-</file>
-
-<file path=ppt/slides/slide7.xml><?xml version="1.0" encoding="utf-8"?>
-<p:sld xmlns:a="http://schemas.openxmlformats.org/drawingml/2006/main" xmlns:r="http://schemas.openxmlformats.org/officeDocument/2006/relationships" xmlns:p="http://schemas.openxmlformats.org/presentationml/2006/main">
-  <p:cSld>
-    <p:spTree>
-      <p:nvGrpSpPr>
-        <p:cNvPr id="1" name=""/>
-        <p:cNvGrpSpPr/>
-        <p:nvPr/>
-      </p:nvGrpSpPr>
-      <p:grpSpPr>
-        <a:xfrm>
-          <a:off x="0" y="0"/>
-          <a:ext cx="0" cy="0"/>
-          <a:chOff x="0" y="0"/>
-          <a:chExt cx="0" cy="0"/>
-        </a:xfrm>
-      </p:grpSpPr>
-      <p:sp>
-        <p:nvSpPr>
-          <p:cNvPr id="2" name="Title 1"/>
-          <p:cNvSpPr>
-            <a:spLocks noGrp="1"/>
-          </p:cNvSpPr>
-          <p:nvPr>
-            <p:ph type="title"/>
-          </p:nvPr>
-        </p:nvSpPr>
-        <p:spPr>
-          <a:xfrm>
-            <a:off x="1086788" y="1240436"/>
-            <a:ext cx="2825646" cy="4380875"/>
-          </a:xfrm>
-        </p:spPr>
-        <p:txBody>
-          <a:bodyPr>
-            <a:noAutofit/>
-          </a:bodyPr>
-          <a:lstStyle/>
-          <a:p>
-            <a:r>
-              <a:rPr lang="en-US" sz="3000" b="1" dirty="0"/>
-              <a:t>The actual weights of bags of pet food are</a:t>
-            </a:r>
-            <a:br>
-              <a:rPr lang="en-US" sz="3000" b="1" dirty="0"/>
-            </a:br>
-            <a:r>
-              <a:rPr lang="en-US" sz="3000" b="1" dirty="0"/>
-              <a:t>normally distributed about the mean. Use</a:t>
-            </a:r>
-            <a:br>
-              <a:rPr lang="en-US" sz="3000" b="1" dirty="0"/>
-            </a:br>
-            <a:r>
-              <a:rPr lang="en-US" sz="3000" b="1" dirty="0"/>
-              <a:t>the graph at the right for Exercises 1–4.</a:t>
-            </a:r>
-            <a:r>
-              <a:rPr lang="en-US" sz="3000" dirty="0"/>
-              <a:t/>
-            </a:r>
-            <a:br>
-              <a:rPr lang="en-US" sz="3000" dirty="0"/>
-            </a:br>
-            <a:endParaRPr lang="en-US" sz="3000" dirty="0"/>
-          </a:p>
-        </p:txBody>
-      </p:sp>
-      <p:pic>
-        <p:nvPicPr>
-          <p:cNvPr id="4" name="Content Placeholder 3" descr="imgg02"/>
-          <p:cNvPicPr>
-            <a:picLocks noGrp="1"/>
-          </p:cNvPicPr>
-          <p:nvPr>
-            <p:ph idx="1"/>
-          </p:nvPr>
-        </p:nvPicPr>
-        <p:blipFill>
-          <a:blip r:embed="rId2" cstate="print"/>
-          <a:srcRect/>
-          <a:stretch>
-            <a:fillRect/>
-          </a:stretch>
-        </p:blipFill>
-        <p:spPr bwMode="auto">
-          <a:xfrm>
-            <a:off x="4501889" y="1240436"/>
-            <a:ext cx="7210426" cy="4661941"/>
-          </a:xfrm>
-          <a:prstGeom prst="rect">
-            <a:avLst/>
-          </a:prstGeom>
-          <a:noFill/>
-          <a:ln w="9525">
-            <a:noFill/>
-            <a:miter lim="800000"/>
-            <a:headEnd/>
-            <a:tailEnd/>
-          </a:ln>
-        </p:spPr>
-      </p:pic>
-    </p:spTree>
-    <p:extLst>
-      <p:ext uri="{BB962C8B-B14F-4D97-AF65-F5344CB8AC3E}">
-        <p14:creationId xmlns:p14="http://schemas.microsoft.com/office/powerpoint/2010/main" val="2493411114"/>
-      </p:ext>
-    </p:extLst>
-  </p:cSld>
-  <p:clrMapOvr>
-    <a:masterClrMapping/>
-  </p:clrMapOvr>
-</p:sld>
-</file>
-
-<file path=ppt/slides/slide8.xml><?xml version="1.0" encoding="utf-8"?>
-<p:sld xmlns:a="http://schemas.openxmlformats.org/drawingml/2006/main" xmlns:r="http://schemas.openxmlformats.org/officeDocument/2006/relationships" xmlns:p="http://schemas.openxmlformats.org/presentationml/2006/main">
-  <p:cSld>
-    <p:spTree>
-      <p:nvGrpSpPr>
-        <p:cNvPr id="1" name=""/>
-        <p:cNvGrpSpPr/>
-        <p:nvPr/>
-      </p:nvGrpSpPr>
-      <p:grpSpPr>
-        <a:xfrm>
-          <a:off x="0" y="0"/>
-          <a:ext cx="0" cy="0"/>
-          <a:chOff x="0" y="0"/>
-          <a:chExt cx="0" cy="0"/>
-        </a:xfrm>
-      </p:grpSpPr>
-      <p:sp>
-        <p:nvSpPr>
-          <p:cNvPr id="6" name="Rectangle 5"/>
-          <p:cNvSpPr>
-            <a:spLocks noChangeArrowheads="1"/>
-          </p:cNvSpPr>
-          <p:nvPr/>
-        </p:nvSpPr>
-        <p:spPr bwMode="auto">
-          <a:xfrm>
-            <a:off x="0" y="0"/>
-            <a:ext cx="12192000" cy="457200"/>
-          </a:xfrm>
-          <a:prstGeom prst="rect">
-            <a:avLst/>
-          </a:prstGeom>
-          <a:noFill/>
-          <a:ln>
-            <a:noFill/>
-          </a:ln>
-          <a:effectLst/>
-          <a:extLst>
-            <a:ext uri="{909E8E84-426E-40DD-AFC4-6F175D3DCCD1}">
-              <a14:hiddenFill xmlns:a14="http://schemas.microsoft.com/office/drawing/2010/main">
-                <a:solidFill>
-                  <a:schemeClr val="accent1"/>
-                </a:solidFill>
-              </a14:hiddenFill>
-            </a:ext>
-            <a:ext uri="{91240B29-F687-4F45-9708-019B960494DF}">
-              <a14:hiddenLine xmlns:a14="http://schemas.microsoft.com/office/drawing/2010/main" w="9525">
-                <a:solidFill>
-                  <a:schemeClr val="tx1"/>
-                </a:solidFill>
-                <a:miter lim="800000"/>
-                <a:headEnd/>
-                <a:tailEnd/>
-              </a14:hiddenLine>
-            </a:ext>
-            <a:ext uri="{AF507438-7753-43E0-B8FC-AC1667EBCBE1}">
-              <a14:hiddenEffects xmlns:a14="http://schemas.microsoft.com/office/drawing/2010/main">
-                <a:effectLst>
-                  <a:outerShdw dist="35921" dir="2700000" algn="ctr" rotWithShape="0">
-                    <a:schemeClr val="bg2"/>
-                  </a:outerShdw>
-                </a:effectLst>
-              </a14:hiddenEffects>
-            </a:ext>
-          </a:extLst>
-        </p:spPr>
-        <p:txBody>
-          <a:bodyPr vert="horz" wrap="none" lIns="91440" tIns="45720" rIns="91440" bIns="45720" numCol="1" anchor="ctr" anchorCtr="0" compatLnSpc="1">
-            <a:prstTxWarp prst="textNoShape">
-              <a:avLst/>
-            </a:prstTxWarp>
-            <a:spAutoFit/>
-          </a:bodyPr>
-          <a:lstStyle/>
-          <a:p>
-            <a:endParaRPr lang="en-US"/>
-          </a:p>
-        </p:txBody>
-      </p:sp>
-      <p:sp>
-        <p:nvSpPr>
-          <p:cNvPr id="7" name="Rectangle 6"/>
-          <p:cNvSpPr>
-            <a:spLocks noChangeArrowheads="1"/>
-          </p:cNvSpPr>
-          <p:nvPr/>
-        </p:nvSpPr>
-        <p:spPr bwMode="auto">
-          <a:xfrm>
-            <a:off x="964184" y="1040317"/>
-            <a:ext cx="11227815" cy="5170646"/>
-          </a:xfrm>
-          <a:prstGeom prst="rect">
-            <a:avLst/>
-          </a:prstGeom>
-          <a:noFill/>
-          <a:ln>
-            <a:noFill/>
-          </a:ln>
-          <a:effectLst/>
-          <a:extLst>
-            <a:ext uri="{909E8E84-426E-40DD-AFC4-6F175D3DCCD1}">
-              <a14:hiddenFill xmlns:a14="http://schemas.microsoft.com/office/drawing/2010/main">
-                <a:solidFill>
-                  <a:schemeClr val="accent1"/>
-                </a:solidFill>
-              </a14:hiddenFill>
-            </a:ext>
-            <a:ext uri="{91240B29-F687-4F45-9708-019B960494DF}">
-              <a14:hiddenLine xmlns:a14="http://schemas.microsoft.com/office/drawing/2010/main" w="9525">
-                <a:solidFill>
-                  <a:schemeClr val="tx1"/>
-                </a:solidFill>
-                <a:miter lim="800000"/>
-                <a:headEnd/>
-                <a:tailEnd/>
-              </a14:hiddenLine>
-            </a:ext>
-            <a:ext uri="{AF507438-7753-43E0-B8FC-AC1667EBCBE1}">
-              <a14:hiddenEffects xmlns:a14="http://schemas.microsoft.com/office/drawing/2010/main">
-                <a:effectLst>
-                  <a:outerShdw dist="35921" dir="2700000" algn="ctr" rotWithShape="0">
-                    <a:schemeClr val="bg2"/>
-                  </a:outerShdw>
-                </a:effectLst>
-              </a14:hiddenEffects>
-            </a:ext>
-          </a:extLst>
-        </p:spPr>
-        <p:txBody>
-          <a:bodyPr vert="horz" wrap="square" lIns="91440" tIns="45720" rIns="91440" bIns="45720" numCol="1" anchor="ctr" anchorCtr="0" compatLnSpc="1">
-            <a:prstTxWarp prst="textNoShape">
-              <a:avLst/>
-            </a:prstTxWarp>
-            <a:spAutoFit/>
-          </a:bodyPr>
-          <a:lstStyle>
-            <a:lvl1pPr eaLnBrk="0" fontAlgn="base" hangingPunct="0">
-              <a:spcBef>
-                <a:spcPct val="0"/>
-              </a:spcBef>
-              <a:spcAft>
-                <a:spcPct val="0"/>
-              </a:spcAft>
-              <a:tabLst>
-                <a:tab pos="274638" algn="l"/>
-              </a:tabLst>
-              <a:defRPr>
-                <a:solidFill>
-                  <a:schemeClr val="tx1"/>
-                </a:solidFill>
-                <a:latin typeface="Arial" panose="020B0604020202020204" pitchFamily="34" charset="0"/>
-              </a:defRPr>
-            </a:lvl1pPr>
-            <a:lvl2pPr eaLnBrk="0" fontAlgn="base" hangingPunct="0">
-              <a:spcBef>
-                <a:spcPct val="0"/>
-              </a:spcBef>
-              <a:spcAft>
-                <a:spcPct val="0"/>
-              </a:spcAft>
-              <a:tabLst>
-                <a:tab pos="274638" algn="l"/>
-              </a:tabLst>
-              <a:defRPr>
-                <a:solidFill>
-                  <a:schemeClr val="tx1"/>
-                </a:solidFill>
-                <a:latin typeface="Arial" panose="020B0604020202020204" pitchFamily="34" charset="0"/>
-              </a:defRPr>
-            </a:lvl2pPr>
-            <a:lvl3pPr eaLnBrk="0" fontAlgn="base" hangingPunct="0">
-              <a:spcBef>
-                <a:spcPct val="0"/>
-              </a:spcBef>
-              <a:spcAft>
-                <a:spcPct val="0"/>
-              </a:spcAft>
-              <a:tabLst>
-                <a:tab pos="274638" algn="l"/>
-              </a:tabLst>
-              <a:defRPr>
-                <a:solidFill>
-                  <a:schemeClr val="tx1"/>
-                </a:solidFill>
-                <a:latin typeface="Arial" panose="020B0604020202020204" pitchFamily="34" charset="0"/>
-              </a:defRPr>
-            </a:lvl3pPr>
-            <a:lvl4pPr eaLnBrk="0" fontAlgn="base" hangingPunct="0">
-              <a:spcBef>
-                <a:spcPct val="0"/>
-              </a:spcBef>
-              <a:spcAft>
-                <a:spcPct val="0"/>
-              </a:spcAft>
-              <a:tabLst>
-                <a:tab pos="274638" algn="l"/>
-              </a:tabLst>
-              <a:defRPr>
-                <a:solidFill>
-                  <a:schemeClr val="tx1"/>
-                </a:solidFill>
-                <a:latin typeface="Arial" panose="020B0604020202020204" pitchFamily="34" charset="0"/>
-              </a:defRPr>
-            </a:lvl4pPr>
-            <a:lvl5pPr eaLnBrk="0" fontAlgn="base" hangingPunct="0">
-              <a:spcBef>
-                <a:spcPct val="0"/>
-              </a:spcBef>
-              <a:spcAft>
-                <a:spcPct val="0"/>
-              </a:spcAft>
-              <a:tabLst>
-                <a:tab pos="274638" algn="l"/>
-              </a:tabLst>
-              <a:defRPr>
-                <a:solidFill>
-                  <a:schemeClr val="tx1"/>
-                </a:solidFill>
-                <a:latin typeface="Arial" panose="020B0604020202020204" pitchFamily="34" charset="0"/>
-              </a:defRPr>
-            </a:lvl5pPr>
-            <a:lvl6pPr eaLnBrk="0" fontAlgn="base" hangingPunct="0">
-              <a:spcBef>
-                <a:spcPct val="0"/>
-              </a:spcBef>
-              <a:spcAft>
-                <a:spcPct val="0"/>
-              </a:spcAft>
-              <a:tabLst>
-                <a:tab pos="274638" algn="l"/>
-              </a:tabLst>
-              <a:defRPr>
-                <a:solidFill>
-                  <a:schemeClr val="tx1"/>
-                </a:solidFill>
-                <a:latin typeface="Arial" panose="020B0604020202020204" pitchFamily="34" charset="0"/>
-              </a:defRPr>
-            </a:lvl6pPr>
-            <a:lvl7pPr eaLnBrk="0" fontAlgn="base" hangingPunct="0">
-              <a:spcBef>
-                <a:spcPct val="0"/>
-              </a:spcBef>
-              <a:spcAft>
-                <a:spcPct val="0"/>
-              </a:spcAft>
-              <a:tabLst>
-                <a:tab pos="274638" algn="l"/>
-              </a:tabLst>
-              <a:defRPr>
-                <a:solidFill>
-                  <a:schemeClr val="tx1"/>
-                </a:solidFill>
-                <a:latin typeface="Arial" panose="020B0604020202020204" pitchFamily="34" charset="0"/>
-              </a:defRPr>
-            </a:lvl7pPr>
-            <a:lvl8pPr eaLnBrk="0" fontAlgn="base" hangingPunct="0">
-              <a:spcBef>
-                <a:spcPct val="0"/>
-              </a:spcBef>
-              <a:spcAft>
-                <a:spcPct val="0"/>
-              </a:spcAft>
-              <a:tabLst>
-                <a:tab pos="274638" algn="l"/>
-              </a:tabLst>
-              <a:defRPr>
-                <a:solidFill>
-                  <a:schemeClr val="tx1"/>
-                </a:solidFill>
-                <a:latin typeface="Arial" panose="020B0604020202020204" pitchFamily="34" charset="0"/>
-              </a:defRPr>
-            </a:lvl8pPr>
-            <a:lvl9pPr eaLnBrk="0" fontAlgn="base" hangingPunct="0">
-              <a:spcBef>
-                <a:spcPct val="0"/>
-              </a:spcBef>
-              <a:spcAft>
-                <a:spcPct val="0"/>
-              </a:spcAft>
-              <a:tabLst>
-                <a:tab pos="274638" algn="l"/>
-              </a:tabLst>
-              <a:defRPr>
-                <a:solidFill>
-                  <a:schemeClr val="tx1"/>
-                </a:solidFill>
-                <a:latin typeface="Arial" panose="020B0604020202020204" pitchFamily="34" charset="0"/>
-              </a:defRPr>
-            </a:lvl9pPr>
-          </a:lstStyle>
-          <a:p>
-            <a:pPr marL="514350" marR="0" lvl="0" indent="-514350" algn="l" defTabSz="914400" rtl="0" eaLnBrk="0" fontAlgn="base" latinLnBrk="0" hangingPunct="0">
-              <a:lnSpc>
-                <a:spcPct val="100000"/>
-              </a:lnSpc>
-              <a:spcBef>
-                <a:spcPct val="0"/>
-              </a:spcBef>
-              <a:spcAft>
-                <a:spcPct val="0"/>
-              </a:spcAft>
-              <a:buClrTx/>
-              <a:buSzTx/>
-              <a:buFontTx/>
-              <a:buAutoNum type="arabicPeriod"/>
-              <a:tabLst>
-                <a:tab pos="274638" algn="l"/>
-              </a:tabLst>
-            </a:pPr>
-            <a:r>
-              <a:rPr kumimoji="0" lang="en-US" altLang="en-US" sz="3000" i="0" u="none" strike="noStrike" cap="none" normalizeH="0" baseline="0" dirty="0" smtClean="0">
-                <a:ln>
-                  <a:noFill/>
-                </a:ln>
-                <a:solidFill>
-                  <a:schemeClr val="tx1"/>
-                </a:solidFill>
-                <a:effectLst/>
-                <a:ea typeface="Times New Roman" panose="02020603050405020304" pitchFamily="18" charset="0"/>
-              </a:rPr>
-              <a:t>About what percent of bags of pet food weigh</a:t>
-            </a:r>
-            <a:br>
-              <a:rPr kumimoji="0" lang="en-US" altLang="en-US" sz="3000" i="0" u="none" strike="noStrike" cap="none" normalizeH="0" baseline="0" dirty="0" smtClean="0">
-                <a:ln>
-                  <a:noFill/>
-                </a:ln>
-                <a:solidFill>
-                  <a:schemeClr val="tx1"/>
-                </a:solidFill>
-                <a:effectLst/>
-                <a:ea typeface="Times New Roman" panose="02020603050405020304" pitchFamily="18" charset="0"/>
-              </a:rPr>
-            </a:br>
-            <a:r>
-              <a:rPr kumimoji="0" lang="en-US" altLang="en-US" sz="3000" i="0" u="none" strike="noStrike" cap="none" normalizeH="0" baseline="0" dirty="0" smtClean="0">
-                <a:ln>
-                  <a:noFill/>
-                </a:ln>
-                <a:solidFill>
-                  <a:schemeClr val="tx1"/>
-                </a:solidFill>
-                <a:effectLst/>
-                <a:ea typeface="Times New Roman" panose="02020603050405020304" pitchFamily="18" charset="0"/>
-              </a:rPr>
-              <a:t>		49.9 </a:t>
-            </a:r>
-            <a:r>
-              <a:rPr kumimoji="0" lang="en-US" altLang="en-US" sz="3000" i="0" u="none" strike="noStrike" cap="none" normalizeH="0" baseline="0" dirty="0" err="1" smtClean="0">
-                <a:ln>
-                  <a:noFill/>
-                </a:ln>
-                <a:solidFill>
-                  <a:schemeClr val="tx1"/>
-                </a:solidFill>
-                <a:effectLst/>
-                <a:ea typeface="Times New Roman" panose="02020603050405020304" pitchFamily="18" charset="0"/>
-              </a:rPr>
-              <a:t>lb</a:t>
-            </a:r>
-            <a:r>
-              <a:rPr kumimoji="0" lang="en-US" altLang="en-US" sz="3000" i="0" u="none" strike="noStrike" cap="none" normalizeH="0" baseline="0" dirty="0" smtClean="0">
-                <a:ln>
-                  <a:noFill/>
-                </a:ln>
-                <a:solidFill>
-                  <a:schemeClr val="tx1"/>
-                </a:solidFill>
-                <a:effectLst/>
-                <a:ea typeface="Times New Roman" panose="02020603050405020304" pitchFamily="18" charset="0"/>
-              </a:rPr>
-              <a:t>–50.1 </a:t>
-            </a:r>
-            <a:r>
-              <a:rPr kumimoji="0" lang="en-US" altLang="en-US" sz="3000" i="0" u="none" strike="noStrike" cap="none" normalizeH="0" baseline="0" dirty="0" err="1" smtClean="0">
-                <a:ln>
-                  <a:noFill/>
-                </a:ln>
-                <a:solidFill>
-                  <a:schemeClr val="tx1"/>
-                </a:solidFill>
-                <a:effectLst/>
-                <a:ea typeface="Times New Roman" panose="02020603050405020304" pitchFamily="18" charset="0"/>
-              </a:rPr>
-              <a:t>lb</a:t>
-            </a:r>
-            <a:r>
-              <a:rPr kumimoji="0" lang="en-US" altLang="en-US" sz="3000" i="0" u="none" strike="noStrike" cap="none" normalizeH="0" baseline="0" dirty="0" smtClean="0">
-                <a:ln>
-                  <a:noFill/>
-                </a:ln>
-                <a:solidFill>
-                  <a:schemeClr val="tx1"/>
-                </a:solidFill>
-                <a:effectLst/>
-                <a:ea typeface="Times New Roman" panose="02020603050405020304" pitchFamily="18" charset="0"/>
-              </a:rPr>
-              <a:t>?  </a:t>
-            </a:r>
-          </a:p>
-          <a:p>
-            <a:pPr marR="0" lvl="0" algn="l" defTabSz="914400" rtl="0" eaLnBrk="0" fontAlgn="base" latinLnBrk="0" hangingPunct="0">
-              <a:lnSpc>
-                <a:spcPct val="100000"/>
-              </a:lnSpc>
-              <a:spcBef>
-                <a:spcPct val="0"/>
-              </a:spcBef>
-              <a:spcAft>
-                <a:spcPct val="0"/>
-              </a:spcAft>
-              <a:buClrTx/>
-              <a:buSzTx/>
-              <a:tabLst>
-                <a:tab pos="274638" algn="l"/>
-              </a:tabLst>
-            </a:pPr>
-            <a:r>
-              <a:rPr kumimoji="0" lang="en-US" altLang="en-US" sz="3000" i="0" u="none" strike="noStrike" cap="none" normalizeH="0" baseline="0" dirty="0" smtClean="0">
-                <a:ln>
-                  <a:noFill/>
-                </a:ln>
-                <a:solidFill>
-                  <a:schemeClr val="tx1"/>
-                </a:solidFill>
-                <a:effectLst/>
-                <a:ea typeface="Times New Roman" panose="02020603050405020304" pitchFamily="18" charset="0"/>
-              </a:rPr>
-              <a:t>  					</a:t>
-            </a:r>
-          </a:p>
-          <a:p>
-            <a:pPr marL="0" marR="0" lvl="0" indent="0" algn="l" defTabSz="914400" rtl="0" eaLnBrk="0" fontAlgn="base" latinLnBrk="0" hangingPunct="0">
-              <a:lnSpc>
-                <a:spcPct val="100000"/>
-              </a:lnSpc>
-              <a:spcBef>
-                <a:spcPct val="0"/>
-              </a:spcBef>
-              <a:spcAft>
-                <a:spcPct val="0"/>
-              </a:spcAft>
-              <a:buClrTx/>
-              <a:buSzTx/>
-              <a:buFontTx/>
-              <a:buNone/>
-              <a:tabLst>
-                <a:tab pos="274638" algn="l"/>
-              </a:tabLst>
-            </a:pPr>
-            <a:r>
-              <a:rPr kumimoji="0" lang="en-US" altLang="en-US" sz="3000" i="0" u="none" strike="noStrike" cap="none" normalizeH="0" baseline="0" dirty="0" smtClean="0">
-                <a:ln>
-                  <a:noFill/>
-                </a:ln>
-                <a:solidFill>
-                  <a:schemeClr val="tx1"/>
-                </a:solidFill>
-                <a:effectLst/>
-                <a:ea typeface="Times New Roman" panose="02020603050405020304" pitchFamily="18" charset="0"/>
-                <a:cs typeface="Arial" panose="020B0604020202020204" pitchFamily="34" charset="0"/>
-              </a:rPr>
-              <a:t>2.</a:t>
-            </a:r>
-            <a:r>
-              <a:rPr kumimoji="0" lang="en-US" altLang="en-US" sz="3000" i="0" u="none" strike="noStrike" cap="none" normalizeH="0" dirty="0" smtClean="0">
-                <a:ln>
-                  <a:noFill/>
-                </a:ln>
-                <a:solidFill>
-                  <a:schemeClr val="tx1"/>
-                </a:solidFill>
-                <a:effectLst/>
-                <a:ea typeface="Times New Roman" panose="02020603050405020304" pitchFamily="18" charset="0"/>
-                <a:cs typeface="Arial" panose="020B0604020202020204" pitchFamily="34" charset="0"/>
-              </a:rPr>
-              <a:t>   </a:t>
-            </a:r>
-            <a:r>
-              <a:rPr kumimoji="0" lang="en-US" altLang="en-US" sz="3000" i="0" u="none" strike="noStrike" cap="none" normalizeH="0" baseline="0" dirty="0" smtClean="0">
-                <a:ln>
-                  <a:noFill/>
-                </a:ln>
-                <a:solidFill>
-                  <a:schemeClr val="tx1"/>
-                </a:solidFill>
-                <a:effectLst/>
-                <a:ea typeface="Times New Roman" panose="02020603050405020304" pitchFamily="18" charset="0"/>
-              </a:rPr>
-              <a:t>About what percent of bags weigh less than 49.8 </a:t>
-            </a:r>
-            <a:r>
-              <a:rPr kumimoji="0" lang="en-US" altLang="en-US" sz="3000" i="0" u="none" strike="noStrike" cap="none" normalizeH="0" baseline="0" dirty="0" err="1" smtClean="0">
-                <a:ln>
-                  <a:noFill/>
-                </a:ln>
-                <a:solidFill>
-                  <a:schemeClr val="tx1"/>
-                </a:solidFill>
-                <a:effectLst/>
-                <a:ea typeface="Times New Roman" panose="02020603050405020304" pitchFamily="18" charset="0"/>
-              </a:rPr>
-              <a:t>lb</a:t>
-            </a:r>
-            <a:r>
-              <a:rPr kumimoji="0" lang="en-US" altLang="en-US" sz="3000" i="0" u="none" strike="noStrike" cap="none" normalizeH="0" baseline="0" dirty="0" smtClean="0">
-                <a:ln>
-                  <a:noFill/>
-                </a:ln>
-                <a:solidFill>
-                  <a:schemeClr val="tx1"/>
-                </a:solidFill>
-                <a:effectLst/>
-                <a:ea typeface="Times New Roman" panose="02020603050405020304" pitchFamily="18" charset="0"/>
-              </a:rPr>
-              <a:t>?               			</a:t>
-            </a:r>
-            <a:r>
-              <a:rPr kumimoji="0" lang="en-US" altLang="en-US" sz="3000" i="0" u="none" strike="noStrike" cap="none" normalizeH="0" dirty="0" smtClean="0">
-                <a:ln>
-                  <a:noFill/>
-                </a:ln>
-                <a:solidFill>
-                  <a:schemeClr val="tx1"/>
-                </a:solidFill>
-                <a:effectLst/>
-                <a:ea typeface="Times New Roman" panose="02020603050405020304" pitchFamily="18" charset="0"/>
-              </a:rPr>
-              <a:t>        		</a:t>
-            </a:r>
-          </a:p>
-          <a:p>
-            <a:pPr marL="514350" marR="0" lvl="0" indent="-514350" algn="l" defTabSz="914400" rtl="0" eaLnBrk="0" fontAlgn="base" latinLnBrk="0" hangingPunct="0">
-              <a:lnSpc>
-                <a:spcPct val="100000"/>
-              </a:lnSpc>
-              <a:spcBef>
-                <a:spcPct val="0"/>
-              </a:spcBef>
-              <a:spcAft>
-                <a:spcPct val="0"/>
-              </a:spcAft>
-              <a:buClrTx/>
-              <a:buSzTx/>
-              <a:buFontTx/>
-              <a:buAutoNum type="arabicPeriod" startAt="3"/>
-              <a:tabLst>
-                <a:tab pos="274638" algn="l"/>
-              </a:tabLst>
-            </a:pPr>
-            <a:r>
-              <a:rPr kumimoji="0" lang="en-US" altLang="en-US" sz="3000" i="0" u="none" strike="noStrike" cap="none" normalizeH="0" baseline="0" dirty="0" smtClean="0">
-                <a:ln>
-                  <a:noFill/>
-                </a:ln>
-                <a:solidFill>
-                  <a:schemeClr val="tx1"/>
-                </a:solidFill>
-                <a:effectLst/>
-                <a:ea typeface="Times New Roman" panose="02020603050405020304" pitchFamily="18" charset="0"/>
-              </a:rPr>
-              <a:t>In a group of 250 bags, how many would you expect to 	weigh more than</a:t>
-            </a:r>
-            <a:r>
-              <a:rPr kumimoji="0" lang="en-US" altLang="en-US" sz="3000" i="0" u="none" strike="noStrike" cap="none" normalizeH="0" dirty="0" smtClean="0">
-                <a:ln>
-                  <a:noFill/>
-                </a:ln>
-                <a:solidFill>
-                  <a:schemeClr val="tx1"/>
-                </a:solidFill>
-                <a:effectLst/>
-                <a:ea typeface="Times New Roman" panose="02020603050405020304" pitchFamily="18" charset="0"/>
-              </a:rPr>
-              <a:t> </a:t>
-            </a:r>
-            <a:r>
-              <a:rPr kumimoji="0" lang="en-US" altLang="en-US" sz="3000" i="0" u="none" strike="noStrike" cap="none" normalizeH="0" baseline="0" dirty="0" smtClean="0">
-                <a:ln>
-                  <a:noFill/>
-                </a:ln>
-                <a:solidFill>
-                  <a:schemeClr val="tx1"/>
-                </a:solidFill>
-                <a:effectLst/>
-                <a:ea typeface="Times New Roman" panose="02020603050405020304" pitchFamily="18" charset="0"/>
-              </a:rPr>
-              <a:t>50.4 </a:t>
-            </a:r>
-            <a:r>
-              <a:rPr kumimoji="0" lang="en-US" altLang="en-US" sz="3000" i="0" u="none" strike="noStrike" cap="none" normalizeH="0" baseline="0" dirty="0" err="1" smtClean="0">
-                <a:ln>
-                  <a:noFill/>
-                </a:ln>
-                <a:solidFill>
-                  <a:schemeClr val="tx1"/>
-                </a:solidFill>
-                <a:effectLst/>
-                <a:ea typeface="Times New Roman" panose="02020603050405020304" pitchFamily="18" charset="0"/>
-              </a:rPr>
-              <a:t>lb</a:t>
-            </a:r>
-            <a:r>
-              <a:rPr kumimoji="0" lang="en-US" altLang="en-US" sz="3000" i="0" u="none" strike="noStrike" cap="none" normalizeH="0" baseline="0" dirty="0" smtClean="0">
-                <a:ln>
-                  <a:noFill/>
-                </a:ln>
-                <a:solidFill>
-                  <a:schemeClr val="tx1"/>
-                </a:solidFill>
-                <a:effectLst/>
-                <a:ea typeface="Times New Roman" panose="02020603050405020304" pitchFamily="18" charset="0"/>
-              </a:rPr>
-              <a:t>?    </a:t>
-            </a:r>
-          </a:p>
-          <a:p>
-            <a:pPr marR="0" lvl="0" algn="l" defTabSz="914400" rtl="0" eaLnBrk="0" fontAlgn="base" latinLnBrk="0" hangingPunct="0">
-              <a:lnSpc>
-                <a:spcPct val="100000"/>
-              </a:lnSpc>
-              <a:spcBef>
-                <a:spcPct val="0"/>
-              </a:spcBef>
-              <a:spcAft>
-                <a:spcPct val="0"/>
-              </a:spcAft>
-              <a:buClrTx/>
-              <a:buSzTx/>
-              <a:tabLst>
-                <a:tab pos="274638" algn="l"/>
-              </a:tabLst>
-            </a:pPr>
-            <a:r>
-              <a:rPr kumimoji="0" lang="en-US" altLang="en-US" sz="3000" i="0" u="none" strike="noStrike" cap="none" normalizeH="0" baseline="0" dirty="0" smtClean="0">
-                <a:ln>
-                  <a:noFill/>
-                </a:ln>
-                <a:solidFill>
-                  <a:schemeClr val="tx1"/>
-                </a:solidFill>
-                <a:effectLst/>
-                <a:ea typeface="Times New Roman" panose="02020603050405020304" pitchFamily="18" charset="0"/>
-              </a:rPr>
-              <a:t>              </a:t>
-            </a:r>
-            <a:endParaRPr kumimoji="0" lang="en-US" altLang="en-US" sz="3000" i="0" u="none" strike="noStrike" cap="none" normalizeH="0" baseline="0" dirty="0" smtClean="0">
-              <a:ln>
-                <a:noFill/>
-              </a:ln>
-              <a:solidFill>
-                <a:schemeClr val="tx1"/>
-              </a:solidFill>
-              <a:effectLst/>
-            </a:endParaRPr>
-          </a:p>
-          <a:p>
-            <a:pPr marL="0" marR="0" lvl="0" indent="0" algn="l" defTabSz="914400" rtl="0" eaLnBrk="0" fontAlgn="base" latinLnBrk="0" hangingPunct="0">
-              <a:lnSpc>
-                <a:spcPct val="100000"/>
-              </a:lnSpc>
-              <a:spcBef>
-                <a:spcPct val="0"/>
-              </a:spcBef>
-              <a:spcAft>
-                <a:spcPct val="0"/>
-              </a:spcAft>
-              <a:buClrTx/>
-              <a:buSzTx/>
-              <a:buFontTx/>
-              <a:buNone/>
-              <a:tabLst>
-                <a:tab pos="274638" algn="l"/>
-              </a:tabLst>
-            </a:pPr>
-            <a:r>
-              <a:rPr kumimoji="0" lang="en-US" altLang="en-US" sz="3000" i="0" u="none" strike="noStrike" cap="none" normalizeH="0" baseline="0" dirty="0" smtClean="0">
-                <a:ln>
-                  <a:noFill/>
-                </a:ln>
-                <a:solidFill>
-                  <a:schemeClr val="tx1"/>
-                </a:solidFill>
-                <a:effectLst/>
-                <a:ea typeface="Times New Roman" panose="02020603050405020304" pitchFamily="18" charset="0"/>
-                <a:cs typeface="Arial" panose="020B0604020202020204" pitchFamily="34" charset="0"/>
-              </a:rPr>
-              <a:t>4.</a:t>
-            </a:r>
-            <a:r>
-              <a:rPr kumimoji="0" lang="en-US" altLang="en-US" sz="3000" i="0" u="none" strike="noStrike" cap="none" normalizeH="0" dirty="0" smtClean="0">
-                <a:ln>
-                  <a:noFill/>
-                </a:ln>
-                <a:solidFill>
-                  <a:schemeClr val="tx1"/>
-                </a:solidFill>
-                <a:effectLst/>
-                <a:ea typeface="Times New Roman" panose="02020603050405020304" pitchFamily="18" charset="0"/>
-                <a:cs typeface="Arial" panose="020B0604020202020204" pitchFamily="34" charset="0"/>
-              </a:rPr>
-              <a:t>   </a:t>
-            </a:r>
-            <a:r>
-              <a:rPr kumimoji="0" lang="en-US" altLang="en-US" sz="3000" b="0" i="0" u="none" strike="noStrike" cap="none" normalizeH="0" baseline="0" dirty="0" smtClean="0">
-                <a:ln>
-                  <a:noFill/>
-                </a:ln>
-                <a:solidFill>
-                  <a:schemeClr val="tx1"/>
-                </a:solidFill>
-                <a:effectLst/>
-                <a:ea typeface="Times New Roman" panose="02020603050405020304" pitchFamily="18" charset="0"/>
-              </a:rPr>
-              <a:t>The mean of the data is 50, and the standard deviation is 			0.2. Approximately</a:t>
-            </a:r>
-            <a:r>
-              <a:rPr kumimoji="0" lang="en-US" altLang="en-US" sz="3000" b="0" i="0" u="none" strike="noStrike" cap="none" normalizeH="0" dirty="0" smtClean="0">
-                <a:ln>
-                  <a:noFill/>
-                </a:ln>
-                <a:solidFill>
-                  <a:schemeClr val="tx1"/>
-                </a:solidFill>
-                <a:effectLst/>
-                <a:ea typeface="Times New Roman" panose="02020603050405020304" pitchFamily="18" charset="0"/>
-              </a:rPr>
-              <a:t> </a:t>
-            </a:r>
-            <a:r>
-              <a:rPr kumimoji="0" lang="en-US" altLang="en-US" sz="3000" b="0" i="0" u="none" strike="noStrike" cap="none" normalizeH="0" baseline="0" dirty="0" smtClean="0">
-                <a:ln>
-                  <a:noFill/>
-                </a:ln>
-                <a:solidFill>
-                  <a:schemeClr val="tx1"/>
-                </a:solidFill>
-                <a:effectLst/>
-                <a:ea typeface="Times New Roman" panose="02020603050405020304" pitchFamily="18" charset="0"/>
-              </a:rPr>
-              <a:t>what percent of bags are within one 			standard deviation of the mean weight?       </a:t>
-            </a:r>
-            <a:endParaRPr kumimoji="0" lang="en-US" altLang="en-US" sz="3000" b="0" i="0" u="none" strike="noStrike" cap="none" normalizeH="0" baseline="0" dirty="0" smtClean="0">
-              <a:ln>
-                <a:noFill/>
-              </a:ln>
-              <a:solidFill>
-                <a:schemeClr val="tx1"/>
-              </a:solidFill>
-              <a:effectLst/>
-            </a:endParaRPr>
-          </a:p>
-        </p:txBody>
-      </p:sp>
-    </p:spTree>
-    <p:extLst>
-      <p:ext uri="{BB962C8B-B14F-4D97-AF65-F5344CB8AC3E}">
-        <p14:creationId xmlns:p14="http://schemas.microsoft.com/office/powerpoint/2010/main" val="1935371162"/>
-      </p:ext>
-    </p:extLst>
-  </p:cSld>
-  <p:clrMapOvr>
-    <a:masterClrMapping/>
-  </p:clrMapOvr>
-</p:sld>
-</file>
-
-<file path=ppt/slides/slide9.xml><?xml version="1.0" encoding="utf-8"?>
-<p:sld xmlns:a="http://schemas.openxmlformats.org/drawingml/2006/main" xmlns:r="http://schemas.openxmlformats.org/officeDocument/2006/relationships" xmlns:p="http://schemas.openxmlformats.org/presentationml/2006/main">
-  <p:cSld>
-    <p:spTree>
-      <p:nvGrpSpPr>
-        <p:cNvPr id="1" name=""/>
-        <p:cNvGrpSpPr/>
-        <p:nvPr/>
-      </p:nvGrpSpPr>
-      <p:grpSpPr>
-        <a:xfrm>
-          <a:off x="0" y="0"/>
-          <a:ext cx="0" cy="0"/>
-          <a:chOff x="0" y="0"/>
-          <a:chExt cx="0" cy="0"/>
-        </a:xfrm>
-      </p:grpSpPr>
-      <p:sp>
-        <p:nvSpPr>
-          <p:cNvPr id="6" name="Rectangle 5"/>
-          <p:cNvSpPr>
-            <a:spLocks noChangeArrowheads="1"/>
-          </p:cNvSpPr>
-          <p:nvPr/>
-        </p:nvSpPr>
-        <p:spPr bwMode="auto">
-          <a:xfrm>
-            <a:off x="964184" y="947983"/>
-            <a:ext cx="1534779" cy="553998"/>
-          </a:xfrm>
-          <a:prstGeom prst="rect">
-            <a:avLst/>
-          </a:prstGeom>
-          <a:noFill/>
-          <a:ln>
-            <a:noFill/>
-          </a:ln>
-          <a:effectLst/>
-          <a:extLst>
-            <a:ext uri="{909E8E84-426E-40DD-AFC4-6F175D3DCCD1}">
-              <a14:hiddenFill xmlns:a14="http://schemas.microsoft.com/office/drawing/2010/main">
-                <a:solidFill>
-                  <a:schemeClr val="accent1"/>
-                </a:solidFill>
-              </a14:hiddenFill>
-            </a:ext>
-            <a:ext uri="{91240B29-F687-4F45-9708-019B960494DF}">
-              <a14:hiddenLine xmlns:a14="http://schemas.microsoft.com/office/drawing/2010/main" w="9525">
-                <a:solidFill>
-                  <a:schemeClr val="tx1"/>
-                </a:solidFill>
-                <a:miter lim="800000"/>
-                <a:headEnd/>
-                <a:tailEnd/>
-              </a14:hiddenLine>
-            </a:ext>
-            <a:ext uri="{AF507438-7753-43E0-B8FC-AC1667EBCBE1}">
-              <a14:hiddenEffects xmlns:a14="http://schemas.microsoft.com/office/drawing/2010/main">
-                <a:effectLst>
-                  <a:outerShdw dist="35921" dir="2700000" algn="ctr" rotWithShape="0">
-                    <a:schemeClr val="bg2"/>
-                  </a:outerShdw>
-                </a:effectLst>
-              </a14:hiddenEffects>
-            </a:ext>
-          </a:extLst>
-        </p:spPr>
-        <p:txBody>
-          <a:bodyPr vert="horz" wrap="none" lIns="91440" tIns="45720" rIns="91440" bIns="45720" numCol="1" anchor="ctr" anchorCtr="0" compatLnSpc="1">
-            <a:prstTxWarp prst="textNoShape">
-              <a:avLst/>
-            </a:prstTxWarp>
-            <a:spAutoFit/>
-          </a:bodyPr>
-          <a:lstStyle/>
-          <a:p>
-            <a:r>
-              <a:rPr lang="en-US" sz="3000" dirty="0" smtClean="0"/>
-              <a:t>Answers</a:t>
-            </a:r>
-            <a:endParaRPr lang="en-US" sz="3000" dirty="0"/>
-          </a:p>
-        </p:txBody>
-      </p:sp>
-      <p:sp>
-        <p:nvSpPr>
-          <p:cNvPr id="7" name="Rectangle 6"/>
-          <p:cNvSpPr>
-            <a:spLocks noChangeArrowheads="1"/>
-          </p:cNvSpPr>
-          <p:nvPr/>
-        </p:nvSpPr>
-        <p:spPr bwMode="auto">
-          <a:xfrm>
-            <a:off x="964184" y="1501981"/>
-            <a:ext cx="11227815" cy="4247317"/>
-          </a:xfrm>
-          <a:prstGeom prst="rect">
-            <a:avLst/>
-          </a:prstGeom>
-          <a:noFill/>
-          <a:ln>
-            <a:noFill/>
-          </a:ln>
-          <a:effectLst/>
-          <a:extLst>
-            <a:ext uri="{909E8E84-426E-40DD-AFC4-6F175D3DCCD1}">
-              <a14:hiddenFill xmlns:a14="http://schemas.microsoft.com/office/drawing/2010/main">
-                <a:solidFill>
-                  <a:schemeClr val="accent1"/>
-                </a:solidFill>
-              </a14:hiddenFill>
-            </a:ext>
-            <a:ext uri="{91240B29-F687-4F45-9708-019B960494DF}">
-              <a14:hiddenLine xmlns:a14="http://schemas.microsoft.com/office/drawing/2010/main" w="9525">
-                <a:solidFill>
-                  <a:schemeClr val="tx1"/>
-                </a:solidFill>
-                <a:miter lim="800000"/>
-                <a:headEnd/>
-                <a:tailEnd/>
-              </a14:hiddenLine>
-            </a:ext>
-            <a:ext uri="{AF507438-7753-43E0-B8FC-AC1667EBCBE1}">
-              <a14:hiddenEffects xmlns:a14="http://schemas.microsoft.com/office/drawing/2010/main">
-                <a:effectLst>
-                  <a:outerShdw dist="35921" dir="2700000" algn="ctr" rotWithShape="0">
-                    <a:schemeClr val="bg2"/>
-                  </a:outerShdw>
-                </a:effectLst>
-              </a14:hiddenEffects>
-            </a:ext>
-          </a:extLst>
-        </p:spPr>
-        <p:txBody>
-          <a:bodyPr vert="horz" wrap="square" lIns="91440" tIns="45720" rIns="91440" bIns="45720" numCol="1" anchor="ctr" anchorCtr="0" compatLnSpc="1">
-            <a:prstTxWarp prst="textNoShape">
-              <a:avLst/>
-            </a:prstTxWarp>
-            <a:spAutoFit/>
-          </a:bodyPr>
-          <a:lstStyle>
-            <a:lvl1pPr eaLnBrk="0" fontAlgn="base" hangingPunct="0">
-              <a:spcBef>
-                <a:spcPct val="0"/>
-              </a:spcBef>
-              <a:spcAft>
-                <a:spcPct val="0"/>
-              </a:spcAft>
-              <a:tabLst>
-                <a:tab pos="274638" algn="l"/>
-              </a:tabLst>
-              <a:defRPr>
-                <a:solidFill>
-                  <a:schemeClr val="tx1"/>
-                </a:solidFill>
-                <a:latin typeface="Arial" panose="020B0604020202020204" pitchFamily="34" charset="0"/>
-              </a:defRPr>
-            </a:lvl1pPr>
-            <a:lvl2pPr eaLnBrk="0" fontAlgn="base" hangingPunct="0">
-              <a:spcBef>
-                <a:spcPct val="0"/>
-              </a:spcBef>
-              <a:spcAft>
-                <a:spcPct val="0"/>
-              </a:spcAft>
-              <a:tabLst>
-                <a:tab pos="274638" algn="l"/>
-              </a:tabLst>
-              <a:defRPr>
-                <a:solidFill>
-                  <a:schemeClr val="tx1"/>
-                </a:solidFill>
-                <a:latin typeface="Arial" panose="020B0604020202020204" pitchFamily="34" charset="0"/>
-              </a:defRPr>
-            </a:lvl2pPr>
-            <a:lvl3pPr eaLnBrk="0" fontAlgn="base" hangingPunct="0">
-              <a:spcBef>
-                <a:spcPct val="0"/>
-              </a:spcBef>
-              <a:spcAft>
-                <a:spcPct val="0"/>
-              </a:spcAft>
-              <a:tabLst>
-                <a:tab pos="274638" algn="l"/>
-              </a:tabLst>
-              <a:defRPr>
-                <a:solidFill>
-                  <a:schemeClr val="tx1"/>
-                </a:solidFill>
-                <a:latin typeface="Arial" panose="020B0604020202020204" pitchFamily="34" charset="0"/>
-              </a:defRPr>
-            </a:lvl3pPr>
-            <a:lvl4pPr eaLnBrk="0" fontAlgn="base" hangingPunct="0">
-              <a:spcBef>
-                <a:spcPct val="0"/>
-              </a:spcBef>
-              <a:spcAft>
-                <a:spcPct val="0"/>
-              </a:spcAft>
-              <a:tabLst>
-                <a:tab pos="274638" algn="l"/>
-              </a:tabLst>
-              <a:defRPr>
-                <a:solidFill>
-                  <a:schemeClr val="tx1"/>
-                </a:solidFill>
-                <a:latin typeface="Arial" panose="020B0604020202020204" pitchFamily="34" charset="0"/>
-              </a:defRPr>
-            </a:lvl4pPr>
-            <a:lvl5pPr eaLnBrk="0" fontAlgn="base" hangingPunct="0">
-              <a:spcBef>
-                <a:spcPct val="0"/>
-              </a:spcBef>
-              <a:spcAft>
-                <a:spcPct val="0"/>
-              </a:spcAft>
-              <a:tabLst>
-                <a:tab pos="274638" algn="l"/>
-              </a:tabLst>
-              <a:defRPr>
-                <a:solidFill>
-                  <a:schemeClr val="tx1"/>
-                </a:solidFill>
-                <a:latin typeface="Arial" panose="020B0604020202020204" pitchFamily="34" charset="0"/>
-              </a:defRPr>
-            </a:lvl5pPr>
-            <a:lvl6pPr eaLnBrk="0" fontAlgn="base" hangingPunct="0">
-              <a:spcBef>
-                <a:spcPct val="0"/>
-              </a:spcBef>
-              <a:spcAft>
-                <a:spcPct val="0"/>
-              </a:spcAft>
-              <a:tabLst>
-                <a:tab pos="274638" algn="l"/>
-              </a:tabLst>
-              <a:defRPr>
-                <a:solidFill>
-                  <a:schemeClr val="tx1"/>
-                </a:solidFill>
-                <a:latin typeface="Arial" panose="020B0604020202020204" pitchFamily="34" charset="0"/>
-              </a:defRPr>
-            </a:lvl6pPr>
-            <a:lvl7pPr eaLnBrk="0" fontAlgn="base" hangingPunct="0">
-              <a:spcBef>
-                <a:spcPct val="0"/>
-              </a:spcBef>
-              <a:spcAft>
-                <a:spcPct val="0"/>
-              </a:spcAft>
-              <a:tabLst>
-                <a:tab pos="274638" algn="l"/>
-              </a:tabLst>
-              <a:defRPr>
-                <a:solidFill>
-                  <a:schemeClr val="tx1"/>
-                </a:solidFill>
-                <a:latin typeface="Arial" panose="020B0604020202020204" pitchFamily="34" charset="0"/>
-              </a:defRPr>
-            </a:lvl7pPr>
-            <a:lvl8pPr eaLnBrk="0" fontAlgn="base" hangingPunct="0">
-              <a:spcBef>
-                <a:spcPct val="0"/>
-              </a:spcBef>
-              <a:spcAft>
-                <a:spcPct val="0"/>
-              </a:spcAft>
-              <a:tabLst>
-                <a:tab pos="274638" algn="l"/>
-              </a:tabLst>
-              <a:defRPr>
-                <a:solidFill>
-                  <a:schemeClr val="tx1"/>
-                </a:solidFill>
-                <a:latin typeface="Arial" panose="020B0604020202020204" pitchFamily="34" charset="0"/>
-              </a:defRPr>
-            </a:lvl8pPr>
-            <a:lvl9pPr eaLnBrk="0" fontAlgn="base" hangingPunct="0">
-              <a:spcBef>
-                <a:spcPct val="0"/>
-              </a:spcBef>
-              <a:spcAft>
-                <a:spcPct val="0"/>
-              </a:spcAft>
-              <a:tabLst>
-                <a:tab pos="274638" algn="l"/>
-              </a:tabLst>
-              <a:defRPr>
-                <a:solidFill>
-                  <a:schemeClr val="tx1"/>
-                </a:solidFill>
-                <a:latin typeface="Arial" panose="020B0604020202020204" pitchFamily="34" charset="0"/>
-              </a:defRPr>
-            </a:lvl9pPr>
-          </a:lstStyle>
-          <a:p>
-            <a:pPr marL="0" marR="0" lvl="0" indent="0" algn="l" defTabSz="914400" rtl="0" eaLnBrk="0" fontAlgn="base" latinLnBrk="0" hangingPunct="0">
-              <a:lnSpc>
-                <a:spcPct val="100000"/>
-              </a:lnSpc>
-              <a:spcBef>
-                <a:spcPct val="0"/>
-              </a:spcBef>
-              <a:spcAft>
-                <a:spcPct val="0"/>
-              </a:spcAft>
-              <a:buClrTx/>
-              <a:buSzTx/>
-              <a:buFontTx/>
-              <a:buNone/>
-              <a:tabLst>
-                <a:tab pos="274638" algn="l"/>
-              </a:tabLst>
-            </a:pPr>
-            <a:r>
-              <a:rPr kumimoji="0" lang="en-US" altLang="en-US" sz="3000" b="1" i="0" u="none" strike="noStrike" cap="none" normalizeH="0" baseline="0" dirty="0" smtClean="0">
-                <a:ln>
-                  <a:noFill/>
-                </a:ln>
-                <a:solidFill>
-                  <a:schemeClr val="tx1"/>
-                </a:solidFill>
-                <a:effectLst/>
-                <a:ea typeface="Times New Roman" panose="02020603050405020304" pitchFamily="18" charset="0"/>
-                <a:cs typeface="Arial" panose="020B0604020202020204" pitchFamily="34" charset="0"/>
-              </a:rPr>
-              <a:t>1.	</a:t>
-            </a:r>
-            <a:r>
-              <a:rPr kumimoji="0" lang="en-US" altLang="en-US" sz="3000" b="0" i="0" u="none" strike="noStrike" cap="none" normalizeH="0" baseline="0" dirty="0" smtClean="0">
-                <a:ln>
-                  <a:noFill/>
-                </a:ln>
-                <a:solidFill>
-                  <a:schemeClr val="tx1"/>
-                </a:solidFill>
-                <a:effectLst/>
-                <a:ea typeface="Times New Roman" panose="02020603050405020304" pitchFamily="18" charset="0"/>
-              </a:rPr>
-              <a:t>About what percent of bags of pet food weigh</a:t>
-            </a:r>
-            <a:br>
-              <a:rPr kumimoji="0" lang="en-US" altLang="en-US" sz="3000" b="0" i="0" u="none" strike="noStrike" cap="none" normalizeH="0" baseline="0" dirty="0" smtClean="0">
-                <a:ln>
-                  <a:noFill/>
-                </a:ln>
-                <a:solidFill>
-                  <a:schemeClr val="tx1"/>
-                </a:solidFill>
-                <a:effectLst/>
-                <a:ea typeface="Times New Roman" panose="02020603050405020304" pitchFamily="18" charset="0"/>
-              </a:rPr>
-            </a:br>
-            <a:r>
-              <a:rPr kumimoji="0" lang="en-US" altLang="en-US" sz="3000" b="0" i="0" u="none" strike="noStrike" cap="none" normalizeH="0" baseline="0" dirty="0" smtClean="0">
-                <a:ln>
-                  <a:noFill/>
-                </a:ln>
-                <a:solidFill>
-                  <a:schemeClr val="tx1"/>
-                </a:solidFill>
-                <a:effectLst/>
-                <a:ea typeface="Times New Roman" panose="02020603050405020304" pitchFamily="18" charset="0"/>
-              </a:rPr>
-              <a:t>		49.9 </a:t>
-            </a:r>
-            <a:r>
-              <a:rPr kumimoji="0" lang="en-US" altLang="en-US" sz="3000" b="0" i="0" u="none" strike="noStrike" cap="none" normalizeH="0" baseline="0" dirty="0" err="1" smtClean="0">
-                <a:ln>
-                  <a:noFill/>
-                </a:ln>
-                <a:solidFill>
-                  <a:schemeClr val="tx1"/>
-                </a:solidFill>
-                <a:effectLst/>
-                <a:ea typeface="Times New Roman" panose="02020603050405020304" pitchFamily="18" charset="0"/>
-              </a:rPr>
-              <a:t>lb</a:t>
-            </a:r>
-            <a:r>
-              <a:rPr kumimoji="0" lang="en-US" altLang="en-US" sz="3000" b="0" i="0" u="none" strike="noStrike" cap="none" normalizeH="0" baseline="0" dirty="0" smtClean="0">
-                <a:ln>
-                  <a:noFill/>
-                </a:ln>
-                <a:solidFill>
-                  <a:schemeClr val="tx1"/>
-                </a:solidFill>
-                <a:effectLst/>
-                <a:ea typeface="Times New Roman" panose="02020603050405020304" pitchFamily="18" charset="0"/>
-              </a:rPr>
-              <a:t>–50.1 </a:t>
-            </a:r>
-            <a:r>
-              <a:rPr kumimoji="0" lang="en-US" altLang="en-US" sz="3000" b="0" i="0" u="none" strike="noStrike" cap="none" normalizeH="0" baseline="0" dirty="0" err="1" smtClean="0">
-                <a:ln>
-                  <a:noFill/>
-                </a:ln>
-                <a:solidFill>
-                  <a:schemeClr val="tx1"/>
-                </a:solidFill>
-                <a:effectLst/>
-                <a:ea typeface="Times New Roman" panose="02020603050405020304" pitchFamily="18" charset="0"/>
-              </a:rPr>
-              <a:t>lb</a:t>
-            </a:r>
-            <a:r>
-              <a:rPr kumimoji="0" lang="en-US" altLang="en-US" sz="3000" b="0" i="0" u="none" strike="noStrike" cap="none" normalizeH="0" baseline="0" dirty="0" smtClean="0">
-                <a:ln>
-                  <a:noFill/>
-                </a:ln>
-                <a:solidFill>
-                  <a:schemeClr val="tx1"/>
-                </a:solidFill>
-                <a:effectLst/>
-                <a:ea typeface="Times New Roman" panose="02020603050405020304" pitchFamily="18" charset="0"/>
-              </a:rPr>
-              <a:t>?    					58%</a:t>
-            </a:r>
-            <a:endParaRPr kumimoji="0" lang="en-US" altLang="en-US" sz="3000" b="0" i="0" u="none" strike="noStrike" cap="none" normalizeH="0" baseline="0" dirty="0" smtClean="0">
-              <a:ln>
-                <a:noFill/>
-              </a:ln>
-              <a:solidFill>
-                <a:schemeClr val="tx1"/>
-              </a:solidFill>
-              <a:effectLst/>
-            </a:endParaRPr>
-          </a:p>
-          <a:p>
-            <a:pPr marL="0" marR="0" lvl="0" indent="0" algn="l" defTabSz="914400" rtl="0" eaLnBrk="0" fontAlgn="base" latinLnBrk="0" hangingPunct="0">
-              <a:lnSpc>
-                <a:spcPct val="100000"/>
-              </a:lnSpc>
-              <a:spcBef>
-                <a:spcPct val="0"/>
-              </a:spcBef>
-              <a:spcAft>
-                <a:spcPct val="0"/>
-              </a:spcAft>
-              <a:buClrTx/>
-              <a:buSzTx/>
-              <a:buFontTx/>
-              <a:buNone/>
-              <a:tabLst>
-                <a:tab pos="274638" algn="l"/>
-              </a:tabLst>
-            </a:pPr>
-            <a:r>
-              <a:rPr kumimoji="0" lang="en-US" altLang="en-US" sz="3000" b="1" i="0" u="none" strike="noStrike" cap="none" normalizeH="0" baseline="0" dirty="0" smtClean="0">
-                <a:ln>
-                  <a:noFill/>
-                </a:ln>
-                <a:solidFill>
-                  <a:schemeClr val="tx1"/>
-                </a:solidFill>
-                <a:effectLst/>
-                <a:ea typeface="Times New Roman" panose="02020603050405020304" pitchFamily="18" charset="0"/>
-                <a:cs typeface="Arial" panose="020B0604020202020204" pitchFamily="34" charset="0"/>
-              </a:rPr>
-              <a:t>2.	</a:t>
-            </a:r>
-            <a:r>
-              <a:rPr kumimoji="0" lang="en-US" altLang="en-US" sz="3000" b="0" i="0" u="none" strike="noStrike" cap="none" normalizeH="0" baseline="0" dirty="0" smtClean="0">
-                <a:ln>
-                  <a:noFill/>
-                </a:ln>
-                <a:solidFill>
-                  <a:schemeClr val="tx1"/>
-                </a:solidFill>
-                <a:effectLst/>
-                <a:ea typeface="Times New Roman" panose="02020603050405020304" pitchFamily="18" charset="0"/>
-              </a:rPr>
-              <a:t>About what percent of bags weigh less than</a:t>
-            </a:r>
-            <a:br>
-              <a:rPr kumimoji="0" lang="en-US" altLang="en-US" sz="3000" b="0" i="0" u="none" strike="noStrike" cap="none" normalizeH="0" baseline="0" dirty="0" smtClean="0">
-                <a:ln>
-                  <a:noFill/>
-                </a:ln>
-                <a:solidFill>
-                  <a:schemeClr val="tx1"/>
-                </a:solidFill>
-                <a:effectLst/>
-                <a:ea typeface="Times New Roman" panose="02020603050405020304" pitchFamily="18" charset="0"/>
-              </a:rPr>
-            </a:br>
-            <a:r>
-              <a:rPr kumimoji="0" lang="en-US" altLang="en-US" sz="3000" b="0" i="0" u="none" strike="noStrike" cap="none" normalizeH="0" baseline="0" dirty="0" smtClean="0">
-                <a:ln>
-                  <a:noFill/>
-                </a:ln>
-                <a:solidFill>
-                  <a:schemeClr val="tx1"/>
-                </a:solidFill>
-                <a:effectLst/>
-                <a:ea typeface="Times New Roman" panose="02020603050405020304" pitchFamily="18" charset="0"/>
-              </a:rPr>
-              <a:t>		49.8 </a:t>
-            </a:r>
-            <a:r>
-              <a:rPr kumimoji="0" lang="en-US" altLang="en-US" sz="3000" b="0" i="0" u="none" strike="noStrike" cap="none" normalizeH="0" baseline="0" dirty="0" err="1" smtClean="0">
-                <a:ln>
-                  <a:noFill/>
-                </a:ln>
-                <a:solidFill>
-                  <a:schemeClr val="tx1"/>
-                </a:solidFill>
-                <a:effectLst/>
-                <a:ea typeface="Times New Roman" panose="02020603050405020304" pitchFamily="18" charset="0"/>
-              </a:rPr>
-              <a:t>lb</a:t>
-            </a:r>
-            <a:r>
-              <a:rPr kumimoji="0" lang="en-US" altLang="en-US" sz="3000" b="0" i="0" u="none" strike="noStrike" cap="none" normalizeH="0" baseline="0" dirty="0" smtClean="0">
-                <a:ln>
-                  <a:noFill/>
-                </a:ln>
-                <a:solidFill>
-                  <a:schemeClr val="tx1"/>
-                </a:solidFill>
-                <a:effectLst/>
-                <a:ea typeface="Times New Roman" panose="02020603050405020304" pitchFamily="18" charset="0"/>
-              </a:rPr>
-              <a:t>?               			</a:t>
-            </a:r>
-            <a:r>
-              <a:rPr kumimoji="0" lang="en-US" altLang="en-US" sz="3000" b="0" i="0" u="none" strike="noStrike" cap="none" normalizeH="0" dirty="0" smtClean="0">
-                <a:ln>
-                  <a:noFill/>
-                </a:ln>
-                <a:solidFill>
-                  <a:schemeClr val="tx1"/>
-                </a:solidFill>
-                <a:effectLst/>
-                <a:ea typeface="Times New Roman" panose="02020603050405020304" pitchFamily="18" charset="0"/>
-              </a:rPr>
-              <a:t>        		</a:t>
-            </a:r>
-            <a:r>
-              <a:rPr kumimoji="0" lang="en-US" altLang="en-US" sz="3000" b="0" i="0" u="none" strike="noStrike" cap="none" normalizeH="0" baseline="0" dirty="0" smtClean="0">
-                <a:ln>
-                  <a:noFill/>
-                </a:ln>
-                <a:solidFill>
-                  <a:schemeClr val="tx1"/>
-                </a:solidFill>
-                <a:effectLst/>
-                <a:ea typeface="Times New Roman" panose="02020603050405020304" pitchFamily="18" charset="0"/>
-              </a:rPr>
-              <a:t>25%</a:t>
-            </a:r>
-            <a:endParaRPr kumimoji="0" lang="en-US" altLang="en-US" sz="3000" b="0" i="0" u="none" strike="noStrike" cap="none" normalizeH="0" baseline="0" dirty="0" smtClean="0">
-              <a:ln>
-                <a:noFill/>
-              </a:ln>
-              <a:solidFill>
-                <a:schemeClr val="tx1"/>
-              </a:solidFill>
-              <a:effectLst/>
-            </a:endParaRPr>
-          </a:p>
-          <a:p>
-            <a:pPr marL="0" marR="0" lvl="0" indent="0" algn="l" defTabSz="914400" rtl="0" eaLnBrk="0" fontAlgn="base" latinLnBrk="0" hangingPunct="0">
-              <a:lnSpc>
-                <a:spcPct val="100000"/>
-              </a:lnSpc>
-              <a:spcBef>
-                <a:spcPct val="0"/>
-              </a:spcBef>
-              <a:spcAft>
-                <a:spcPct val="0"/>
-              </a:spcAft>
-              <a:buClrTx/>
-              <a:buSzTx/>
-              <a:buFontTx/>
-              <a:buNone/>
-              <a:tabLst>
-                <a:tab pos="274638" algn="l"/>
-              </a:tabLst>
-            </a:pPr>
-            <a:r>
-              <a:rPr kumimoji="0" lang="en-US" altLang="en-US" sz="3000" b="1" i="0" u="none" strike="noStrike" cap="none" normalizeH="0" baseline="0" dirty="0" smtClean="0">
-                <a:ln>
-                  <a:noFill/>
-                </a:ln>
-                <a:solidFill>
-                  <a:schemeClr val="tx1"/>
-                </a:solidFill>
-                <a:effectLst/>
-                <a:ea typeface="Times New Roman" panose="02020603050405020304" pitchFamily="18" charset="0"/>
-                <a:cs typeface="Arial" panose="020B0604020202020204" pitchFamily="34" charset="0"/>
-              </a:rPr>
-              <a:t>3.	</a:t>
-            </a:r>
-            <a:r>
-              <a:rPr kumimoji="0" lang="en-US" altLang="en-US" sz="3000" b="0" i="0" u="none" strike="noStrike" cap="none" normalizeH="0" baseline="0" dirty="0" smtClean="0">
-                <a:ln>
-                  <a:noFill/>
-                </a:ln>
-                <a:solidFill>
-                  <a:schemeClr val="tx1"/>
-                </a:solidFill>
-                <a:effectLst/>
-                <a:ea typeface="Times New Roman" panose="02020603050405020304" pitchFamily="18" charset="0"/>
-              </a:rPr>
-              <a:t>In a group of 250 bags, how many would you expect to 			weigh more than</a:t>
-            </a:r>
-            <a:r>
-              <a:rPr kumimoji="0" lang="en-US" altLang="en-US" sz="3000" b="0" i="0" u="none" strike="noStrike" cap="none" normalizeH="0" dirty="0" smtClean="0">
-                <a:ln>
-                  <a:noFill/>
-                </a:ln>
-                <a:solidFill>
-                  <a:schemeClr val="tx1"/>
-                </a:solidFill>
-                <a:effectLst/>
-                <a:ea typeface="Times New Roman" panose="02020603050405020304" pitchFamily="18" charset="0"/>
-              </a:rPr>
-              <a:t> </a:t>
-            </a:r>
-            <a:r>
-              <a:rPr kumimoji="0" lang="en-US" altLang="en-US" sz="3000" b="0" i="0" u="none" strike="noStrike" cap="none" normalizeH="0" baseline="0" dirty="0" smtClean="0">
-                <a:ln>
-                  <a:noFill/>
-                </a:ln>
-                <a:solidFill>
-                  <a:schemeClr val="tx1"/>
-                </a:solidFill>
-                <a:effectLst/>
-                <a:ea typeface="Times New Roman" panose="02020603050405020304" pitchFamily="18" charset="0"/>
-              </a:rPr>
-              <a:t>50.4 </a:t>
-            </a:r>
-            <a:r>
-              <a:rPr kumimoji="0" lang="en-US" altLang="en-US" sz="3000" b="0" i="0" u="none" strike="noStrike" cap="none" normalizeH="0" baseline="0" dirty="0" err="1" smtClean="0">
-                <a:ln>
-                  <a:noFill/>
-                </a:ln>
-                <a:solidFill>
-                  <a:schemeClr val="tx1"/>
-                </a:solidFill>
-                <a:effectLst/>
-                <a:ea typeface="Times New Roman" panose="02020603050405020304" pitchFamily="18" charset="0"/>
-              </a:rPr>
-              <a:t>lb</a:t>
-            </a:r>
-            <a:r>
-              <a:rPr kumimoji="0" lang="en-US" altLang="en-US" sz="3000" b="0" i="0" u="none" strike="noStrike" cap="none" normalizeH="0" baseline="0" dirty="0" smtClean="0">
-                <a:ln>
-                  <a:noFill/>
-                </a:ln>
-                <a:solidFill>
-                  <a:schemeClr val="tx1"/>
-                </a:solidFill>
-                <a:effectLst/>
-                <a:ea typeface="Times New Roman" panose="02020603050405020304" pitchFamily="18" charset="0"/>
-              </a:rPr>
-              <a:t>?                   5% or 12-13 bags</a:t>
-            </a:r>
-            <a:endParaRPr kumimoji="0" lang="en-US" altLang="en-US" sz="3000" b="0" i="0" u="none" strike="noStrike" cap="none" normalizeH="0" baseline="0" dirty="0" smtClean="0">
-              <a:ln>
-                <a:noFill/>
-              </a:ln>
-              <a:solidFill>
-                <a:schemeClr val="tx1"/>
-              </a:solidFill>
-              <a:effectLst/>
-            </a:endParaRPr>
-          </a:p>
-          <a:p>
-            <a:pPr marL="0" marR="0" lvl="0" indent="0" algn="l" defTabSz="914400" rtl="0" eaLnBrk="0" fontAlgn="base" latinLnBrk="0" hangingPunct="0">
-              <a:lnSpc>
-                <a:spcPct val="100000"/>
-              </a:lnSpc>
-              <a:spcBef>
-                <a:spcPct val="0"/>
-              </a:spcBef>
-              <a:spcAft>
-                <a:spcPct val="0"/>
-              </a:spcAft>
-              <a:buClrTx/>
-              <a:buSzTx/>
-              <a:buFontTx/>
-              <a:buNone/>
-              <a:tabLst>
-                <a:tab pos="274638" algn="l"/>
-              </a:tabLst>
-            </a:pPr>
-            <a:r>
-              <a:rPr kumimoji="0" lang="en-US" altLang="en-US" sz="3000" b="1" i="0" u="none" strike="noStrike" cap="none" normalizeH="0" baseline="0" dirty="0" smtClean="0">
-                <a:ln>
-                  <a:noFill/>
-                </a:ln>
-                <a:solidFill>
-                  <a:schemeClr val="tx1"/>
-                </a:solidFill>
-                <a:effectLst/>
-                <a:ea typeface="Times New Roman" panose="02020603050405020304" pitchFamily="18" charset="0"/>
-                <a:cs typeface="Arial" panose="020B0604020202020204" pitchFamily="34" charset="0"/>
-              </a:rPr>
-              <a:t>4.	</a:t>
-            </a:r>
-            <a:r>
-              <a:rPr kumimoji="0" lang="en-US" altLang="en-US" sz="3000" b="0" i="0" u="none" strike="noStrike" cap="none" normalizeH="0" baseline="0" dirty="0" smtClean="0">
-                <a:ln>
-                  <a:noFill/>
-                </a:ln>
-                <a:solidFill>
-                  <a:schemeClr val="tx1"/>
-                </a:solidFill>
-                <a:effectLst/>
-                <a:ea typeface="Times New Roman" panose="02020603050405020304" pitchFamily="18" charset="0"/>
-              </a:rPr>
-              <a:t>The mean of the data is 50, and the standard deviation is 			0.2. Approximately</a:t>
-            </a:r>
-            <a:r>
-              <a:rPr kumimoji="0" lang="en-US" altLang="en-US" sz="3000" b="0" i="0" u="none" strike="noStrike" cap="none" normalizeH="0" dirty="0" smtClean="0">
-                <a:ln>
-                  <a:noFill/>
-                </a:ln>
-                <a:solidFill>
-                  <a:schemeClr val="tx1"/>
-                </a:solidFill>
-                <a:effectLst/>
-                <a:ea typeface="Times New Roman" panose="02020603050405020304" pitchFamily="18" charset="0"/>
-              </a:rPr>
-              <a:t> </a:t>
-            </a:r>
-            <a:r>
-              <a:rPr kumimoji="0" lang="en-US" altLang="en-US" sz="3000" b="0" i="0" u="none" strike="noStrike" cap="none" normalizeH="0" baseline="0" dirty="0" smtClean="0">
-                <a:ln>
-                  <a:noFill/>
-                </a:ln>
-                <a:solidFill>
-                  <a:schemeClr val="tx1"/>
-                </a:solidFill>
-                <a:effectLst/>
-                <a:ea typeface="Times New Roman" panose="02020603050405020304" pitchFamily="18" charset="0"/>
-              </a:rPr>
-              <a:t>what percent of bags are within one 			standard deviation of the mean weight?       79% </a:t>
-            </a:r>
-            <a:endParaRPr kumimoji="0" lang="en-US" altLang="en-US" sz="3000" b="0" i="0" u="none" strike="noStrike" cap="none" normalizeH="0" baseline="0" dirty="0" smtClean="0">
-              <a:ln>
-                <a:noFill/>
-              </a:ln>
-              <a:solidFill>
-                <a:schemeClr val="tx1"/>
-              </a:solidFill>
-              <a:effectLst/>
-            </a:endParaRPr>
-          </a:p>
-        </p:txBody>
-      </p:sp>
-    </p:spTree>
-    <p:extLst>
-      <p:ext uri="{BB962C8B-B14F-4D97-AF65-F5344CB8AC3E}">
-        <p14:creationId xmlns:p14="http://schemas.microsoft.com/office/powerpoint/2010/main" val="3993212541"/>
-      </p:ext>
-    </p:extLst>
-  </p:cSld>
-  <p:clrMapOvr>
-    <a:masterClrMapping/>
-  </p:clrMapOvr>
 </p:sld>
 </file>
 
